--- a/presentation/Traffic_Data_Study.pptx
+++ b/presentation/Traffic_Data_Study.pptx
@@ -1,23 +1,129 @@
 
 <file path=ppt/presentation.xml><?xml version="1.0" encoding="utf-8"?>
-<p:presentation xmlns:a="http://schemas.openxmlformats.org/drawingml/2006/main" xmlns:p="http://schemas.openxmlformats.org/presentationml/2006/main" xmlns:r="http://schemas.openxmlformats.org/officeDocument/2006/relationships" xmlns:p14="http://schemas.microsoft.com/office/powerpoint/2010/main" xmlns:p15="http://schemas.microsoft.com/office/powerpoint/2012/main" xmlns:mc="http://schemas.openxmlformats.org/markup-compatibility/2006">
+<p:presentation xmlns:a="http://schemas.openxmlformats.org/drawingml/2006/main" xmlns:r="http://schemas.openxmlformats.org/officeDocument/2006/relationships" xmlns:p="http://schemas.openxmlformats.org/presentationml/2006/main">
   <p:sldMasterIdLst>
-    <p:sldMasterId id="2147483648" r:id="rId2"/>
+    <p:sldMasterId id="2147483648" r:id="rId1"/>
   </p:sldMasterIdLst>
   <p:sldIdLst>
-    <p:sldId id="256" r:id="rId3"/>
-    <p:sldId id="257" r:id="rId4"/>
-    <p:sldId id="258" r:id="rId5"/>
-    <p:sldId id="259" r:id="rId6"/>
-    <p:sldId id="260" r:id="rId7"/>
+    <p:sldId id="256" r:id="rId2"/>
+    <p:sldId id="257" r:id="rId3"/>
+    <p:sldId id="259" r:id="rId4"/>
+    <p:sldId id="260" r:id="rId5"/>
+    <p:sldId id="261" r:id="rId6"/>
+    <p:sldId id="268" r:id="rId7"/>
+    <p:sldId id="266" r:id="rId8"/>
+    <p:sldId id="267" r:id="rId9"/>
+    <p:sldId id="269" r:id="rId10"/>
+    <p:sldId id="263" r:id="rId11"/>
+    <p:sldId id="271" r:id="rId12"/>
+    <p:sldId id="272" r:id="rId13"/>
+    <p:sldId id="262" r:id="rId14"/>
+    <p:sldId id="274" r:id="rId15"/>
+    <p:sldId id="264" r:id="rId16"/>
+    <p:sldId id="265" r:id="rId17"/>
   </p:sldIdLst>
   <p:sldSz cx="10080625" cy="5670550"/>
   <p:notesSz cx="7772400" cy="10058400"/>
+  <p:defaultTextStyle>
+    <a:defPPr>
+      <a:defRPr lang="en-US"/>
+    </a:defPPr>
+    <a:lvl1pPr marL="0" algn="l" defTabSz="914400" rtl="0" eaLnBrk="1" latinLnBrk="0" hangingPunct="1">
+      <a:defRPr sz="1800" kern="1200">
+        <a:solidFill>
+          <a:schemeClr val="tx1"/>
+        </a:solidFill>
+        <a:latin typeface="+mn-lt"/>
+        <a:ea typeface="+mn-ea"/>
+        <a:cs typeface="+mn-cs"/>
+      </a:defRPr>
+    </a:lvl1pPr>
+    <a:lvl2pPr marL="457200" algn="l" defTabSz="914400" rtl="0" eaLnBrk="1" latinLnBrk="0" hangingPunct="1">
+      <a:defRPr sz="1800" kern="1200">
+        <a:solidFill>
+          <a:schemeClr val="tx1"/>
+        </a:solidFill>
+        <a:latin typeface="+mn-lt"/>
+        <a:ea typeface="+mn-ea"/>
+        <a:cs typeface="+mn-cs"/>
+      </a:defRPr>
+    </a:lvl2pPr>
+    <a:lvl3pPr marL="914400" algn="l" defTabSz="914400" rtl="0" eaLnBrk="1" latinLnBrk="0" hangingPunct="1">
+      <a:defRPr sz="1800" kern="1200">
+        <a:solidFill>
+          <a:schemeClr val="tx1"/>
+        </a:solidFill>
+        <a:latin typeface="+mn-lt"/>
+        <a:ea typeface="+mn-ea"/>
+        <a:cs typeface="+mn-cs"/>
+      </a:defRPr>
+    </a:lvl3pPr>
+    <a:lvl4pPr marL="1371600" algn="l" defTabSz="914400" rtl="0" eaLnBrk="1" latinLnBrk="0" hangingPunct="1">
+      <a:defRPr sz="1800" kern="1200">
+        <a:solidFill>
+          <a:schemeClr val="tx1"/>
+        </a:solidFill>
+        <a:latin typeface="+mn-lt"/>
+        <a:ea typeface="+mn-ea"/>
+        <a:cs typeface="+mn-cs"/>
+      </a:defRPr>
+    </a:lvl4pPr>
+    <a:lvl5pPr marL="1828800" algn="l" defTabSz="914400" rtl="0" eaLnBrk="1" latinLnBrk="0" hangingPunct="1">
+      <a:defRPr sz="1800" kern="1200">
+        <a:solidFill>
+          <a:schemeClr val="tx1"/>
+        </a:solidFill>
+        <a:latin typeface="+mn-lt"/>
+        <a:ea typeface="+mn-ea"/>
+        <a:cs typeface="+mn-cs"/>
+      </a:defRPr>
+    </a:lvl5pPr>
+    <a:lvl6pPr marL="2286000" algn="l" defTabSz="914400" rtl="0" eaLnBrk="1" latinLnBrk="0" hangingPunct="1">
+      <a:defRPr sz="1800" kern="1200">
+        <a:solidFill>
+          <a:schemeClr val="tx1"/>
+        </a:solidFill>
+        <a:latin typeface="+mn-lt"/>
+        <a:ea typeface="+mn-ea"/>
+        <a:cs typeface="+mn-cs"/>
+      </a:defRPr>
+    </a:lvl6pPr>
+    <a:lvl7pPr marL="2743200" algn="l" defTabSz="914400" rtl="0" eaLnBrk="1" latinLnBrk="0" hangingPunct="1">
+      <a:defRPr sz="1800" kern="1200">
+        <a:solidFill>
+          <a:schemeClr val="tx1"/>
+        </a:solidFill>
+        <a:latin typeface="+mn-lt"/>
+        <a:ea typeface="+mn-ea"/>
+        <a:cs typeface="+mn-cs"/>
+      </a:defRPr>
+    </a:lvl7pPr>
+    <a:lvl8pPr marL="3200400" algn="l" defTabSz="914400" rtl="0" eaLnBrk="1" latinLnBrk="0" hangingPunct="1">
+      <a:defRPr sz="1800" kern="1200">
+        <a:solidFill>
+          <a:schemeClr val="tx1"/>
+        </a:solidFill>
+        <a:latin typeface="+mn-lt"/>
+        <a:ea typeface="+mn-ea"/>
+        <a:cs typeface="+mn-cs"/>
+      </a:defRPr>
+    </a:lvl8pPr>
+    <a:lvl9pPr marL="3657600" algn="l" defTabSz="914400" rtl="0" eaLnBrk="1" latinLnBrk="0" hangingPunct="1">
+      <a:defRPr sz="1800" kern="1200">
+        <a:solidFill>
+          <a:schemeClr val="tx1"/>
+        </a:solidFill>
+        <a:latin typeface="+mn-lt"/>
+        <a:ea typeface="+mn-ea"/>
+        <a:cs typeface="+mn-cs"/>
+      </a:defRPr>
+    </a:lvl9pPr>
+  </p:defaultTextStyle>
 </p:presentation>
 </file>
 
 <file path=ppt/slideLayouts/slideLayout1.xml><?xml version="1.0" encoding="utf-8"?>
-<p:sldLayout xmlns:a="http://schemas.openxmlformats.org/drawingml/2006/main" xmlns:p="http://schemas.openxmlformats.org/presentationml/2006/main" xmlns:r="http://schemas.openxmlformats.org/officeDocument/2006/relationships" xmlns:p14="http://schemas.microsoft.com/office/powerpoint/2010/main" xmlns:p15="http://schemas.microsoft.com/office/powerpoint/2012/main" xmlns:mc="http://schemas.openxmlformats.org/markup-compatibility/2006" type="blank" preserve="1">
+<p:sldLayout xmlns:a="http://schemas.openxmlformats.org/drawingml/2006/main" xmlns:r="http://schemas.openxmlformats.org/officeDocument/2006/relationships" xmlns:p="http://schemas.openxmlformats.org/presentationml/2006/main" type="blank" preserve="1">
   <p:cSld name="Blank Slide">
     <p:spTree>
       <p:nvGrpSpPr>
@@ -46,6 +152,7 @@
         <p:spPr/>
         <p:txBody>
           <a:bodyPr/>
+          <a:lstStyle/>
           <a:p>
             <a:r>
               <a:t>Footer</a:t>
@@ -66,10 +173,12 @@
         <p:spPr/>
         <p:txBody>
           <a:bodyPr/>
+          <a:lstStyle/>
           <a:p>
             <a:fld id="{6088D7C8-B156-40E0-9C52-004FB2FE12E0}" type="slidenum">
-              <a:t>&lt;#&gt;</a:t>
+              <a:t>‹#›</a:t>
             </a:fld>
+            <a:endParaRPr/>
           </a:p>
         </p:txBody>
       </p:sp>
@@ -86,21 +195,22 @@
         <p:spPr/>
         <p:txBody>
           <a:bodyPr/>
-          <a:p>
-            <a:r>
-              <a:rPr lang="en-US"/>
-              <a:t/>
-            </a:r>
+          <a:lstStyle/>
+          <a:p>
+            <a:endParaRPr/>
           </a:p>
         </p:txBody>
       </p:sp>
     </p:spTree>
   </p:cSld>
+  <p:clrMapOvr>
+    <a:masterClrMapping/>
+  </p:clrMapOvr>
 </p:sldLayout>
 </file>
 
 <file path=ppt/slideLayouts/slideLayout10.xml><?xml version="1.0" encoding="utf-8"?>
-<p:sldLayout xmlns:a="http://schemas.openxmlformats.org/drawingml/2006/main" xmlns:p="http://schemas.openxmlformats.org/presentationml/2006/main" xmlns:r="http://schemas.openxmlformats.org/officeDocument/2006/relationships" xmlns:p14="http://schemas.microsoft.com/office/powerpoint/2010/main" xmlns:p15="http://schemas.microsoft.com/office/powerpoint/2012/main" xmlns:mc="http://schemas.openxmlformats.org/markup-compatibility/2006" type="objOverTx" preserve="1">
+<p:sldLayout xmlns:a="http://schemas.openxmlformats.org/drawingml/2006/main" xmlns:r="http://schemas.openxmlformats.org/officeDocument/2006/relationships" xmlns:p="http://schemas.openxmlformats.org/presentationml/2006/main" type="objOverTx" preserve="1">
   <p:cSld name="Title, Content over Content">
     <p:spTree>
       <p:nvGrpSpPr>
@@ -140,14 +250,15 @@
           </a:ln>
         </p:spPr>
         <p:txBody>
-          <a:bodyPr lIns="0" rIns="0" tIns="0" bIns="0" anchor="ctr">
+          <a:bodyPr lIns="0" tIns="0" rIns="0" bIns="0" anchor="ctr">
             <a:noAutofit/>
           </a:bodyPr>
+          <a:lstStyle/>
           <a:p>
             <a:pPr algn="ctr">
               <a:buNone/>
             </a:pPr>
-            <a:endParaRPr b="0" lang="en-US" sz="4400" spc="-1" strike="noStrike">
+            <a:endParaRPr lang="en-US" sz="4400" b="0" strike="noStrike" spc="-1">
               <a:latin typeface="Arial"/>
             </a:endParaRPr>
           </a:p>
@@ -177,11 +288,12 @@
           </a:ln>
         </p:spPr>
         <p:txBody>
-          <a:bodyPr lIns="0" rIns="0" tIns="0" bIns="0" anchor="t">
+          <a:bodyPr lIns="0" tIns="0" rIns="0" bIns="0" anchor="t">
             <a:normAutofit/>
           </a:bodyPr>
-          <a:p>
-            <a:endParaRPr b="0" lang="en-US" sz="3200" spc="-1" strike="noStrike">
+          <a:lstStyle/>
+          <a:p>
+            <a:endParaRPr lang="en-US" sz="3200" b="0" strike="noStrike" spc="-1">
               <a:latin typeface="Arial"/>
             </a:endParaRPr>
           </a:p>
@@ -211,11 +323,12 @@
           </a:ln>
         </p:spPr>
         <p:txBody>
-          <a:bodyPr lIns="0" rIns="0" tIns="0" bIns="0" anchor="t">
+          <a:bodyPr lIns="0" tIns="0" rIns="0" bIns="0" anchor="t">
             <a:normAutofit/>
           </a:bodyPr>
-          <a:p>
-            <a:endParaRPr b="0" lang="en-US" sz="3200" spc="-1" strike="noStrike">
+          <a:lstStyle/>
+          <a:p>
+            <a:endParaRPr lang="en-US" sz="3200" b="0" strike="noStrike" spc="-1">
               <a:latin typeface="Arial"/>
             </a:endParaRPr>
           </a:p>
@@ -234,6 +347,7 @@
         <p:spPr/>
         <p:txBody>
           <a:bodyPr/>
+          <a:lstStyle/>
           <a:p>
             <a:r>
               <a:t>Footer</a:t>
@@ -254,10 +368,12 @@
         <p:spPr/>
         <p:txBody>
           <a:bodyPr/>
+          <a:lstStyle/>
           <a:p>
             <a:fld id="{BCF063B9-1DCF-4C83-B63C-4AB834AFA79A}" type="slidenum">
-              <a:t>&lt;#&gt;</a:t>
+              <a:t>‹#›</a:t>
             </a:fld>
+            <a:endParaRPr/>
           </a:p>
         </p:txBody>
       </p:sp>
@@ -274,21 +390,22 @@
         <p:spPr/>
         <p:txBody>
           <a:bodyPr/>
-          <a:p>
-            <a:r>
-              <a:rPr lang="en-US"/>
-              <a:t/>
-            </a:r>
+          <a:lstStyle/>
+          <a:p>
+            <a:endParaRPr/>
           </a:p>
         </p:txBody>
       </p:sp>
     </p:spTree>
   </p:cSld>
+  <p:clrMapOvr>
+    <a:masterClrMapping/>
+  </p:clrMapOvr>
 </p:sldLayout>
 </file>
 
 <file path=ppt/slideLayouts/slideLayout11.xml><?xml version="1.0" encoding="utf-8"?>
-<p:sldLayout xmlns:a="http://schemas.openxmlformats.org/drawingml/2006/main" xmlns:p="http://schemas.openxmlformats.org/presentationml/2006/main" xmlns:r="http://schemas.openxmlformats.org/officeDocument/2006/relationships" xmlns:p14="http://schemas.microsoft.com/office/powerpoint/2010/main" xmlns:p15="http://schemas.microsoft.com/office/powerpoint/2012/main" xmlns:mc="http://schemas.openxmlformats.org/markup-compatibility/2006" type="fourObj" preserve="1">
+<p:sldLayout xmlns:a="http://schemas.openxmlformats.org/drawingml/2006/main" xmlns:r="http://schemas.openxmlformats.org/officeDocument/2006/relationships" xmlns:p="http://schemas.openxmlformats.org/presentationml/2006/main" type="fourObj" preserve="1">
   <p:cSld name="Title, 4 Content">
     <p:spTree>
       <p:nvGrpSpPr>
@@ -328,14 +445,15 @@
           </a:ln>
         </p:spPr>
         <p:txBody>
-          <a:bodyPr lIns="0" rIns="0" tIns="0" bIns="0" anchor="ctr">
+          <a:bodyPr lIns="0" tIns="0" rIns="0" bIns="0" anchor="ctr">
             <a:noAutofit/>
           </a:bodyPr>
+          <a:lstStyle/>
           <a:p>
             <a:pPr algn="ctr">
               <a:buNone/>
             </a:pPr>
-            <a:endParaRPr b="0" lang="en-US" sz="4400" spc="-1" strike="noStrike">
+            <a:endParaRPr lang="en-US" sz="4400" b="0" strike="noStrike" spc="-1">
               <a:latin typeface="Arial"/>
             </a:endParaRPr>
           </a:p>
@@ -365,11 +483,12 @@
           </a:ln>
         </p:spPr>
         <p:txBody>
-          <a:bodyPr lIns="0" rIns="0" tIns="0" bIns="0" anchor="t">
+          <a:bodyPr lIns="0" tIns="0" rIns="0" bIns="0" anchor="t">
             <a:normAutofit/>
           </a:bodyPr>
-          <a:p>
-            <a:endParaRPr b="0" lang="en-US" sz="3200" spc="-1" strike="noStrike">
+          <a:lstStyle/>
+          <a:p>
+            <a:endParaRPr lang="en-US" sz="3200" b="0" strike="noStrike" spc="-1">
               <a:latin typeface="Arial"/>
             </a:endParaRPr>
           </a:p>
@@ -399,11 +518,12 @@
           </a:ln>
         </p:spPr>
         <p:txBody>
-          <a:bodyPr lIns="0" rIns="0" tIns="0" bIns="0" anchor="t">
+          <a:bodyPr lIns="0" tIns="0" rIns="0" bIns="0" anchor="t">
             <a:normAutofit/>
           </a:bodyPr>
-          <a:p>
-            <a:endParaRPr b="0" lang="en-US" sz="3200" spc="-1" strike="noStrike">
+          <a:lstStyle/>
+          <a:p>
+            <a:endParaRPr lang="en-US" sz="3200" b="0" strike="noStrike" spc="-1">
               <a:latin typeface="Arial"/>
             </a:endParaRPr>
           </a:p>
@@ -433,11 +553,12 @@
           </a:ln>
         </p:spPr>
         <p:txBody>
-          <a:bodyPr lIns="0" rIns="0" tIns="0" bIns="0" anchor="t">
+          <a:bodyPr lIns="0" tIns="0" rIns="0" bIns="0" anchor="t">
             <a:normAutofit/>
           </a:bodyPr>
-          <a:p>
-            <a:endParaRPr b="0" lang="en-US" sz="3200" spc="-1" strike="noStrike">
+          <a:lstStyle/>
+          <a:p>
+            <a:endParaRPr lang="en-US" sz="3200" b="0" strike="noStrike" spc="-1">
               <a:latin typeface="Arial"/>
             </a:endParaRPr>
           </a:p>
@@ -467,11 +588,12 @@
           </a:ln>
         </p:spPr>
         <p:txBody>
-          <a:bodyPr lIns="0" rIns="0" tIns="0" bIns="0" anchor="t">
+          <a:bodyPr lIns="0" tIns="0" rIns="0" bIns="0" anchor="t">
             <a:normAutofit/>
           </a:bodyPr>
-          <a:p>
-            <a:endParaRPr b="0" lang="en-US" sz="3200" spc="-1" strike="noStrike">
+          <a:lstStyle/>
+          <a:p>
+            <a:endParaRPr lang="en-US" sz="3200" b="0" strike="noStrike" spc="-1">
               <a:latin typeface="Arial"/>
             </a:endParaRPr>
           </a:p>
@@ -490,6 +612,7 @@
         <p:spPr/>
         <p:txBody>
           <a:bodyPr/>
+          <a:lstStyle/>
           <a:p>
             <a:r>
               <a:t>Footer</a:t>
@@ -510,10 +633,12 @@
         <p:spPr/>
         <p:txBody>
           <a:bodyPr/>
+          <a:lstStyle/>
           <a:p>
             <a:fld id="{1065320A-5396-4D59-94DF-D621750E099E}" type="slidenum">
-              <a:t>&lt;#&gt;</a:t>
+              <a:t>‹#›</a:t>
             </a:fld>
+            <a:endParaRPr/>
           </a:p>
         </p:txBody>
       </p:sp>
@@ -530,21 +655,22 @@
         <p:spPr/>
         <p:txBody>
           <a:bodyPr/>
-          <a:p>
-            <a:r>
-              <a:rPr lang="en-US"/>
-              <a:t/>
-            </a:r>
+          <a:lstStyle/>
+          <a:p>
+            <a:endParaRPr/>
           </a:p>
         </p:txBody>
       </p:sp>
     </p:spTree>
   </p:cSld>
+  <p:clrMapOvr>
+    <a:masterClrMapping/>
+  </p:clrMapOvr>
 </p:sldLayout>
 </file>
 
 <file path=ppt/slideLayouts/slideLayout12.xml><?xml version="1.0" encoding="utf-8"?>
-<p:sldLayout xmlns:a="http://schemas.openxmlformats.org/drawingml/2006/main" xmlns:p="http://schemas.openxmlformats.org/presentationml/2006/main" xmlns:r="http://schemas.openxmlformats.org/officeDocument/2006/relationships" xmlns:p14="http://schemas.microsoft.com/office/powerpoint/2010/main" xmlns:p15="http://schemas.microsoft.com/office/powerpoint/2012/main" xmlns:mc="http://schemas.openxmlformats.org/markup-compatibility/2006" type="blank" preserve="1">
+<p:sldLayout xmlns:a="http://schemas.openxmlformats.org/drawingml/2006/main" xmlns:r="http://schemas.openxmlformats.org/officeDocument/2006/relationships" xmlns:p="http://schemas.openxmlformats.org/presentationml/2006/main" type="blank" preserve="1">
   <p:cSld name="Title, 6 Content">
     <p:spTree>
       <p:nvGrpSpPr>
@@ -584,14 +710,15 @@
           </a:ln>
         </p:spPr>
         <p:txBody>
-          <a:bodyPr lIns="0" rIns="0" tIns="0" bIns="0" anchor="ctr">
+          <a:bodyPr lIns="0" tIns="0" rIns="0" bIns="0" anchor="ctr">
             <a:noAutofit/>
           </a:bodyPr>
+          <a:lstStyle/>
           <a:p>
             <a:pPr algn="ctr">
               <a:buNone/>
             </a:pPr>
-            <a:endParaRPr b="0" lang="en-US" sz="4400" spc="-1" strike="noStrike">
+            <a:endParaRPr lang="en-US" sz="4400" b="0" strike="noStrike" spc="-1">
               <a:latin typeface="Arial"/>
             </a:endParaRPr>
           </a:p>
@@ -621,11 +748,12 @@
           </a:ln>
         </p:spPr>
         <p:txBody>
-          <a:bodyPr lIns="0" rIns="0" tIns="0" bIns="0" anchor="t">
+          <a:bodyPr lIns="0" tIns="0" rIns="0" bIns="0" anchor="t">
             <a:normAutofit/>
           </a:bodyPr>
-          <a:p>
-            <a:endParaRPr b="0" lang="en-US" sz="3200" spc="-1" strike="noStrike">
+          <a:lstStyle/>
+          <a:p>
+            <a:endParaRPr lang="en-US" sz="3200" b="0" strike="noStrike" spc="-1">
               <a:latin typeface="Arial"/>
             </a:endParaRPr>
           </a:p>
@@ -655,11 +783,12 @@
           </a:ln>
         </p:spPr>
         <p:txBody>
-          <a:bodyPr lIns="0" rIns="0" tIns="0" bIns="0" anchor="t">
+          <a:bodyPr lIns="0" tIns="0" rIns="0" bIns="0" anchor="t">
             <a:normAutofit/>
           </a:bodyPr>
-          <a:p>
-            <a:endParaRPr b="0" lang="en-US" sz="3200" spc="-1" strike="noStrike">
+          <a:lstStyle/>
+          <a:p>
+            <a:endParaRPr lang="en-US" sz="3200" b="0" strike="noStrike" spc="-1">
               <a:latin typeface="Arial"/>
             </a:endParaRPr>
           </a:p>
@@ -689,11 +818,12 @@
           </a:ln>
         </p:spPr>
         <p:txBody>
-          <a:bodyPr lIns="0" rIns="0" tIns="0" bIns="0" anchor="t">
+          <a:bodyPr lIns="0" tIns="0" rIns="0" bIns="0" anchor="t">
             <a:normAutofit/>
           </a:bodyPr>
-          <a:p>
-            <a:endParaRPr b="0" lang="en-US" sz="3200" spc="-1" strike="noStrike">
+          <a:lstStyle/>
+          <a:p>
+            <a:endParaRPr lang="en-US" sz="3200" b="0" strike="noStrike" spc="-1">
               <a:latin typeface="Arial"/>
             </a:endParaRPr>
           </a:p>
@@ -723,11 +853,12 @@
           </a:ln>
         </p:spPr>
         <p:txBody>
-          <a:bodyPr lIns="0" rIns="0" tIns="0" bIns="0" anchor="t">
+          <a:bodyPr lIns="0" tIns="0" rIns="0" bIns="0" anchor="t">
             <a:normAutofit/>
           </a:bodyPr>
-          <a:p>
-            <a:endParaRPr b="0" lang="en-US" sz="3200" spc="-1" strike="noStrike">
+          <a:lstStyle/>
+          <a:p>
+            <a:endParaRPr lang="en-US" sz="3200" b="0" strike="noStrike" spc="-1">
               <a:latin typeface="Arial"/>
             </a:endParaRPr>
           </a:p>
@@ -757,11 +888,12 @@
           </a:ln>
         </p:spPr>
         <p:txBody>
-          <a:bodyPr lIns="0" rIns="0" tIns="0" bIns="0" anchor="t">
+          <a:bodyPr lIns="0" tIns="0" rIns="0" bIns="0" anchor="t">
             <a:normAutofit/>
           </a:bodyPr>
-          <a:p>
-            <a:endParaRPr b="0" lang="en-US" sz="3200" spc="-1" strike="noStrike">
+          <a:lstStyle/>
+          <a:p>
+            <a:endParaRPr lang="en-US" sz="3200" b="0" strike="noStrike" spc="-1">
               <a:latin typeface="Arial"/>
             </a:endParaRPr>
           </a:p>
@@ -791,11 +923,12 @@
           </a:ln>
         </p:spPr>
         <p:txBody>
-          <a:bodyPr lIns="0" rIns="0" tIns="0" bIns="0" anchor="t">
+          <a:bodyPr lIns="0" tIns="0" rIns="0" bIns="0" anchor="t">
             <a:normAutofit/>
           </a:bodyPr>
-          <a:p>
-            <a:endParaRPr b="0" lang="en-US" sz="3200" spc="-1" strike="noStrike">
+          <a:lstStyle/>
+          <a:p>
+            <a:endParaRPr lang="en-US" sz="3200" b="0" strike="noStrike" spc="-1">
               <a:latin typeface="Arial"/>
             </a:endParaRPr>
           </a:p>
@@ -814,6 +947,7 @@
         <p:spPr/>
         <p:txBody>
           <a:bodyPr/>
+          <a:lstStyle/>
           <a:p>
             <a:r>
               <a:t>Footer</a:t>
@@ -834,10 +968,12 @@
         <p:spPr/>
         <p:txBody>
           <a:bodyPr/>
+          <a:lstStyle/>
           <a:p>
             <a:fld id="{C366E229-5B19-4E0C-9C20-5AAE69A41FF8}" type="slidenum">
-              <a:t>&lt;#&gt;</a:t>
+              <a:t>‹#›</a:t>
             </a:fld>
+            <a:endParaRPr/>
           </a:p>
         </p:txBody>
       </p:sp>
@@ -854,21 +990,22 @@
         <p:spPr/>
         <p:txBody>
           <a:bodyPr/>
-          <a:p>
-            <a:r>
-              <a:rPr lang="en-US"/>
-              <a:t/>
-            </a:r>
+          <a:lstStyle/>
+          <a:p>
+            <a:endParaRPr/>
           </a:p>
         </p:txBody>
       </p:sp>
     </p:spTree>
   </p:cSld>
+  <p:clrMapOvr>
+    <a:masterClrMapping/>
+  </p:clrMapOvr>
 </p:sldLayout>
 </file>
 
 <file path=ppt/slideLayouts/slideLayout2.xml><?xml version="1.0" encoding="utf-8"?>
-<p:sldLayout xmlns:a="http://schemas.openxmlformats.org/drawingml/2006/main" xmlns:p="http://schemas.openxmlformats.org/presentationml/2006/main" xmlns:r="http://schemas.openxmlformats.org/officeDocument/2006/relationships" xmlns:p14="http://schemas.microsoft.com/office/powerpoint/2010/main" xmlns:p15="http://schemas.microsoft.com/office/powerpoint/2012/main" xmlns:mc="http://schemas.openxmlformats.org/markup-compatibility/2006" type="tx" preserve="1">
+<p:sldLayout xmlns:a="http://schemas.openxmlformats.org/drawingml/2006/main" xmlns:r="http://schemas.openxmlformats.org/officeDocument/2006/relationships" xmlns:p="http://schemas.openxmlformats.org/presentationml/2006/main" type="tx" preserve="1">
   <p:cSld name="Title Slide">
     <p:spTree>
       <p:nvGrpSpPr>
@@ -908,14 +1045,15 @@
           </a:ln>
         </p:spPr>
         <p:txBody>
-          <a:bodyPr lIns="0" rIns="0" tIns="0" bIns="0" anchor="ctr">
+          <a:bodyPr lIns="0" tIns="0" rIns="0" bIns="0" anchor="ctr">
             <a:noAutofit/>
           </a:bodyPr>
+          <a:lstStyle/>
           <a:p>
             <a:pPr algn="ctr">
               <a:buNone/>
             </a:pPr>
-            <a:endParaRPr b="0" lang="en-US" sz="4400" spc="-1" strike="noStrike">
+            <a:endParaRPr lang="en-US" sz="4400" b="0" strike="noStrike" spc="-1">
               <a:latin typeface="Arial"/>
             </a:endParaRPr>
           </a:p>
@@ -945,14 +1083,15 @@
           </a:ln>
         </p:spPr>
         <p:txBody>
-          <a:bodyPr lIns="0" rIns="0" tIns="0" bIns="0" anchor="ctr">
+          <a:bodyPr lIns="0" tIns="0" rIns="0" bIns="0" anchor="ctr">
             <a:noAutofit/>
           </a:bodyPr>
+          <a:lstStyle/>
           <a:p>
             <a:pPr algn="ctr">
               <a:buNone/>
             </a:pPr>
-            <a:endParaRPr b="0" lang="en-US" sz="3200" spc="-1" strike="noStrike">
+            <a:endParaRPr lang="en-US" sz="3200" b="0" strike="noStrike" spc="-1">
               <a:latin typeface="Arial"/>
             </a:endParaRPr>
           </a:p>
@@ -971,6 +1110,7 @@
         <p:spPr/>
         <p:txBody>
           <a:bodyPr/>
+          <a:lstStyle/>
           <a:p>
             <a:r>
               <a:t>Footer</a:t>
@@ -980,7 +1120,7 @@
       </p:sp>
       <p:sp>
         <p:nvSpPr>
-          <p:cNvPr id="5" name="PlaceHolder 4"/>
+          <p:cNvPr id="2" name="PlaceHolder 4"/>
           <p:cNvSpPr>
             <a:spLocks noGrp="1"/>
           </p:cNvSpPr>
@@ -991,16 +1131,18 @@
         <p:spPr/>
         <p:txBody>
           <a:bodyPr/>
+          <a:lstStyle/>
           <a:p>
             <a:fld id="{9B809FC4-BD7D-4556-BE76-B4EA9F53C471}" type="slidenum">
-              <a:t>&lt;#&gt;</a:t>
+              <a:t>‹#›</a:t>
             </a:fld>
-          </a:p>
-        </p:txBody>
-      </p:sp>
-      <p:sp>
-        <p:nvSpPr>
-          <p:cNvPr id="6" name="PlaceHolder 5"/>
+            <a:endParaRPr/>
+          </a:p>
+        </p:txBody>
+      </p:sp>
+      <p:sp>
+        <p:nvSpPr>
+          <p:cNvPr id="3" name="PlaceHolder 5"/>
           <p:cNvSpPr>
             <a:spLocks noGrp="1"/>
           </p:cNvSpPr>
@@ -1011,21 +1153,22 @@
         <p:spPr/>
         <p:txBody>
           <a:bodyPr/>
-          <a:p>
-            <a:r>
-              <a:rPr lang="en-US"/>
-              <a:t/>
-            </a:r>
+          <a:lstStyle/>
+          <a:p>
+            <a:endParaRPr/>
           </a:p>
         </p:txBody>
       </p:sp>
     </p:spTree>
   </p:cSld>
+  <p:clrMapOvr>
+    <a:masterClrMapping/>
+  </p:clrMapOvr>
 </p:sldLayout>
 </file>
 
 <file path=ppt/slideLayouts/slideLayout3.xml><?xml version="1.0" encoding="utf-8"?>
-<p:sldLayout xmlns:a="http://schemas.openxmlformats.org/drawingml/2006/main" xmlns:p="http://schemas.openxmlformats.org/presentationml/2006/main" xmlns:r="http://schemas.openxmlformats.org/officeDocument/2006/relationships" xmlns:p14="http://schemas.microsoft.com/office/powerpoint/2010/main" xmlns:p15="http://schemas.microsoft.com/office/powerpoint/2012/main" xmlns:mc="http://schemas.openxmlformats.org/markup-compatibility/2006" type="obj" preserve="1">
+<p:sldLayout xmlns:a="http://schemas.openxmlformats.org/drawingml/2006/main" xmlns:r="http://schemas.openxmlformats.org/officeDocument/2006/relationships" xmlns:p="http://schemas.openxmlformats.org/presentationml/2006/main" type="obj" preserve="1">
   <p:cSld name="Title, Content">
     <p:spTree>
       <p:nvGrpSpPr>
@@ -1065,14 +1208,15 @@
           </a:ln>
         </p:spPr>
         <p:txBody>
-          <a:bodyPr lIns="0" rIns="0" tIns="0" bIns="0" anchor="ctr">
+          <a:bodyPr lIns="0" tIns="0" rIns="0" bIns="0" anchor="ctr">
             <a:noAutofit/>
           </a:bodyPr>
+          <a:lstStyle/>
           <a:p>
             <a:pPr algn="ctr">
               <a:buNone/>
             </a:pPr>
-            <a:endParaRPr b="0" lang="en-US" sz="4400" spc="-1" strike="noStrike">
+            <a:endParaRPr lang="en-US" sz="4400" b="0" strike="noStrike" spc="-1">
               <a:latin typeface="Arial"/>
             </a:endParaRPr>
           </a:p>
@@ -1102,11 +1246,12 @@
           </a:ln>
         </p:spPr>
         <p:txBody>
-          <a:bodyPr lIns="0" rIns="0" tIns="0" bIns="0" anchor="t">
+          <a:bodyPr lIns="0" tIns="0" rIns="0" bIns="0" anchor="t">
             <a:normAutofit/>
           </a:bodyPr>
-          <a:p>
-            <a:endParaRPr b="0" lang="en-US" sz="3200" spc="-1" strike="noStrike">
+          <a:lstStyle/>
+          <a:p>
+            <a:endParaRPr lang="en-US" sz="3200" b="0" strike="noStrike" spc="-1">
               <a:latin typeface="Arial"/>
             </a:endParaRPr>
           </a:p>
@@ -1125,6 +1270,7 @@
         <p:spPr/>
         <p:txBody>
           <a:bodyPr/>
+          <a:lstStyle/>
           <a:p>
             <a:r>
               <a:t>Footer</a:t>
@@ -1145,10 +1291,12 @@
         <p:spPr/>
         <p:txBody>
           <a:bodyPr/>
+          <a:lstStyle/>
           <a:p>
             <a:fld id="{18F2FF41-1220-4093-A69C-2C2E7D66884A}" type="slidenum">
-              <a:t>&lt;#&gt;</a:t>
+              <a:t>‹#›</a:t>
             </a:fld>
+            <a:endParaRPr/>
           </a:p>
         </p:txBody>
       </p:sp>
@@ -1165,21 +1313,22 @@
         <p:spPr/>
         <p:txBody>
           <a:bodyPr/>
-          <a:p>
-            <a:r>
-              <a:rPr lang="en-US"/>
-              <a:t/>
-            </a:r>
+          <a:lstStyle/>
+          <a:p>
+            <a:endParaRPr/>
           </a:p>
         </p:txBody>
       </p:sp>
     </p:spTree>
   </p:cSld>
+  <p:clrMapOvr>
+    <a:masterClrMapping/>
+  </p:clrMapOvr>
 </p:sldLayout>
 </file>
 
 <file path=ppt/slideLayouts/slideLayout4.xml><?xml version="1.0" encoding="utf-8"?>
-<p:sldLayout xmlns:a="http://schemas.openxmlformats.org/drawingml/2006/main" xmlns:p="http://schemas.openxmlformats.org/presentationml/2006/main" xmlns:r="http://schemas.openxmlformats.org/officeDocument/2006/relationships" xmlns:p14="http://schemas.microsoft.com/office/powerpoint/2010/main" xmlns:p15="http://schemas.microsoft.com/office/powerpoint/2012/main" xmlns:mc="http://schemas.openxmlformats.org/markup-compatibility/2006" type="twoObj" preserve="1">
+<p:sldLayout xmlns:a="http://schemas.openxmlformats.org/drawingml/2006/main" xmlns:r="http://schemas.openxmlformats.org/officeDocument/2006/relationships" xmlns:p="http://schemas.openxmlformats.org/presentationml/2006/main" type="twoObj" preserve="1">
   <p:cSld name="Title, 2 Content">
     <p:spTree>
       <p:nvGrpSpPr>
@@ -1219,14 +1368,15 @@
           </a:ln>
         </p:spPr>
         <p:txBody>
-          <a:bodyPr lIns="0" rIns="0" tIns="0" bIns="0" anchor="ctr">
+          <a:bodyPr lIns="0" tIns="0" rIns="0" bIns="0" anchor="ctr">
             <a:noAutofit/>
           </a:bodyPr>
+          <a:lstStyle/>
           <a:p>
             <a:pPr algn="ctr">
               <a:buNone/>
             </a:pPr>
-            <a:endParaRPr b="0" lang="en-US" sz="4400" spc="-1" strike="noStrike">
+            <a:endParaRPr lang="en-US" sz="4400" b="0" strike="noStrike" spc="-1">
               <a:latin typeface="Arial"/>
             </a:endParaRPr>
           </a:p>
@@ -1256,11 +1406,12 @@
           </a:ln>
         </p:spPr>
         <p:txBody>
-          <a:bodyPr lIns="0" rIns="0" tIns="0" bIns="0" anchor="t">
+          <a:bodyPr lIns="0" tIns="0" rIns="0" bIns="0" anchor="t">
             <a:normAutofit/>
           </a:bodyPr>
-          <a:p>
-            <a:endParaRPr b="0" lang="en-US" sz="3200" spc="-1" strike="noStrike">
+          <a:lstStyle/>
+          <a:p>
+            <a:endParaRPr lang="en-US" sz="3200" b="0" strike="noStrike" spc="-1">
               <a:latin typeface="Arial"/>
             </a:endParaRPr>
           </a:p>
@@ -1290,11 +1441,12 @@
           </a:ln>
         </p:spPr>
         <p:txBody>
-          <a:bodyPr lIns="0" rIns="0" tIns="0" bIns="0" anchor="t">
+          <a:bodyPr lIns="0" tIns="0" rIns="0" bIns="0" anchor="t">
             <a:normAutofit/>
           </a:bodyPr>
-          <a:p>
-            <a:endParaRPr b="0" lang="en-US" sz="3200" spc="-1" strike="noStrike">
+          <a:lstStyle/>
+          <a:p>
+            <a:endParaRPr lang="en-US" sz="3200" b="0" strike="noStrike" spc="-1">
               <a:latin typeface="Arial"/>
             </a:endParaRPr>
           </a:p>
@@ -1313,6 +1465,7 @@
         <p:spPr/>
         <p:txBody>
           <a:bodyPr/>
+          <a:lstStyle/>
           <a:p>
             <a:r>
               <a:t>Footer</a:t>
@@ -1333,10 +1486,12 @@
         <p:spPr/>
         <p:txBody>
           <a:bodyPr/>
+          <a:lstStyle/>
           <a:p>
             <a:fld id="{7991B74A-51CA-49E1-966F-56E8125290C3}" type="slidenum">
-              <a:t>&lt;#&gt;</a:t>
+              <a:t>‹#›</a:t>
             </a:fld>
+            <a:endParaRPr/>
           </a:p>
         </p:txBody>
       </p:sp>
@@ -1353,21 +1508,22 @@
         <p:spPr/>
         <p:txBody>
           <a:bodyPr/>
-          <a:p>
-            <a:r>
-              <a:rPr lang="en-US"/>
-              <a:t/>
-            </a:r>
+          <a:lstStyle/>
+          <a:p>
+            <a:endParaRPr/>
           </a:p>
         </p:txBody>
       </p:sp>
     </p:spTree>
   </p:cSld>
+  <p:clrMapOvr>
+    <a:masterClrMapping/>
+  </p:clrMapOvr>
 </p:sldLayout>
 </file>
 
 <file path=ppt/slideLayouts/slideLayout5.xml><?xml version="1.0" encoding="utf-8"?>
-<p:sldLayout xmlns:a="http://schemas.openxmlformats.org/drawingml/2006/main" xmlns:p="http://schemas.openxmlformats.org/presentationml/2006/main" xmlns:r="http://schemas.openxmlformats.org/officeDocument/2006/relationships" xmlns:p14="http://schemas.microsoft.com/office/powerpoint/2010/main" xmlns:p15="http://schemas.microsoft.com/office/powerpoint/2012/main" xmlns:mc="http://schemas.openxmlformats.org/markup-compatibility/2006" type="titleOnly" preserve="1">
+<p:sldLayout xmlns:a="http://schemas.openxmlformats.org/drawingml/2006/main" xmlns:r="http://schemas.openxmlformats.org/officeDocument/2006/relationships" xmlns:p="http://schemas.openxmlformats.org/presentationml/2006/main" type="titleOnly" preserve="1">
   <p:cSld name="Title Only">
     <p:spTree>
       <p:nvGrpSpPr>
@@ -1407,14 +1563,15 @@
           </a:ln>
         </p:spPr>
         <p:txBody>
-          <a:bodyPr lIns="0" rIns="0" tIns="0" bIns="0" anchor="ctr">
+          <a:bodyPr lIns="0" tIns="0" rIns="0" bIns="0" anchor="ctr">
             <a:noAutofit/>
           </a:bodyPr>
+          <a:lstStyle/>
           <a:p>
             <a:pPr algn="ctr">
               <a:buNone/>
             </a:pPr>
-            <a:endParaRPr b="0" lang="en-US" sz="4400" spc="-1" strike="noStrike">
+            <a:endParaRPr lang="en-US" sz="4400" b="0" strike="noStrike" spc="-1">
               <a:latin typeface="Arial"/>
             </a:endParaRPr>
           </a:p>
@@ -1433,6 +1590,7 @@
         <p:spPr/>
         <p:txBody>
           <a:bodyPr/>
+          <a:lstStyle/>
           <a:p>
             <a:r>
               <a:t>Footer</a:t>
@@ -1453,10 +1611,12 @@
         <p:spPr/>
         <p:txBody>
           <a:bodyPr/>
+          <a:lstStyle/>
           <a:p>
             <a:fld id="{9E6167F3-3D20-4625-A57C-B92C0D5C1F8E}" type="slidenum">
-              <a:t>&lt;#&gt;</a:t>
+              <a:t>‹#›</a:t>
             </a:fld>
+            <a:endParaRPr/>
           </a:p>
         </p:txBody>
       </p:sp>
@@ -1473,21 +1633,22 @@
         <p:spPr/>
         <p:txBody>
           <a:bodyPr/>
-          <a:p>
-            <a:r>
-              <a:rPr lang="en-US"/>
-              <a:t/>
-            </a:r>
+          <a:lstStyle/>
+          <a:p>
+            <a:endParaRPr/>
           </a:p>
         </p:txBody>
       </p:sp>
     </p:spTree>
   </p:cSld>
+  <p:clrMapOvr>
+    <a:masterClrMapping/>
+  </p:clrMapOvr>
 </p:sldLayout>
 </file>
 
 <file path=ppt/slideLayouts/slideLayout6.xml><?xml version="1.0" encoding="utf-8"?>
-<p:sldLayout xmlns:a="http://schemas.openxmlformats.org/drawingml/2006/main" xmlns:p="http://schemas.openxmlformats.org/presentationml/2006/main" xmlns:r="http://schemas.openxmlformats.org/officeDocument/2006/relationships" xmlns:p14="http://schemas.microsoft.com/office/powerpoint/2010/main" xmlns:p15="http://schemas.microsoft.com/office/powerpoint/2012/main" xmlns:mc="http://schemas.openxmlformats.org/markup-compatibility/2006" type="objOnly" preserve="1">
+<p:sldLayout xmlns:a="http://schemas.openxmlformats.org/drawingml/2006/main" xmlns:r="http://schemas.openxmlformats.org/officeDocument/2006/relationships" xmlns:p="http://schemas.openxmlformats.org/presentationml/2006/main" type="objOnly" preserve="1">
   <p:cSld name="Centered Text">
     <p:spTree>
       <p:nvGrpSpPr>
@@ -1527,14 +1688,15 @@
           </a:ln>
         </p:spPr>
         <p:txBody>
-          <a:bodyPr lIns="0" rIns="0" tIns="0" bIns="0" anchor="ctr">
+          <a:bodyPr lIns="0" tIns="0" rIns="0" bIns="0" anchor="ctr">
             <a:noAutofit/>
           </a:bodyPr>
+          <a:lstStyle/>
           <a:p>
             <a:pPr algn="ctr">
               <a:buNone/>
             </a:pPr>
-            <a:endParaRPr b="0" lang="en-US" sz="3200" spc="-1" strike="noStrike">
+            <a:endParaRPr lang="en-US" sz="3200" b="0" strike="noStrike" spc="-1">
               <a:latin typeface="Arial"/>
             </a:endParaRPr>
           </a:p>
@@ -1553,6 +1715,7 @@
         <p:spPr/>
         <p:txBody>
           <a:bodyPr/>
+          <a:lstStyle/>
           <a:p>
             <a:r>
               <a:t>Footer</a:t>
@@ -1573,10 +1736,12 @@
         <p:spPr/>
         <p:txBody>
           <a:bodyPr/>
+          <a:lstStyle/>
           <a:p>
             <a:fld id="{784FE892-36E1-46DB-AFB5-E1D058696E75}" type="slidenum">
-              <a:t>&lt;#&gt;</a:t>
+              <a:t>‹#›</a:t>
             </a:fld>
+            <a:endParaRPr/>
           </a:p>
         </p:txBody>
       </p:sp>
@@ -1593,21 +1758,22 @@
         <p:spPr/>
         <p:txBody>
           <a:bodyPr/>
-          <a:p>
-            <a:r>
-              <a:rPr lang="en-US"/>
-              <a:t/>
-            </a:r>
+          <a:lstStyle/>
+          <a:p>
+            <a:endParaRPr/>
           </a:p>
         </p:txBody>
       </p:sp>
     </p:spTree>
   </p:cSld>
+  <p:clrMapOvr>
+    <a:masterClrMapping/>
+  </p:clrMapOvr>
 </p:sldLayout>
 </file>
 
 <file path=ppt/slideLayouts/slideLayout7.xml><?xml version="1.0" encoding="utf-8"?>
-<p:sldLayout xmlns:a="http://schemas.openxmlformats.org/drawingml/2006/main" xmlns:p="http://schemas.openxmlformats.org/presentationml/2006/main" xmlns:r="http://schemas.openxmlformats.org/officeDocument/2006/relationships" xmlns:p14="http://schemas.microsoft.com/office/powerpoint/2010/main" xmlns:p15="http://schemas.microsoft.com/office/powerpoint/2012/main" xmlns:mc="http://schemas.openxmlformats.org/markup-compatibility/2006" type="twoObjAndObj" preserve="1">
+<p:sldLayout xmlns:a="http://schemas.openxmlformats.org/drawingml/2006/main" xmlns:r="http://schemas.openxmlformats.org/officeDocument/2006/relationships" xmlns:p="http://schemas.openxmlformats.org/presentationml/2006/main" type="twoObjAndObj" preserve="1">
   <p:cSld name="Title, 2 Content and Content">
     <p:spTree>
       <p:nvGrpSpPr>
@@ -1647,14 +1813,15 @@
           </a:ln>
         </p:spPr>
         <p:txBody>
-          <a:bodyPr lIns="0" rIns="0" tIns="0" bIns="0" anchor="ctr">
+          <a:bodyPr lIns="0" tIns="0" rIns="0" bIns="0" anchor="ctr">
             <a:noAutofit/>
           </a:bodyPr>
+          <a:lstStyle/>
           <a:p>
             <a:pPr algn="ctr">
               <a:buNone/>
             </a:pPr>
-            <a:endParaRPr b="0" lang="en-US" sz="4400" spc="-1" strike="noStrike">
+            <a:endParaRPr lang="en-US" sz="4400" b="0" strike="noStrike" spc="-1">
               <a:latin typeface="Arial"/>
             </a:endParaRPr>
           </a:p>
@@ -1684,11 +1851,12 @@
           </a:ln>
         </p:spPr>
         <p:txBody>
-          <a:bodyPr lIns="0" rIns="0" tIns="0" bIns="0" anchor="t">
+          <a:bodyPr lIns="0" tIns="0" rIns="0" bIns="0" anchor="t">
             <a:normAutofit/>
           </a:bodyPr>
-          <a:p>
-            <a:endParaRPr b="0" lang="en-US" sz="3200" spc="-1" strike="noStrike">
+          <a:lstStyle/>
+          <a:p>
+            <a:endParaRPr lang="en-US" sz="3200" b="0" strike="noStrike" spc="-1">
               <a:latin typeface="Arial"/>
             </a:endParaRPr>
           </a:p>
@@ -1718,11 +1886,12 @@
           </a:ln>
         </p:spPr>
         <p:txBody>
-          <a:bodyPr lIns="0" rIns="0" tIns="0" bIns="0" anchor="t">
+          <a:bodyPr lIns="0" tIns="0" rIns="0" bIns="0" anchor="t">
             <a:normAutofit/>
           </a:bodyPr>
-          <a:p>
-            <a:endParaRPr b="0" lang="en-US" sz="3200" spc="-1" strike="noStrike">
+          <a:lstStyle/>
+          <a:p>
+            <a:endParaRPr lang="en-US" sz="3200" b="0" strike="noStrike" spc="-1">
               <a:latin typeface="Arial"/>
             </a:endParaRPr>
           </a:p>
@@ -1752,11 +1921,12 @@
           </a:ln>
         </p:spPr>
         <p:txBody>
-          <a:bodyPr lIns="0" rIns="0" tIns="0" bIns="0" anchor="t">
+          <a:bodyPr lIns="0" tIns="0" rIns="0" bIns="0" anchor="t">
             <a:normAutofit/>
           </a:bodyPr>
-          <a:p>
-            <a:endParaRPr b="0" lang="en-US" sz="3200" spc="-1" strike="noStrike">
+          <a:lstStyle/>
+          <a:p>
+            <a:endParaRPr lang="en-US" sz="3200" b="0" strike="noStrike" spc="-1">
               <a:latin typeface="Arial"/>
             </a:endParaRPr>
           </a:p>
@@ -1775,6 +1945,7 @@
         <p:spPr/>
         <p:txBody>
           <a:bodyPr/>
+          <a:lstStyle/>
           <a:p>
             <a:r>
               <a:t>Footer</a:t>
@@ -1795,10 +1966,12 @@
         <p:spPr/>
         <p:txBody>
           <a:bodyPr/>
+          <a:lstStyle/>
           <a:p>
             <a:fld id="{8CCD283A-210E-4BB3-8284-36C2AF711F4A}" type="slidenum">
-              <a:t>&lt;#&gt;</a:t>
+              <a:t>‹#›</a:t>
             </a:fld>
+            <a:endParaRPr/>
           </a:p>
         </p:txBody>
       </p:sp>
@@ -1815,21 +1988,22 @@
         <p:spPr/>
         <p:txBody>
           <a:bodyPr/>
-          <a:p>
-            <a:r>
-              <a:rPr lang="en-US"/>
-              <a:t/>
-            </a:r>
+          <a:lstStyle/>
+          <a:p>
+            <a:endParaRPr/>
           </a:p>
         </p:txBody>
       </p:sp>
     </p:spTree>
   </p:cSld>
+  <p:clrMapOvr>
+    <a:masterClrMapping/>
+  </p:clrMapOvr>
 </p:sldLayout>
 </file>
 
 <file path=ppt/slideLayouts/slideLayout8.xml><?xml version="1.0" encoding="utf-8"?>
-<p:sldLayout xmlns:a="http://schemas.openxmlformats.org/drawingml/2006/main" xmlns:p="http://schemas.openxmlformats.org/presentationml/2006/main" xmlns:r="http://schemas.openxmlformats.org/officeDocument/2006/relationships" xmlns:p14="http://schemas.microsoft.com/office/powerpoint/2010/main" xmlns:p15="http://schemas.microsoft.com/office/powerpoint/2012/main" xmlns:mc="http://schemas.openxmlformats.org/markup-compatibility/2006" type="objAndTwoObj" preserve="1">
+<p:sldLayout xmlns:a="http://schemas.openxmlformats.org/drawingml/2006/main" xmlns:r="http://schemas.openxmlformats.org/officeDocument/2006/relationships" xmlns:p="http://schemas.openxmlformats.org/presentationml/2006/main" type="objAndTwoObj" preserve="1">
   <p:cSld name="Title Content and 2 Content">
     <p:spTree>
       <p:nvGrpSpPr>
@@ -1869,14 +2043,15 @@
           </a:ln>
         </p:spPr>
         <p:txBody>
-          <a:bodyPr lIns="0" rIns="0" tIns="0" bIns="0" anchor="ctr">
+          <a:bodyPr lIns="0" tIns="0" rIns="0" bIns="0" anchor="ctr">
             <a:noAutofit/>
           </a:bodyPr>
+          <a:lstStyle/>
           <a:p>
             <a:pPr algn="ctr">
               <a:buNone/>
             </a:pPr>
-            <a:endParaRPr b="0" lang="en-US" sz="4400" spc="-1" strike="noStrike">
+            <a:endParaRPr lang="en-US" sz="4400" b="0" strike="noStrike" spc="-1">
               <a:latin typeface="Arial"/>
             </a:endParaRPr>
           </a:p>
@@ -1906,11 +2081,12 @@
           </a:ln>
         </p:spPr>
         <p:txBody>
-          <a:bodyPr lIns="0" rIns="0" tIns="0" bIns="0" anchor="t">
+          <a:bodyPr lIns="0" tIns="0" rIns="0" bIns="0" anchor="t">
             <a:normAutofit/>
           </a:bodyPr>
-          <a:p>
-            <a:endParaRPr b="0" lang="en-US" sz="3200" spc="-1" strike="noStrike">
+          <a:lstStyle/>
+          <a:p>
+            <a:endParaRPr lang="en-US" sz="3200" b="0" strike="noStrike" spc="-1">
               <a:latin typeface="Arial"/>
             </a:endParaRPr>
           </a:p>
@@ -1940,11 +2116,12 @@
           </a:ln>
         </p:spPr>
         <p:txBody>
-          <a:bodyPr lIns="0" rIns="0" tIns="0" bIns="0" anchor="t">
+          <a:bodyPr lIns="0" tIns="0" rIns="0" bIns="0" anchor="t">
             <a:normAutofit/>
           </a:bodyPr>
-          <a:p>
-            <a:endParaRPr b="0" lang="en-US" sz="3200" spc="-1" strike="noStrike">
+          <a:lstStyle/>
+          <a:p>
+            <a:endParaRPr lang="en-US" sz="3200" b="0" strike="noStrike" spc="-1">
               <a:latin typeface="Arial"/>
             </a:endParaRPr>
           </a:p>
@@ -1974,11 +2151,12 @@
           </a:ln>
         </p:spPr>
         <p:txBody>
-          <a:bodyPr lIns="0" rIns="0" tIns="0" bIns="0" anchor="t">
+          <a:bodyPr lIns="0" tIns="0" rIns="0" bIns="0" anchor="t">
             <a:normAutofit/>
           </a:bodyPr>
-          <a:p>
-            <a:endParaRPr b="0" lang="en-US" sz="3200" spc="-1" strike="noStrike">
+          <a:lstStyle/>
+          <a:p>
+            <a:endParaRPr lang="en-US" sz="3200" b="0" strike="noStrike" spc="-1">
               <a:latin typeface="Arial"/>
             </a:endParaRPr>
           </a:p>
@@ -1997,6 +2175,7 @@
         <p:spPr/>
         <p:txBody>
           <a:bodyPr/>
+          <a:lstStyle/>
           <a:p>
             <a:r>
               <a:t>Footer</a:t>
@@ -2017,10 +2196,12 @@
         <p:spPr/>
         <p:txBody>
           <a:bodyPr/>
+          <a:lstStyle/>
           <a:p>
             <a:fld id="{01A61FD6-668C-488B-9BE7-3458FEEA6599}" type="slidenum">
-              <a:t>&lt;#&gt;</a:t>
+              <a:t>‹#›</a:t>
             </a:fld>
+            <a:endParaRPr/>
           </a:p>
         </p:txBody>
       </p:sp>
@@ -2037,21 +2218,22 @@
         <p:spPr/>
         <p:txBody>
           <a:bodyPr/>
-          <a:p>
-            <a:r>
-              <a:rPr lang="en-US"/>
-              <a:t/>
-            </a:r>
+          <a:lstStyle/>
+          <a:p>
+            <a:endParaRPr/>
           </a:p>
         </p:txBody>
       </p:sp>
     </p:spTree>
   </p:cSld>
+  <p:clrMapOvr>
+    <a:masterClrMapping/>
+  </p:clrMapOvr>
 </p:sldLayout>
 </file>
 
 <file path=ppt/slideLayouts/slideLayout9.xml><?xml version="1.0" encoding="utf-8"?>
-<p:sldLayout xmlns:a="http://schemas.openxmlformats.org/drawingml/2006/main" xmlns:p="http://schemas.openxmlformats.org/presentationml/2006/main" xmlns:r="http://schemas.openxmlformats.org/officeDocument/2006/relationships" xmlns:p14="http://schemas.microsoft.com/office/powerpoint/2010/main" xmlns:p15="http://schemas.microsoft.com/office/powerpoint/2012/main" xmlns:mc="http://schemas.openxmlformats.org/markup-compatibility/2006" type="twoObjOverTx" preserve="1">
+<p:sldLayout xmlns:a="http://schemas.openxmlformats.org/drawingml/2006/main" xmlns:r="http://schemas.openxmlformats.org/officeDocument/2006/relationships" xmlns:p="http://schemas.openxmlformats.org/presentationml/2006/main" type="twoObjOverTx" preserve="1">
   <p:cSld name="Title, 2 Content over Content">
     <p:spTree>
       <p:nvGrpSpPr>
@@ -2091,14 +2273,15 @@
           </a:ln>
         </p:spPr>
         <p:txBody>
-          <a:bodyPr lIns="0" rIns="0" tIns="0" bIns="0" anchor="ctr">
+          <a:bodyPr lIns="0" tIns="0" rIns="0" bIns="0" anchor="ctr">
             <a:noAutofit/>
           </a:bodyPr>
+          <a:lstStyle/>
           <a:p>
             <a:pPr algn="ctr">
               <a:buNone/>
             </a:pPr>
-            <a:endParaRPr b="0" lang="en-US" sz="4400" spc="-1" strike="noStrike">
+            <a:endParaRPr lang="en-US" sz="4400" b="0" strike="noStrike" spc="-1">
               <a:latin typeface="Arial"/>
             </a:endParaRPr>
           </a:p>
@@ -2128,11 +2311,12 @@
           </a:ln>
         </p:spPr>
         <p:txBody>
-          <a:bodyPr lIns="0" rIns="0" tIns="0" bIns="0" anchor="t">
+          <a:bodyPr lIns="0" tIns="0" rIns="0" bIns="0" anchor="t">
             <a:normAutofit/>
           </a:bodyPr>
-          <a:p>
-            <a:endParaRPr b="0" lang="en-US" sz="3200" spc="-1" strike="noStrike">
+          <a:lstStyle/>
+          <a:p>
+            <a:endParaRPr lang="en-US" sz="3200" b="0" strike="noStrike" spc="-1">
               <a:latin typeface="Arial"/>
             </a:endParaRPr>
           </a:p>
@@ -2162,11 +2346,12 @@
           </a:ln>
         </p:spPr>
         <p:txBody>
-          <a:bodyPr lIns="0" rIns="0" tIns="0" bIns="0" anchor="t">
+          <a:bodyPr lIns="0" tIns="0" rIns="0" bIns="0" anchor="t">
             <a:normAutofit/>
           </a:bodyPr>
-          <a:p>
-            <a:endParaRPr b="0" lang="en-US" sz="3200" spc="-1" strike="noStrike">
+          <a:lstStyle/>
+          <a:p>
+            <a:endParaRPr lang="en-US" sz="3200" b="0" strike="noStrike" spc="-1">
               <a:latin typeface="Arial"/>
             </a:endParaRPr>
           </a:p>
@@ -2196,11 +2381,12 @@
           </a:ln>
         </p:spPr>
         <p:txBody>
-          <a:bodyPr lIns="0" rIns="0" tIns="0" bIns="0" anchor="t">
+          <a:bodyPr lIns="0" tIns="0" rIns="0" bIns="0" anchor="t">
             <a:normAutofit/>
           </a:bodyPr>
-          <a:p>
-            <a:endParaRPr b="0" lang="en-US" sz="3200" spc="-1" strike="noStrike">
+          <a:lstStyle/>
+          <a:p>
+            <a:endParaRPr lang="en-US" sz="3200" b="0" strike="noStrike" spc="-1">
               <a:latin typeface="Arial"/>
             </a:endParaRPr>
           </a:p>
@@ -2219,6 +2405,7 @@
         <p:spPr/>
         <p:txBody>
           <a:bodyPr/>
+          <a:lstStyle/>
           <a:p>
             <a:r>
               <a:t>Footer</a:t>
@@ -2239,10 +2426,12 @@
         <p:spPr/>
         <p:txBody>
           <a:bodyPr/>
+          <a:lstStyle/>
           <a:p>
             <a:fld id="{909AD136-E452-4C02-8EBD-F62644ABB282}" type="slidenum">
-              <a:t>&lt;#&gt;</a:t>
+              <a:t>‹#›</a:t>
             </a:fld>
+            <a:endParaRPr/>
           </a:p>
         </p:txBody>
       </p:sp>
@@ -2259,21 +2448,691 @@
         <p:spPr/>
         <p:txBody>
           <a:bodyPr/>
-          <a:p>
-            <a:r>
-              <a:rPr lang="en-US"/>
-              <a:t/>
-            </a:r>
+          <a:lstStyle/>
+          <a:p>
+            <a:endParaRPr/>
           </a:p>
         </p:txBody>
       </p:sp>
     </p:spTree>
   </p:cSld>
+  <p:clrMapOvr>
+    <a:masterClrMapping/>
+  </p:clrMapOvr>
 </p:sldLayout>
 </file>
 
 <file path=ppt/slideMasters/slideMaster1.xml><?xml version="1.0" encoding="utf-8"?>
-<p:sldMaster xmlns:a="http://schemas.openxmlformats.org/drawingml/2006/main" xmlns:p="http://schemas.openxmlformats.org/presentationml/2006/main" xmlns:r="http://schemas.openxmlformats.org/officeDocument/2006/relationships" xmlns:p14="http://schemas.microsoft.com/office/powerpoint/2010/main" xmlns:p15="http://schemas.microsoft.com/office/powerpoint/2012/main" xmlns:mc="http://schemas.openxmlformats.org/markup-compatibility/2006">
+<p:sldMaster xmlns:a="http://schemas.openxmlformats.org/drawingml/2006/main" xmlns:r="http://schemas.openxmlformats.org/officeDocument/2006/relationships" xmlns:p="http://schemas.openxmlformats.org/presentationml/2006/main">
+  <p:cSld>
+    <p:bg>
+      <p:bgRef idx="1001">
+        <a:schemeClr val="bg1"/>
+      </p:bgRef>
+    </p:bg>
+    <p:spTree>
+      <p:nvGrpSpPr>
+        <p:cNvPr id="1" name=""/>
+        <p:cNvGrpSpPr/>
+        <p:nvPr/>
+      </p:nvGrpSpPr>
+      <p:grpSpPr>
+        <a:xfrm>
+          <a:off x="0" y="0"/>
+          <a:ext cx="0" cy="0"/>
+          <a:chOff x="0" y="0"/>
+          <a:chExt cx="0" cy="0"/>
+        </a:xfrm>
+      </p:grpSpPr>
+      <p:sp>
+        <p:nvSpPr>
+          <p:cNvPr id="5" name="PlaceHolder 1"/>
+          <p:cNvSpPr>
+            <a:spLocks noGrp="1"/>
+          </p:cNvSpPr>
+          <p:nvPr>
+            <p:ph type="title"/>
+          </p:nvPr>
+        </p:nvSpPr>
+        <p:spPr>
+          <a:xfrm>
+            <a:off x="504000" y="226080"/>
+            <a:ext cx="9071640" cy="946440"/>
+          </a:xfrm>
+          <a:prstGeom prst="rect">
+            <a:avLst/>
+          </a:prstGeom>
+          <a:noFill/>
+          <a:ln w="0">
+            <a:noFill/>
+          </a:ln>
+        </p:spPr>
+        <p:txBody>
+          <a:bodyPr lIns="0" tIns="0" rIns="0" bIns="0" anchor="ctr">
+            <a:noAutofit/>
+          </a:bodyPr>
+          <a:lstStyle/>
+          <a:p>
+            <a:pPr algn="ctr">
+              <a:buNone/>
+            </a:pPr>
+            <a:r>
+              <a:rPr lang="en-US" sz="4400" b="0" strike="noStrike" spc="-1">
+                <a:latin typeface="Arial"/>
+              </a:rPr>
+              <a:t>Click to edit the title text format</a:t>
+            </a:r>
+          </a:p>
+        </p:txBody>
+      </p:sp>
+      <p:sp>
+        <p:nvSpPr>
+          <p:cNvPr id="6" name="PlaceHolder 2"/>
+          <p:cNvSpPr>
+            <a:spLocks noGrp="1"/>
+          </p:cNvSpPr>
+          <p:nvPr>
+            <p:ph type="body"/>
+          </p:nvPr>
+        </p:nvSpPr>
+        <p:spPr>
+          <a:xfrm>
+            <a:off x="504000" y="1326600"/>
+            <a:ext cx="9071640" cy="3288240"/>
+          </a:xfrm>
+          <a:prstGeom prst="rect">
+            <a:avLst/>
+          </a:prstGeom>
+          <a:noFill/>
+          <a:ln w="0">
+            <a:noFill/>
+          </a:ln>
+        </p:spPr>
+        <p:txBody>
+          <a:bodyPr lIns="0" tIns="0" rIns="0" bIns="0" anchor="t">
+            <a:normAutofit/>
+          </a:bodyPr>
+          <a:lstStyle/>
+          <a:p>
+            <a:pPr marL="432000" indent="-324000">
+              <a:spcBef>
+                <a:spcPts val="1417"/>
+              </a:spcBef>
+              <a:buClr>
+                <a:srgbClr val="000000"/>
+              </a:buClr>
+              <a:buSzPct val="45000"/>
+              <a:buFont typeface="Wingdings" charset="2"/>
+              <a:buChar char=""/>
+            </a:pPr>
+            <a:r>
+              <a:rPr lang="en-US" sz="3200" b="0" strike="noStrike" spc="-1">
+                <a:latin typeface="Arial"/>
+              </a:rPr>
+              <a:t>Click to edit the outline text format</a:t>
+            </a:r>
+          </a:p>
+          <a:p>
+            <a:pPr marL="864000" lvl="1" indent="-324000">
+              <a:spcBef>
+                <a:spcPts val="1134"/>
+              </a:spcBef>
+              <a:buClr>
+                <a:srgbClr val="000000"/>
+              </a:buClr>
+              <a:buSzPct val="75000"/>
+              <a:buFont typeface="Symbol" charset="2"/>
+              <a:buChar char=""/>
+            </a:pPr>
+            <a:r>
+              <a:rPr lang="en-US" sz="2800" b="0" strike="noStrike" spc="-1">
+                <a:latin typeface="Arial"/>
+              </a:rPr>
+              <a:t>Second Outline Level</a:t>
+            </a:r>
+          </a:p>
+          <a:p>
+            <a:pPr marL="1296000" lvl="2" indent="-288000">
+              <a:spcBef>
+                <a:spcPts val="850"/>
+              </a:spcBef>
+              <a:buClr>
+                <a:srgbClr val="000000"/>
+              </a:buClr>
+              <a:buSzPct val="45000"/>
+              <a:buFont typeface="Wingdings" charset="2"/>
+              <a:buChar char=""/>
+            </a:pPr>
+            <a:r>
+              <a:rPr lang="en-US" sz="2400" b="0" strike="noStrike" spc="-1">
+                <a:latin typeface="Arial"/>
+              </a:rPr>
+              <a:t>Third Outline Level</a:t>
+            </a:r>
+          </a:p>
+          <a:p>
+            <a:pPr marL="1728000" lvl="3" indent="-216000">
+              <a:spcBef>
+                <a:spcPts val="567"/>
+              </a:spcBef>
+              <a:buClr>
+                <a:srgbClr val="000000"/>
+              </a:buClr>
+              <a:buSzPct val="75000"/>
+              <a:buFont typeface="Symbol" charset="2"/>
+              <a:buChar char=""/>
+            </a:pPr>
+            <a:r>
+              <a:rPr lang="en-US" sz="2000" b="0" strike="noStrike" spc="-1">
+                <a:latin typeface="Arial"/>
+              </a:rPr>
+              <a:t>Fourth Outline Level</a:t>
+            </a:r>
+          </a:p>
+          <a:p>
+            <a:pPr marL="2160000" lvl="4" indent="-216000">
+              <a:spcBef>
+                <a:spcPts val="283"/>
+              </a:spcBef>
+              <a:buClr>
+                <a:srgbClr val="000000"/>
+              </a:buClr>
+              <a:buSzPct val="45000"/>
+              <a:buFont typeface="Wingdings" charset="2"/>
+              <a:buChar char=""/>
+            </a:pPr>
+            <a:r>
+              <a:rPr lang="en-US" sz="2000" b="0" strike="noStrike" spc="-1">
+                <a:latin typeface="Arial"/>
+              </a:rPr>
+              <a:t>Fifth Outline Level</a:t>
+            </a:r>
+          </a:p>
+          <a:p>
+            <a:pPr marL="2592000" lvl="5" indent="-216000">
+              <a:spcBef>
+                <a:spcPts val="283"/>
+              </a:spcBef>
+              <a:buClr>
+                <a:srgbClr val="000000"/>
+              </a:buClr>
+              <a:buSzPct val="45000"/>
+              <a:buFont typeface="Wingdings" charset="2"/>
+              <a:buChar char=""/>
+            </a:pPr>
+            <a:r>
+              <a:rPr lang="en-US" sz="2000" b="0" strike="noStrike" spc="-1">
+                <a:latin typeface="Arial"/>
+              </a:rPr>
+              <a:t>Sixth Outline Level</a:t>
+            </a:r>
+          </a:p>
+          <a:p>
+            <a:pPr marL="3024000" lvl="6" indent="-216000">
+              <a:spcBef>
+                <a:spcPts val="283"/>
+              </a:spcBef>
+              <a:buClr>
+                <a:srgbClr val="000000"/>
+              </a:buClr>
+              <a:buSzPct val="45000"/>
+              <a:buFont typeface="Wingdings" charset="2"/>
+              <a:buChar char=""/>
+            </a:pPr>
+            <a:r>
+              <a:rPr lang="en-US" sz="2000" b="0" strike="noStrike" spc="-1">
+                <a:latin typeface="Arial"/>
+              </a:rPr>
+              <a:t>Seventh Outline Level</a:t>
+            </a:r>
+          </a:p>
+        </p:txBody>
+      </p:sp>
+      <p:sp>
+        <p:nvSpPr>
+          <p:cNvPr id="2" name="PlaceHolder 3"/>
+          <p:cNvSpPr>
+            <a:spLocks noGrp="1"/>
+          </p:cNvSpPr>
+          <p:nvPr>
+            <p:ph type="dt" idx="1"/>
+          </p:nvPr>
+        </p:nvSpPr>
+        <p:spPr>
+          <a:xfrm>
+            <a:off x="504000" y="5165280"/>
+            <a:ext cx="2348280" cy="390600"/>
+          </a:xfrm>
+          <a:prstGeom prst="rect">
+            <a:avLst/>
+          </a:prstGeom>
+          <a:noFill/>
+          <a:ln w="0">
+            <a:noFill/>
+          </a:ln>
+        </p:spPr>
+        <p:txBody>
+          <a:bodyPr lIns="0" tIns="0" rIns="0" bIns="0" anchor="t">
+            <a:noAutofit/>
+          </a:bodyPr>
+          <a:lstStyle>
+            <a:lvl1pPr>
+              <a:defRPr lang="en-US" sz="1400" b="0" strike="noStrike" spc="-1">
+                <a:latin typeface="Times New Roman"/>
+              </a:defRPr>
+            </a:lvl1pPr>
+          </a:lstStyle>
+          <a:p>
+            <a:r>
+              <a:rPr lang="en-US" sz="1400" b="0" strike="noStrike" spc="-1">
+                <a:latin typeface="Times New Roman"/>
+              </a:rPr>
+              <a:t>&lt;date/time&gt;</a:t>
+            </a:r>
+          </a:p>
+        </p:txBody>
+      </p:sp>
+      <p:sp>
+        <p:nvSpPr>
+          <p:cNvPr id="3" name="PlaceHolder 4"/>
+          <p:cNvSpPr>
+            <a:spLocks noGrp="1"/>
+          </p:cNvSpPr>
+          <p:nvPr>
+            <p:ph type="ftr" idx="2"/>
+          </p:nvPr>
+        </p:nvSpPr>
+        <p:spPr>
+          <a:xfrm>
+            <a:off x="3447360" y="5165280"/>
+            <a:ext cx="3195000" cy="390600"/>
+          </a:xfrm>
+          <a:prstGeom prst="rect">
+            <a:avLst/>
+          </a:prstGeom>
+          <a:noFill/>
+          <a:ln w="0">
+            <a:noFill/>
+          </a:ln>
+        </p:spPr>
+        <p:txBody>
+          <a:bodyPr lIns="0" tIns="0" rIns="0" bIns="0" anchor="t">
+            <a:noAutofit/>
+          </a:bodyPr>
+          <a:lstStyle>
+            <a:lvl1pPr algn="ctr">
+              <a:buNone/>
+              <a:defRPr lang="en-US" sz="1400" b="0" strike="noStrike" spc="-1">
+                <a:latin typeface="Times New Roman"/>
+              </a:defRPr>
+            </a:lvl1pPr>
+          </a:lstStyle>
+          <a:p>
+            <a:pPr algn="ctr">
+              <a:buNone/>
+            </a:pPr>
+            <a:r>
+              <a:rPr lang="en-US" sz="1400" b="0" strike="noStrike" spc="-1">
+                <a:latin typeface="Times New Roman"/>
+              </a:rPr>
+              <a:t>&lt;footer&gt;</a:t>
+            </a:r>
+          </a:p>
+        </p:txBody>
+      </p:sp>
+      <p:sp>
+        <p:nvSpPr>
+          <p:cNvPr id="4" name="PlaceHolder 5"/>
+          <p:cNvSpPr>
+            <a:spLocks noGrp="1"/>
+          </p:cNvSpPr>
+          <p:nvPr>
+            <p:ph type="sldNum" idx="3"/>
+          </p:nvPr>
+        </p:nvSpPr>
+        <p:spPr>
+          <a:xfrm>
+            <a:off x="7227360" y="5165280"/>
+            <a:ext cx="2348280" cy="390600"/>
+          </a:xfrm>
+          <a:prstGeom prst="rect">
+            <a:avLst/>
+          </a:prstGeom>
+          <a:noFill/>
+          <a:ln w="0">
+            <a:noFill/>
+          </a:ln>
+        </p:spPr>
+        <p:txBody>
+          <a:bodyPr lIns="0" tIns="0" rIns="0" bIns="0" anchor="t">
+            <a:noAutofit/>
+          </a:bodyPr>
+          <a:lstStyle>
+            <a:lvl1pPr algn="r">
+              <a:buNone/>
+              <a:defRPr lang="en-US" sz="1400" b="0" strike="noStrike" spc="-1">
+                <a:latin typeface="Times New Roman"/>
+              </a:defRPr>
+            </a:lvl1pPr>
+          </a:lstStyle>
+          <a:p>
+            <a:pPr algn="r">
+              <a:buNone/>
+            </a:pPr>
+            <a:fld id="{8AF80C4C-3053-4B91-ACA2-4AE87A4440F4}" type="slidenum">
+              <a:rPr lang="en-US" sz="1400" b="0" strike="noStrike" spc="-1">
+                <a:latin typeface="Times New Roman"/>
+              </a:rPr>
+              <a:t>‹#›</a:t>
+            </a:fld>
+            <a:endParaRPr lang="en-US" sz="1400" b="0" strike="noStrike" spc="-1">
+              <a:latin typeface="Times New Roman"/>
+            </a:endParaRPr>
+          </a:p>
+        </p:txBody>
+      </p:sp>
+    </p:spTree>
+  </p:cSld>
+  <p:clrMap bg1="lt1" tx1="dk1" bg2="lt2" tx2="dk2" accent1="accent1" accent2="accent2" accent3="accent3" accent4="accent4" accent5="accent5" accent6="accent6" hlink="hlink" folHlink="folHlink"/>
+  <p:sldLayoutIdLst>
+    <p:sldLayoutId id="2147483649" r:id="rId1"/>
+    <p:sldLayoutId id="2147483650" r:id="rId2"/>
+    <p:sldLayoutId id="2147483651" r:id="rId3"/>
+    <p:sldLayoutId id="2147483652" r:id="rId4"/>
+    <p:sldLayoutId id="2147483653" r:id="rId5"/>
+    <p:sldLayoutId id="2147483654" r:id="rId6"/>
+    <p:sldLayoutId id="2147483655" r:id="rId7"/>
+    <p:sldLayoutId id="2147483656" r:id="rId8"/>
+    <p:sldLayoutId id="2147483657" r:id="rId9"/>
+    <p:sldLayoutId id="2147483658" r:id="rId10"/>
+    <p:sldLayoutId id="2147483659" r:id="rId11"/>
+    <p:sldLayoutId id="2147483660" r:id="rId12"/>
+  </p:sldLayoutIdLst>
+  <p:txStyles>
+    <p:titleStyle>
+      <a:lvl1pPr algn="l" defTabSz="914400" rtl="0" eaLnBrk="1" latinLnBrk="0" hangingPunct="1">
+        <a:lnSpc>
+          <a:spcPct val="90000"/>
+        </a:lnSpc>
+        <a:spcBef>
+          <a:spcPct val="0"/>
+        </a:spcBef>
+        <a:buNone/>
+        <a:defRPr sz="4400" kern="1200">
+          <a:solidFill>
+            <a:schemeClr val="tx1"/>
+          </a:solidFill>
+          <a:latin typeface="+mj-lt"/>
+          <a:ea typeface="+mj-ea"/>
+          <a:cs typeface="+mj-cs"/>
+        </a:defRPr>
+      </a:lvl1pPr>
+    </p:titleStyle>
+    <p:bodyStyle>
+      <a:lvl1pPr marL="228600" indent="-228600" algn="l" defTabSz="914400" rtl="0" eaLnBrk="1" latinLnBrk="0" hangingPunct="1">
+        <a:lnSpc>
+          <a:spcPct val="90000"/>
+        </a:lnSpc>
+        <a:spcBef>
+          <a:spcPts val="1000"/>
+        </a:spcBef>
+        <a:buFont typeface="Arial" panose="020B0604020202020204" pitchFamily="34" charset="0"/>
+        <a:buChar char="•"/>
+        <a:defRPr sz="2800" kern="1200">
+          <a:solidFill>
+            <a:schemeClr val="tx1"/>
+          </a:solidFill>
+          <a:latin typeface="+mn-lt"/>
+          <a:ea typeface="+mn-ea"/>
+          <a:cs typeface="+mn-cs"/>
+        </a:defRPr>
+      </a:lvl1pPr>
+      <a:lvl2pPr marL="685800" indent="-228600" algn="l" defTabSz="914400" rtl="0" eaLnBrk="1" latinLnBrk="0" hangingPunct="1">
+        <a:lnSpc>
+          <a:spcPct val="90000"/>
+        </a:lnSpc>
+        <a:spcBef>
+          <a:spcPts val="500"/>
+        </a:spcBef>
+        <a:buFont typeface="Arial" panose="020B0604020202020204" pitchFamily="34" charset="0"/>
+        <a:buChar char="•"/>
+        <a:defRPr sz="2400" kern="1200">
+          <a:solidFill>
+            <a:schemeClr val="tx1"/>
+          </a:solidFill>
+          <a:latin typeface="+mn-lt"/>
+          <a:ea typeface="+mn-ea"/>
+          <a:cs typeface="+mn-cs"/>
+        </a:defRPr>
+      </a:lvl2pPr>
+      <a:lvl3pPr marL="1143000" indent="-228600" algn="l" defTabSz="914400" rtl="0" eaLnBrk="1" latinLnBrk="0" hangingPunct="1">
+        <a:lnSpc>
+          <a:spcPct val="90000"/>
+        </a:lnSpc>
+        <a:spcBef>
+          <a:spcPts val="500"/>
+        </a:spcBef>
+        <a:buFont typeface="Arial" panose="020B0604020202020204" pitchFamily="34" charset="0"/>
+        <a:buChar char="•"/>
+        <a:defRPr sz="2000" kern="1200">
+          <a:solidFill>
+            <a:schemeClr val="tx1"/>
+          </a:solidFill>
+          <a:latin typeface="+mn-lt"/>
+          <a:ea typeface="+mn-ea"/>
+          <a:cs typeface="+mn-cs"/>
+        </a:defRPr>
+      </a:lvl3pPr>
+      <a:lvl4pPr marL="1600200" indent="-228600" algn="l" defTabSz="914400" rtl="0" eaLnBrk="1" latinLnBrk="0" hangingPunct="1">
+        <a:lnSpc>
+          <a:spcPct val="90000"/>
+        </a:lnSpc>
+        <a:spcBef>
+          <a:spcPts val="500"/>
+        </a:spcBef>
+        <a:buFont typeface="Arial" panose="020B0604020202020204" pitchFamily="34" charset="0"/>
+        <a:buChar char="•"/>
+        <a:defRPr sz="1800" kern="1200">
+          <a:solidFill>
+            <a:schemeClr val="tx1"/>
+          </a:solidFill>
+          <a:latin typeface="+mn-lt"/>
+          <a:ea typeface="+mn-ea"/>
+          <a:cs typeface="+mn-cs"/>
+        </a:defRPr>
+      </a:lvl4pPr>
+      <a:lvl5pPr marL="2057400" indent="-228600" algn="l" defTabSz="914400" rtl="0" eaLnBrk="1" latinLnBrk="0" hangingPunct="1">
+        <a:lnSpc>
+          <a:spcPct val="90000"/>
+        </a:lnSpc>
+        <a:spcBef>
+          <a:spcPts val="500"/>
+        </a:spcBef>
+        <a:buFont typeface="Arial" panose="020B0604020202020204" pitchFamily="34" charset="0"/>
+        <a:buChar char="•"/>
+        <a:defRPr sz="1800" kern="1200">
+          <a:solidFill>
+            <a:schemeClr val="tx1"/>
+          </a:solidFill>
+          <a:latin typeface="+mn-lt"/>
+          <a:ea typeface="+mn-ea"/>
+          <a:cs typeface="+mn-cs"/>
+        </a:defRPr>
+      </a:lvl5pPr>
+      <a:lvl6pPr marL="2514600" indent="-228600" algn="l" defTabSz="914400" rtl="0" eaLnBrk="1" latinLnBrk="0" hangingPunct="1">
+        <a:lnSpc>
+          <a:spcPct val="90000"/>
+        </a:lnSpc>
+        <a:spcBef>
+          <a:spcPts val="500"/>
+        </a:spcBef>
+        <a:buFont typeface="Arial" panose="020B0604020202020204" pitchFamily="34" charset="0"/>
+        <a:buChar char="•"/>
+        <a:defRPr sz="1800" kern="1200">
+          <a:solidFill>
+            <a:schemeClr val="tx1"/>
+          </a:solidFill>
+          <a:latin typeface="+mn-lt"/>
+          <a:ea typeface="+mn-ea"/>
+          <a:cs typeface="+mn-cs"/>
+        </a:defRPr>
+      </a:lvl6pPr>
+      <a:lvl7pPr marL="2971800" indent="-228600" algn="l" defTabSz="914400" rtl="0" eaLnBrk="1" latinLnBrk="0" hangingPunct="1">
+        <a:lnSpc>
+          <a:spcPct val="90000"/>
+        </a:lnSpc>
+        <a:spcBef>
+          <a:spcPts val="500"/>
+        </a:spcBef>
+        <a:buFont typeface="Arial" panose="020B0604020202020204" pitchFamily="34" charset="0"/>
+        <a:buChar char="•"/>
+        <a:defRPr sz="1800" kern="1200">
+          <a:solidFill>
+            <a:schemeClr val="tx1"/>
+          </a:solidFill>
+          <a:latin typeface="+mn-lt"/>
+          <a:ea typeface="+mn-ea"/>
+          <a:cs typeface="+mn-cs"/>
+        </a:defRPr>
+      </a:lvl7pPr>
+      <a:lvl8pPr marL="3429000" indent="-228600" algn="l" defTabSz="914400" rtl="0" eaLnBrk="1" latinLnBrk="0" hangingPunct="1">
+        <a:lnSpc>
+          <a:spcPct val="90000"/>
+        </a:lnSpc>
+        <a:spcBef>
+          <a:spcPts val="500"/>
+        </a:spcBef>
+        <a:buFont typeface="Arial" panose="020B0604020202020204" pitchFamily="34" charset="0"/>
+        <a:buChar char="•"/>
+        <a:defRPr sz="1800" kern="1200">
+          <a:solidFill>
+            <a:schemeClr val="tx1"/>
+          </a:solidFill>
+          <a:latin typeface="+mn-lt"/>
+          <a:ea typeface="+mn-ea"/>
+          <a:cs typeface="+mn-cs"/>
+        </a:defRPr>
+      </a:lvl8pPr>
+      <a:lvl9pPr marL="3886200" indent="-228600" algn="l" defTabSz="914400" rtl="0" eaLnBrk="1" latinLnBrk="0" hangingPunct="1">
+        <a:lnSpc>
+          <a:spcPct val="90000"/>
+        </a:lnSpc>
+        <a:spcBef>
+          <a:spcPts val="500"/>
+        </a:spcBef>
+        <a:buFont typeface="Arial" panose="020B0604020202020204" pitchFamily="34" charset="0"/>
+        <a:buChar char="•"/>
+        <a:defRPr sz="1800" kern="1200">
+          <a:solidFill>
+            <a:schemeClr val="tx1"/>
+          </a:solidFill>
+          <a:latin typeface="+mn-lt"/>
+          <a:ea typeface="+mn-ea"/>
+          <a:cs typeface="+mn-cs"/>
+        </a:defRPr>
+      </a:lvl9pPr>
+    </p:bodyStyle>
+    <p:otherStyle>
+      <a:defPPr>
+        <a:defRPr lang="en-US"/>
+      </a:defPPr>
+      <a:lvl1pPr marL="0" algn="l" defTabSz="914400" rtl="0" eaLnBrk="1" latinLnBrk="0" hangingPunct="1">
+        <a:defRPr sz="1800" kern="1200">
+          <a:solidFill>
+            <a:schemeClr val="tx1"/>
+          </a:solidFill>
+          <a:latin typeface="+mn-lt"/>
+          <a:ea typeface="+mn-ea"/>
+          <a:cs typeface="+mn-cs"/>
+        </a:defRPr>
+      </a:lvl1pPr>
+      <a:lvl2pPr marL="457200" algn="l" defTabSz="914400" rtl="0" eaLnBrk="1" latinLnBrk="0" hangingPunct="1">
+        <a:defRPr sz="1800" kern="1200">
+          <a:solidFill>
+            <a:schemeClr val="tx1"/>
+          </a:solidFill>
+          <a:latin typeface="+mn-lt"/>
+          <a:ea typeface="+mn-ea"/>
+          <a:cs typeface="+mn-cs"/>
+        </a:defRPr>
+      </a:lvl2pPr>
+      <a:lvl3pPr marL="914400" algn="l" defTabSz="914400" rtl="0" eaLnBrk="1" latinLnBrk="0" hangingPunct="1">
+        <a:defRPr sz="1800" kern="1200">
+          <a:solidFill>
+            <a:schemeClr val="tx1"/>
+          </a:solidFill>
+          <a:latin typeface="+mn-lt"/>
+          <a:ea typeface="+mn-ea"/>
+          <a:cs typeface="+mn-cs"/>
+        </a:defRPr>
+      </a:lvl3pPr>
+      <a:lvl4pPr marL="1371600" algn="l" defTabSz="914400" rtl="0" eaLnBrk="1" latinLnBrk="0" hangingPunct="1">
+        <a:defRPr sz="1800" kern="1200">
+          <a:solidFill>
+            <a:schemeClr val="tx1"/>
+          </a:solidFill>
+          <a:latin typeface="+mn-lt"/>
+          <a:ea typeface="+mn-ea"/>
+          <a:cs typeface="+mn-cs"/>
+        </a:defRPr>
+      </a:lvl4pPr>
+      <a:lvl5pPr marL="1828800" algn="l" defTabSz="914400" rtl="0" eaLnBrk="1" latinLnBrk="0" hangingPunct="1">
+        <a:defRPr sz="1800" kern="1200">
+          <a:solidFill>
+            <a:schemeClr val="tx1"/>
+          </a:solidFill>
+          <a:latin typeface="+mn-lt"/>
+          <a:ea typeface="+mn-ea"/>
+          <a:cs typeface="+mn-cs"/>
+        </a:defRPr>
+      </a:lvl5pPr>
+      <a:lvl6pPr marL="2286000" algn="l" defTabSz="914400" rtl="0" eaLnBrk="1" latinLnBrk="0" hangingPunct="1">
+        <a:defRPr sz="1800" kern="1200">
+          <a:solidFill>
+            <a:schemeClr val="tx1"/>
+          </a:solidFill>
+          <a:latin typeface="+mn-lt"/>
+          <a:ea typeface="+mn-ea"/>
+          <a:cs typeface="+mn-cs"/>
+        </a:defRPr>
+      </a:lvl6pPr>
+      <a:lvl7pPr marL="2743200" algn="l" defTabSz="914400" rtl="0" eaLnBrk="1" latinLnBrk="0" hangingPunct="1">
+        <a:defRPr sz="1800" kern="1200">
+          <a:solidFill>
+            <a:schemeClr val="tx1"/>
+          </a:solidFill>
+          <a:latin typeface="+mn-lt"/>
+          <a:ea typeface="+mn-ea"/>
+          <a:cs typeface="+mn-cs"/>
+        </a:defRPr>
+      </a:lvl7pPr>
+      <a:lvl8pPr marL="3200400" algn="l" defTabSz="914400" rtl="0" eaLnBrk="1" latinLnBrk="0" hangingPunct="1">
+        <a:defRPr sz="1800" kern="1200">
+          <a:solidFill>
+            <a:schemeClr val="tx1"/>
+          </a:solidFill>
+          <a:latin typeface="+mn-lt"/>
+          <a:ea typeface="+mn-ea"/>
+          <a:cs typeface="+mn-cs"/>
+        </a:defRPr>
+      </a:lvl8pPr>
+      <a:lvl9pPr marL="3657600" algn="l" defTabSz="914400" rtl="0" eaLnBrk="1" latinLnBrk="0" hangingPunct="1">
+        <a:defRPr sz="1800" kern="1200">
+          <a:solidFill>
+            <a:schemeClr val="tx1"/>
+          </a:solidFill>
+          <a:latin typeface="+mn-lt"/>
+          <a:ea typeface="+mn-ea"/>
+          <a:cs typeface="+mn-cs"/>
+        </a:defRPr>
+      </a:lvl9pPr>
+    </p:otherStyle>
+  </p:txStyles>
+</p:sldMaster>
+</file>
+
+<file path=ppt/slides/slide1.xml><?xml version="1.0" encoding="utf-8"?>
+<p:sld xmlns:a="http://schemas.openxmlformats.org/drawingml/2006/main" xmlns:r="http://schemas.openxmlformats.org/officeDocument/2006/relationships" xmlns:p="http://schemas.openxmlformats.org/presentationml/2006/main">
   <p:cSld>
     <p:spTree>
       <p:nvGrpSpPr>
@@ -2291,7 +3150,7 @@
       </p:grpSpPr>
       <p:sp>
         <p:nvSpPr>
-          <p:cNvPr id="0" name="PlaceHolder 1"/>
+          <p:cNvPr id="41" name="PlaceHolder 1"/>
           <p:cNvSpPr>
             <a:spLocks noGrp="1"/>
           </p:cNvSpPr>
@@ -2313,39 +3172,51 @@
           </a:ln>
         </p:spPr>
         <p:txBody>
-          <a:bodyPr lIns="0" rIns="0" tIns="0" bIns="0" anchor="ctr">
+          <a:bodyPr lIns="0" tIns="0" rIns="0" bIns="0" anchor="ctr">
             <a:noAutofit/>
           </a:bodyPr>
+          <a:lstStyle/>
           <a:p>
             <a:pPr algn="ctr">
               <a:buNone/>
             </a:pPr>
             <a:r>
-              <a:rPr b="0" lang="en-US" sz="4400" spc="-1" strike="noStrike">
-                <a:latin typeface="Arial"/>
-              </a:rPr>
-              <a:t>Click to edit the title text format</a:t>
-            </a:r>
-            <a:endParaRPr b="0" lang="en-US" sz="4400" spc="-1" strike="noStrike">
-              <a:latin typeface="Arial"/>
-            </a:endParaRPr>
-          </a:p>
-        </p:txBody>
-      </p:sp>
-      <p:sp>
-        <p:nvSpPr>
-          <p:cNvPr id="1" name="PlaceHolder 2"/>
-          <p:cNvSpPr>
-            <a:spLocks noGrp="1"/>
-          </p:cNvSpPr>
-          <p:nvPr>
-            <p:ph type="body"/>
-          </p:nvPr>
+              <a:rPr lang="en-US" sz="4400" b="0" strike="noStrike" spc="-1" dirty="0">
+                <a:solidFill>
+                  <a:srgbClr val="0070C0"/>
+                </a:solidFill>
+                <a:latin typeface="Arial"/>
+              </a:rPr>
+              <a:t>Source</a:t>
+            </a:r>
+            <a:r>
+              <a:rPr lang="en-US" sz="4400" b="0" strike="noStrike" spc="-1" dirty="0">
+                <a:latin typeface="Arial"/>
+              </a:rPr>
+              <a:t> </a:t>
+            </a:r>
+            <a:r>
+              <a:rPr lang="en-US" sz="4400" b="0" strike="noStrike" spc="-1" dirty="0">
+                <a:solidFill>
+                  <a:srgbClr val="0070C0"/>
+                </a:solidFill>
+                <a:latin typeface="Arial"/>
+              </a:rPr>
+              <a:t>Data</a:t>
+            </a:r>
+          </a:p>
+        </p:txBody>
+      </p:sp>
+      <p:sp>
+        <p:nvSpPr>
+          <p:cNvPr id="42" name="TextBox 41"/>
+          <p:cNvSpPr txBox="1"/>
+          <p:nvPr/>
         </p:nvSpPr>
         <p:spPr>
           <a:xfrm>
-            <a:off x="504000" y="1326600"/>
-            <a:ext cx="9071640" cy="3288240"/>
+            <a:off x="914400" y="1371600"/>
+            <a:ext cx="8458200" cy="3386160"/>
           </a:xfrm>
           <a:prstGeom prst="rect">
             <a:avLst/>
@@ -2356,336 +3227,179 @@
           </a:ln>
         </p:spPr>
         <p:txBody>
-          <a:bodyPr lIns="0" rIns="0" tIns="0" bIns="0" anchor="t">
-            <a:normAutofit/>
-          </a:bodyPr>
-          <a:p>
-            <a:pPr marL="432000" indent="-324000">
-              <a:spcBef>
-                <a:spcPts val="1417"/>
-              </a:spcBef>
-              <a:buClr>
-                <a:srgbClr val="000000"/>
-              </a:buClr>
-              <a:buSzPct val="45000"/>
-              <a:buFont typeface="Wingdings" charset="2"/>
-              <a:buChar char=""/>
-            </a:pPr>
-            <a:r>
-              <a:rPr b="0" lang="en-US" sz="3200" spc="-1" strike="noStrike">
-                <a:latin typeface="Arial"/>
-              </a:rPr>
-              <a:t>Click to edit the outline text format</a:t>
-            </a:r>
-            <a:endParaRPr b="0" lang="en-US" sz="3200" spc="-1" strike="noStrike">
-              <a:latin typeface="Arial"/>
-            </a:endParaRPr>
-          </a:p>
-          <a:p>
-            <a:pPr lvl="1" marL="864000" indent="-324000">
-              <a:spcBef>
-                <a:spcPts val="1134"/>
-              </a:spcBef>
-              <a:buClr>
-                <a:srgbClr val="000000"/>
-              </a:buClr>
-              <a:buSzPct val="75000"/>
-              <a:buFont typeface="Symbol" charset="2"/>
-              <a:buChar char=""/>
-            </a:pPr>
-            <a:r>
-              <a:rPr b="0" lang="en-US" sz="2800" spc="-1" strike="noStrike">
-                <a:latin typeface="Arial"/>
-              </a:rPr>
-              <a:t>Second Outline Level</a:t>
-            </a:r>
-            <a:endParaRPr b="0" lang="en-US" sz="2800" spc="-1" strike="noStrike">
-              <a:latin typeface="Arial"/>
-            </a:endParaRPr>
-          </a:p>
-          <a:p>
-            <a:pPr lvl="2" marL="1296000" indent="-288000">
-              <a:spcBef>
-                <a:spcPts val="850"/>
-              </a:spcBef>
-              <a:buClr>
-                <a:srgbClr val="000000"/>
-              </a:buClr>
-              <a:buSzPct val="45000"/>
-              <a:buFont typeface="Wingdings" charset="2"/>
-              <a:buChar char=""/>
-            </a:pPr>
-            <a:r>
-              <a:rPr b="0" lang="en-US" sz="2400" spc="-1" strike="noStrike">
-                <a:latin typeface="Arial"/>
-              </a:rPr>
-              <a:t>Third Outline Level</a:t>
-            </a:r>
-            <a:endParaRPr b="0" lang="en-US" sz="2400" spc="-1" strike="noStrike">
-              <a:latin typeface="Arial"/>
-            </a:endParaRPr>
-          </a:p>
-          <a:p>
-            <a:pPr lvl="3" marL="1728000" indent="-216000">
-              <a:spcBef>
-                <a:spcPts val="567"/>
-              </a:spcBef>
-              <a:buClr>
-                <a:srgbClr val="000000"/>
-              </a:buClr>
-              <a:buSzPct val="75000"/>
-              <a:buFont typeface="Symbol" charset="2"/>
-              <a:buChar char=""/>
-            </a:pPr>
-            <a:r>
-              <a:rPr b="0" lang="en-US" sz="2000" spc="-1" strike="noStrike">
-                <a:latin typeface="Arial"/>
-              </a:rPr>
-              <a:t>Fourth Outline Level</a:t>
-            </a:r>
-            <a:endParaRPr b="0" lang="en-US" sz="2000" spc="-1" strike="noStrike">
-              <a:latin typeface="Arial"/>
-            </a:endParaRPr>
-          </a:p>
-          <a:p>
-            <a:pPr lvl="4" marL="2160000" indent="-216000">
-              <a:spcBef>
-                <a:spcPts val="283"/>
-              </a:spcBef>
-              <a:buClr>
-                <a:srgbClr val="000000"/>
-              </a:buClr>
-              <a:buSzPct val="45000"/>
-              <a:buFont typeface="Wingdings" charset="2"/>
-              <a:buChar char=""/>
-            </a:pPr>
-            <a:r>
-              <a:rPr b="0" lang="en-US" sz="2000" spc="-1" strike="noStrike">
-                <a:latin typeface="Arial"/>
-              </a:rPr>
-              <a:t>Fifth Outline Level</a:t>
-            </a:r>
-            <a:endParaRPr b="0" lang="en-US" sz="2000" spc="-1" strike="noStrike">
-              <a:latin typeface="Arial"/>
-            </a:endParaRPr>
-          </a:p>
-          <a:p>
-            <a:pPr lvl="5" marL="2592000" indent="-216000">
-              <a:spcBef>
-                <a:spcPts val="283"/>
-              </a:spcBef>
-              <a:buClr>
-                <a:srgbClr val="000000"/>
-              </a:buClr>
-              <a:buSzPct val="45000"/>
-              <a:buFont typeface="Wingdings" charset="2"/>
-              <a:buChar char=""/>
-            </a:pPr>
-            <a:r>
-              <a:rPr b="0" lang="en-US" sz="2000" spc="-1" strike="noStrike">
-                <a:latin typeface="Arial"/>
-              </a:rPr>
-              <a:t>Sixth Outline Level</a:t>
-            </a:r>
-            <a:endParaRPr b="0" lang="en-US" sz="2000" spc="-1" strike="noStrike">
-              <a:latin typeface="Arial"/>
-            </a:endParaRPr>
-          </a:p>
-          <a:p>
-            <a:pPr lvl="6" marL="3024000" indent="-216000">
-              <a:spcBef>
-                <a:spcPts val="283"/>
-              </a:spcBef>
-              <a:buClr>
-                <a:srgbClr val="000000"/>
-              </a:buClr>
-              <a:buSzPct val="45000"/>
-              <a:buFont typeface="Wingdings" charset="2"/>
-              <a:buChar char=""/>
-            </a:pPr>
-            <a:r>
-              <a:rPr b="0" lang="en-US" sz="2000" spc="-1" strike="noStrike">
-                <a:latin typeface="Arial"/>
-              </a:rPr>
-              <a:t>Seventh Outline Level</a:t>
-            </a:r>
-            <a:endParaRPr b="0" lang="en-US" sz="2000" spc="-1" strike="noStrike">
-              <a:latin typeface="Arial"/>
-            </a:endParaRPr>
-          </a:p>
-        </p:txBody>
-      </p:sp>
-      <p:sp>
-        <p:nvSpPr>
-          <p:cNvPr id="2" name="PlaceHolder 3"/>
-          <p:cNvSpPr>
-            <a:spLocks noGrp="1"/>
-          </p:cNvSpPr>
-          <p:nvPr>
-            <p:ph type="dt" idx="1"/>
-          </p:nvPr>
-        </p:nvSpPr>
-        <p:spPr>
-          <a:xfrm>
-            <a:off x="504000" y="5165280"/>
-            <a:ext cx="2348280" cy="390600"/>
-          </a:xfrm>
-          <a:prstGeom prst="rect">
-            <a:avLst/>
-          </a:prstGeom>
-          <a:noFill/>
-          <a:ln w="0">
-            <a:noFill/>
-          </a:ln>
-        </p:spPr>
-        <p:txBody>
-          <a:bodyPr lIns="0" rIns="0" tIns="0" bIns="0" anchor="t">
+          <a:bodyPr lIns="0" tIns="0" rIns="0" bIns="0" anchor="t">
             <a:noAutofit/>
           </a:bodyPr>
-          <a:lstStyle>
-            <a:lvl1pPr>
-              <a:defRPr b="0" lang="en-US" sz="1400" spc="-1" strike="noStrike">
-                <a:latin typeface="Times New Roman"/>
-              </a:defRPr>
-            </a:lvl1pPr>
-          </a:lstStyle>
-          <a:p>
-            <a:r>
-              <a:rPr b="0" lang="en-US" sz="1400" spc="-1" strike="noStrike">
-                <a:latin typeface="Times New Roman"/>
-              </a:rPr>
-              <a:t>&lt;date/time&gt;</a:t>
-            </a:r>
-            <a:endParaRPr b="0" lang="en-US" sz="1400" spc="-1" strike="noStrike">
-              <a:latin typeface="Times New Roman"/>
-            </a:endParaRPr>
-          </a:p>
-        </p:txBody>
-      </p:sp>
-      <p:sp>
-        <p:nvSpPr>
-          <p:cNvPr id="3" name="PlaceHolder 4"/>
-          <p:cNvSpPr>
-            <a:spLocks noGrp="1"/>
-          </p:cNvSpPr>
-          <p:nvPr>
-            <p:ph type="ftr" idx="2"/>
-          </p:nvPr>
-        </p:nvSpPr>
-        <p:spPr>
-          <a:xfrm>
-            <a:off x="3447360" y="5165280"/>
-            <a:ext cx="3195000" cy="390600"/>
-          </a:xfrm>
-          <a:prstGeom prst="rect">
-            <a:avLst/>
-          </a:prstGeom>
-          <a:noFill/>
-          <a:ln w="0">
-            <a:noFill/>
-          </a:ln>
-        </p:spPr>
-        <p:txBody>
-          <a:bodyPr lIns="0" rIns="0" tIns="0" bIns="0" anchor="t">
-            <a:noAutofit/>
-          </a:bodyPr>
-          <a:lstStyle>
-            <a:lvl1pPr algn="ctr">
+          <a:lstStyle/>
+          <a:p>
+            <a:r>
+              <a:rPr lang="en-US" sz="1600" b="0" strike="noStrike" spc="-1">
+                <a:latin typeface="Arial"/>
+              </a:rPr>
+              <a:t>This is a preliminary analysis of traffic crash data made available at </a:t>
+            </a:r>
+            <a:endParaRPr lang="en-US" sz="1600" b="0" strike="noStrike" spc="-1">
+              <a:latin typeface="Arial"/>
+              <a:ea typeface="Microsoft YaHei"/>
+            </a:endParaRPr>
+          </a:p>
+          <a:p>
+            <a:r>
+              <a:rPr lang="en-US" sz="1600" b="0" strike="noStrike" spc="-1">
+                <a:latin typeface="Arial"/>
+                <a:hlinkClick r:id="rId2"/>
+              </a:rPr>
+              <a:t>https://opendata-nzta.opendata.arcgis.com/datasets/crash-analysis-system-cas-data-1</a:t>
+            </a:r>
+            <a:r>
+              <a:rPr lang="en-US" sz="1600" b="0" strike="noStrike" spc="-1">
+                <a:latin typeface="Arial"/>
+              </a:rPr>
+              <a:t>.</a:t>
+            </a:r>
+            <a:endParaRPr lang="en-US" sz="1600" b="0" strike="noStrike" spc="-1">
+              <a:latin typeface="Arial"/>
+              <a:ea typeface="Microsoft YaHei"/>
+            </a:endParaRPr>
+          </a:p>
+          <a:p>
+            <a:endParaRPr lang="en-US" sz="1600" b="0" strike="noStrike" spc="-1">
+              <a:latin typeface="Arial"/>
+              <a:ea typeface="Microsoft YaHei"/>
+            </a:endParaRPr>
+          </a:p>
+          <a:p>
+            <a:pPr>
+              <a:lnSpc>
+                <a:spcPct val="100000"/>
+              </a:lnSpc>
               <a:buNone/>
-              <a:defRPr b="0" lang="en-US" sz="1400" spc="-1" strike="noStrike">
-                <a:latin typeface="Times New Roman"/>
-              </a:defRPr>
-            </a:lvl1pPr>
-          </a:lstStyle>
-          <a:p>
-            <a:pPr algn="ctr">
+            </a:pPr>
+            <a:r>
+              <a:rPr lang="en-US" sz="1600" b="0" strike="noStrike" spc="-1">
+                <a:latin typeface="Arial"/>
+                <a:ea typeface="Microsoft YaHei"/>
+              </a:rPr>
+              <a:t>The dataset examined here was obtained from the csv download "Crash_Analysis_System_(CAS)_data.csv"</a:t>
+            </a:r>
+          </a:p>
+          <a:p>
+            <a:endParaRPr lang="en-US" sz="1600" b="0" strike="noStrike" spc="-1">
+              <a:latin typeface="Arial"/>
+              <a:ea typeface="Microsoft YaHei"/>
+            </a:endParaRPr>
+          </a:p>
+          <a:p>
+            <a:r>
+              <a:rPr lang="en-US" sz="1600" b="0" strike="noStrike" spc="-1">
+                <a:latin typeface="Arial"/>
+              </a:rPr>
+              <a:t>This was used in conjunction with the field descriptions at </a:t>
+            </a:r>
+            <a:endParaRPr lang="en-US" sz="1600" b="0" strike="noStrike" spc="-1">
+              <a:latin typeface="Arial"/>
+              <a:ea typeface="Microsoft YaHei"/>
+            </a:endParaRPr>
+          </a:p>
+          <a:p>
+            <a:r>
+              <a:rPr lang="en-US" sz="1600" b="0" strike="noStrike" spc="-1">
+                <a:latin typeface="Arial"/>
+                <a:hlinkClick r:id="rId3"/>
+              </a:rPr>
+              <a:t>https://opendata-nzta.opendata.arcgis.com/pages/cas-data-field-descriptions</a:t>
+            </a:r>
+            <a:endParaRPr lang="en-US" sz="1600" b="0" strike="noStrike" spc="-1">
+              <a:latin typeface="Arial"/>
+              <a:ea typeface="Microsoft YaHei"/>
+            </a:endParaRPr>
+          </a:p>
+          <a:p>
+            <a:endParaRPr lang="en-US" sz="1600" b="0" strike="noStrike" spc="-1">
+              <a:latin typeface="Arial"/>
+              <a:ea typeface="Microsoft YaHei"/>
+            </a:endParaRPr>
+          </a:p>
+          <a:p>
+            <a:pPr>
+              <a:lnSpc>
+                <a:spcPct val="100000"/>
+              </a:lnSpc>
               <a:buNone/>
             </a:pPr>
             <a:r>
-              <a:rPr b="0" lang="en-US" sz="1400" spc="-1" strike="noStrike">
-                <a:latin typeface="Times New Roman"/>
-              </a:rPr>
-              <a:t>&lt;footer&gt;</a:t>
-            </a:r>
-            <a:endParaRPr b="0" lang="en-US" sz="1400" spc="-1" strike="noStrike">
-              <a:latin typeface="Times New Roman"/>
-            </a:endParaRPr>
-          </a:p>
-        </p:txBody>
-      </p:sp>
-      <p:sp>
-        <p:nvSpPr>
-          <p:cNvPr id="4" name="PlaceHolder 5"/>
-          <p:cNvSpPr>
-            <a:spLocks noGrp="1"/>
-          </p:cNvSpPr>
-          <p:nvPr>
-            <p:ph type="sldNum" idx="3"/>
-          </p:nvPr>
-        </p:nvSpPr>
-        <p:spPr>
-          <a:xfrm>
-            <a:off x="7227360" y="5165280"/>
-            <a:ext cx="2348280" cy="390600"/>
-          </a:xfrm>
-          <a:prstGeom prst="rect">
-            <a:avLst/>
-          </a:prstGeom>
-          <a:noFill/>
-          <a:ln w="0">
-            <a:noFill/>
-          </a:ln>
-        </p:spPr>
-        <p:txBody>
-          <a:bodyPr lIns="0" rIns="0" tIns="0" bIns="0" anchor="t">
-            <a:noAutofit/>
-          </a:bodyPr>
-          <a:lstStyle>
-            <a:lvl1pPr algn="r">
+              <a:rPr lang="en-US" sz="1600" b="0" strike="noStrike" spc="-1">
+                <a:latin typeface="Arial"/>
+                <a:ea typeface="Microsoft YaHei"/>
+              </a:rPr>
+              <a:t>In addition, population counts by region from the 2018 Census were sourced from </a:t>
+            </a:r>
+          </a:p>
+          <a:p>
+            <a:pPr>
+              <a:lnSpc>
+                <a:spcPct val="100000"/>
+              </a:lnSpc>
               <a:buNone/>
-              <a:defRPr b="0" lang="en-US" sz="1400" spc="-1" strike="noStrike">
-                <a:latin typeface="Times New Roman"/>
-              </a:defRPr>
-            </a:lvl1pPr>
-          </a:lstStyle>
-          <a:p>
-            <a:pPr algn="r">
+            </a:pPr>
+            <a:r>
+              <a:rPr lang="en-US" sz="1600" b="0" strike="noStrike" spc="-1">
+                <a:latin typeface="Arial"/>
+                <a:ea typeface="Microsoft YaHei"/>
+                <a:hlinkClick r:id="rId4"/>
+              </a:rPr>
+              <a:t>https://www.stats.govt.nz/tools/2018-census-place-summaries</a:t>
+            </a:r>
+            <a:r>
+              <a:rPr lang="en-US" sz="1600" b="0" strike="noStrike" spc="-1">
+                <a:latin typeface="Arial"/>
+                <a:ea typeface="Microsoft YaHei"/>
+              </a:rPr>
+              <a:t>.</a:t>
+            </a:r>
+          </a:p>
+          <a:p>
+            <a:pPr>
+              <a:lnSpc>
+                <a:spcPct val="100000"/>
+              </a:lnSpc>
               <a:buNone/>
             </a:pPr>
-            <a:fld id="{8AF80C4C-3053-4B91-ACA2-4AE87A4440F4}" type="slidenum">
-              <a:rPr b="0" lang="en-US" sz="1400" spc="-1" strike="noStrike">
-                <a:latin typeface="Times New Roman"/>
-              </a:rPr>
-              <a:t>&lt;number&gt;</a:t>
-            </a:fld>
-            <a:endParaRPr b="0" lang="en-US" sz="1400" spc="-1" strike="noStrike">
-              <a:latin typeface="Times New Roman"/>
+            <a:endParaRPr lang="en-US" sz="1600" b="0" strike="noStrike" spc="-1">
+              <a:latin typeface="Arial"/>
+              <a:ea typeface="Microsoft YaHei"/>
+            </a:endParaRPr>
+          </a:p>
+          <a:p>
+            <a:endParaRPr lang="en-US" sz="1600" b="0" strike="noStrike" spc="-1">
+              <a:latin typeface="Arial"/>
+              <a:ea typeface="Microsoft YaHei"/>
+            </a:endParaRPr>
+          </a:p>
+          <a:p>
+            <a:endParaRPr lang="en-US" sz="1600" b="0" strike="noStrike" spc="-1">
+              <a:latin typeface="Arial"/>
+              <a:ea typeface="Microsoft YaHei"/>
+            </a:endParaRPr>
+          </a:p>
+          <a:p>
+            <a:endParaRPr lang="en-US" sz="1600" b="0" strike="noStrike" spc="-1">
+              <a:latin typeface="Arial"/>
+              <a:ea typeface="Microsoft YaHei"/>
             </a:endParaRPr>
           </a:p>
         </p:txBody>
       </p:sp>
     </p:spTree>
   </p:cSld>
-  <p:clrMap bg1="lt1" bg2="lt2" tx1="dk1" tx2="dk2" accent1="accent1" accent2="accent2" accent3="accent3" accent4="accent4" accent5="accent5" accent6="accent6" hlink="hlink" folHlink="folHlink"/>
-  <p:sldLayoutIdLst>
-    <p:sldLayoutId id="2147483649" r:id="rId2"/>
-    <p:sldLayoutId id="2147483650" r:id="rId3"/>
-    <p:sldLayoutId id="2147483651" r:id="rId4"/>
-    <p:sldLayoutId id="2147483652" r:id="rId5"/>
-    <p:sldLayoutId id="2147483653" r:id="rId6"/>
-    <p:sldLayoutId id="2147483654" r:id="rId7"/>
-    <p:sldLayoutId id="2147483655" r:id="rId8"/>
-    <p:sldLayoutId id="2147483656" r:id="rId9"/>
-    <p:sldLayoutId id="2147483657" r:id="rId10"/>
-    <p:sldLayoutId id="2147483658" r:id="rId11"/>
-    <p:sldLayoutId id="2147483659" r:id="rId12"/>
-    <p:sldLayoutId id="2147483660" r:id="rId13"/>
-  </p:sldLayoutIdLst>
-</p:sldMaster>
+  <p:clrMapOvr>
+    <a:masterClrMapping/>
+  </p:clrMapOvr>
+</p:sld>
 </file>
 
-<file path=ppt/slides/slide1.xml><?xml version="1.0" encoding="utf-8"?>
-<p:sld xmlns:a="http://schemas.openxmlformats.org/drawingml/2006/main" xmlns:p="http://schemas.openxmlformats.org/presentationml/2006/main" xmlns:r="http://schemas.openxmlformats.org/officeDocument/2006/relationships" xmlns:p14="http://schemas.microsoft.com/office/powerpoint/2010/main" xmlns:p15="http://schemas.microsoft.com/office/powerpoint/2012/main" xmlns:mc="http://schemas.openxmlformats.org/markup-compatibility/2006">
+<file path=ppt/slides/slide10.xml><?xml version="1.0" encoding="utf-8"?>
+<p:sld xmlns:a="http://schemas.openxmlformats.org/drawingml/2006/main" xmlns:r="http://schemas.openxmlformats.org/officeDocument/2006/relationships" xmlns:p="http://schemas.openxmlformats.org/presentationml/2006/main">
   <p:cSld>
     <p:spTree>
       <p:nvGrpSpPr>
@@ -2703,256 +3417,410 @@
       </p:grpSpPr>
       <p:sp>
         <p:nvSpPr>
-          <p:cNvPr id="41" name="PlaceHolder 1"/>
+          <p:cNvPr id="2" name="Title 1">
+            <a:extLst>
+              <a:ext uri="{FF2B5EF4-FFF2-40B4-BE49-F238E27FC236}">
+                <a16:creationId xmlns:a16="http://schemas.microsoft.com/office/drawing/2014/main" id="{FFEA243F-6BB9-4356-BA69-A9CBDD2818A1}"/>
+              </a:ext>
+            </a:extLst>
+          </p:cNvPr>
           <p:cNvSpPr>
             <a:spLocks noGrp="1"/>
           </p:cNvSpPr>
           <p:nvPr>
             <p:ph type="title"/>
           </p:nvPr>
+        </p:nvSpPr>
+        <p:spPr/>
+        <p:txBody>
+          <a:bodyPr/>
+          <a:lstStyle/>
+          <a:p>
+            <a:r>
+              <a:rPr lang="en-NZ" sz="2400" dirty="0">
+                <a:solidFill>
+                  <a:srgbClr val="0070C0"/>
+                </a:solidFill>
+              </a:rPr>
+              <a:t>Can we find a model to relate crash variables to Crash Severity?</a:t>
+            </a:r>
+          </a:p>
+        </p:txBody>
+      </p:sp>
+      <p:sp>
+        <p:nvSpPr>
+          <p:cNvPr id="5" name="TextBox 4">
+            <a:extLst>
+              <a:ext uri="{FF2B5EF4-FFF2-40B4-BE49-F238E27FC236}">
+                <a16:creationId xmlns:a16="http://schemas.microsoft.com/office/drawing/2014/main" id="{C08BB53E-0552-4B6B-9B2C-76FF24F4DC74}"/>
+              </a:ext>
+            </a:extLst>
+          </p:cNvPr>
+          <p:cNvSpPr txBox="1"/>
+          <p:nvPr/>
         </p:nvSpPr>
         <p:spPr>
           <a:xfrm>
-            <a:off x="504000" y="226080"/>
-            <a:ext cx="9071640" cy="946440"/>
+            <a:off x="1118508" y="1232808"/>
+            <a:ext cx="8090806" cy="3031599"/>
           </a:xfrm>
           <a:prstGeom prst="rect">
             <a:avLst/>
           </a:prstGeom>
           <a:noFill/>
-          <a:ln w="0">
-            <a:noFill/>
-          </a:ln>
         </p:spPr>
         <p:txBody>
-          <a:bodyPr lIns="0" rIns="0" tIns="0" bIns="0" anchor="ctr">
-            <a:noAutofit/>
+          <a:bodyPr wrap="square">
+            <a:spAutoFit/>
           </a:bodyPr>
-          <a:p>
-            <a:pPr algn="ctr">
-              <a:buNone/>
-            </a:pPr>
-            <a:r>
-              <a:rPr b="0" lang="en-US" sz="4400" spc="-1" strike="noStrike">
-                <a:latin typeface="Arial"/>
-              </a:rPr>
-              <a:t>Source Data</a:t>
-            </a:r>
-            <a:endParaRPr b="0" lang="en-US" sz="4400" spc="-1" strike="noStrike">
-              <a:latin typeface="Arial"/>
-            </a:endParaRPr>
-          </a:p>
-        </p:txBody>
-      </p:sp>
-      <p:sp>
-        <p:nvSpPr>
-          <p:cNvPr id="42" name=""/>
-          <p:cNvSpPr txBox="1"/>
-          <p:nvPr/>
-        </p:nvSpPr>
-        <p:spPr>
-          <a:xfrm>
-            <a:off x="914400" y="1371600"/>
-            <a:ext cx="8458200" cy="3386160"/>
-          </a:xfrm>
-          <a:prstGeom prst="rect">
-            <a:avLst/>
-          </a:prstGeom>
-          <a:noFill/>
-          <a:ln w="0">
-            <a:noFill/>
-          </a:ln>
-        </p:spPr>
-        <p:txBody>
-          <a:bodyPr lIns="0" rIns="0" tIns="0" bIns="0" anchor="t">
-            <a:noAutofit/>
-          </a:bodyPr>
-          <a:p>
-            <a:r>
-              <a:rPr b="0" lang="en-US" sz="1600" spc="-1" strike="noStrike">
-                <a:latin typeface="Arial"/>
-              </a:rPr>
-              <a:t>This is a preliminary analysis of traffic crash data made available at </a:t>
-            </a:r>
-            <a:endParaRPr b="0" lang="en-US" sz="1600" spc="-1" strike="noStrike">
-              <a:latin typeface="Arial"/>
-              <a:ea typeface="Microsoft YaHei"/>
-            </a:endParaRPr>
-          </a:p>
-          <a:p>
-            <a:r>
-              <a:rPr b="0" lang="en-US" sz="1600" spc="-1" strike="noStrike">
-                <a:latin typeface="Arial"/>
-                <a:hlinkClick r:id="rId1"/>
-              </a:rPr>
-              <a:t>https://opendata-nzta.opendata.arcgis.com/datasets/crash-analysis-system-cas-data-1</a:t>
-            </a:r>
-            <a:r>
-              <a:rPr b="0" lang="en-US" sz="1600" spc="-1" strike="noStrike">
-                <a:latin typeface="Arial"/>
-              </a:rPr>
-              <a:t>.</a:t>
-            </a:r>
-            <a:endParaRPr b="0" lang="en-US" sz="1600" spc="-1" strike="noStrike">
-              <a:latin typeface="Arial"/>
-              <a:ea typeface="Microsoft YaHei"/>
-            </a:endParaRPr>
-          </a:p>
-          <a:p>
-            <a:endParaRPr b="0" lang="en-US" sz="1600" spc="-1" strike="noStrike">
-              <a:latin typeface="Arial"/>
-              <a:ea typeface="Microsoft YaHei"/>
-            </a:endParaRPr>
-          </a:p>
-          <a:p>
-            <a:pPr>
-              <a:lnSpc>
-                <a:spcPct val="100000"/>
-              </a:lnSpc>
-              <a:buNone/>
-            </a:pPr>
-            <a:r>
-              <a:rPr b="0" lang="en-US" sz="1600" spc="-1" strike="noStrike">
-                <a:latin typeface="Arial"/>
-                <a:ea typeface="Microsoft YaHei"/>
-              </a:rPr>
-              <a:t>The dataset examined here was obtained from the csv download "Crash_Analysis_System_(CAS)_data.csv"</a:t>
-            </a:r>
-            <a:endParaRPr b="0" lang="en-US" sz="1600" spc="-1" strike="noStrike">
-              <a:latin typeface="Arial"/>
-              <a:ea typeface="Microsoft YaHei"/>
-            </a:endParaRPr>
-          </a:p>
-          <a:p>
-            <a:endParaRPr b="0" lang="en-US" sz="1600" spc="-1" strike="noStrike">
-              <a:latin typeface="Arial"/>
-              <a:ea typeface="Microsoft YaHei"/>
-            </a:endParaRPr>
-          </a:p>
-          <a:p>
-            <a:r>
-              <a:rPr b="0" lang="en-US" sz="1600" spc="-1" strike="noStrike">
-                <a:latin typeface="Arial"/>
-              </a:rPr>
-              <a:t>This was used in conjunction with the field descriptions at </a:t>
-            </a:r>
-            <a:endParaRPr b="0" lang="en-US" sz="1600" spc="-1" strike="noStrike">
-              <a:latin typeface="Arial"/>
-              <a:ea typeface="Microsoft YaHei"/>
-            </a:endParaRPr>
-          </a:p>
-          <a:p>
-            <a:r>
-              <a:rPr b="0" lang="en-US" sz="1600" spc="-1" strike="noStrike">
-                <a:latin typeface="Arial"/>
-                <a:hlinkClick r:id="rId2"/>
-              </a:rPr>
-              <a:t>https://opendata-nzta.opendata.arcgis.com/pages/cas-data-field-descriptions</a:t>
-            </a:r>
-            <a:endParaRPr b="0" lang="en-US" sz="1600" spc="-1" strike="noStrike">
-              <a:latin typeface="Arial"/>
-              <a:ea typeface="Microsoft YaHei"/>
-            </a:endParaRPr>
-          </a:p>
-          <a:p>
-            <a:endParaRPr b="0" lang="en-US" sz="1600" spc="-1" strike="noStrike">
-              <a:latin typeface="Arial"/>
-              <a:ea typeface="Microsoft YaHei"/>
-            </a:endParaRPr>
-          </a:p>
-          <a:p>
-            <a:pPr>
-              <a:lnSpc>
-                <a:spcPct val="100000"/>
-              </a:lnSpc>
-              <a:buNone/>
-            </a:pPr>
-            <a:r>
-              <a:rPr b="0" lang="en-US" sz="1600" spc="-1" strike="noStrike">
-                <a:latin typeface="Arial"/>
-                <a:ea typeface="Microsoft YaHei"/>
-              </a:rPr>
-              <a:t>In addition, population counts by region from the 2018 Census were sourced from </a:t>
-            </a:r>
-            <a:endParaRPr b="0" lang="en-US" sz="1600" spc="-1" strike="noStrike">
-              <a:latin typeface="Arial"/>
-              <a:ea typeface="Microsoft YaHei"/>
-            </a:endParaRPr>
-          </a:p>
-          <a:p>
-            <a:pPr>
-              <a:lnSpc>
-                <a:spcPct val="100000"/>
-              </a:lnSpc>
-              <a:buNone/>
-            </a:pPr>
-            <a:r>
-              <a:rPr b="0" lang="en-US" sz="1600" spc="-1" strike="noStrike">
-                <a:latin typeface="Arial"/>
-                <a:ea typeface="Microsoft YaHei"/>
-                <a:hlinkClick r:id="rId3"/>
-              </a:rPr>
-              <a:t>https://www.stats.govt.nz/tools/2018-census-place-summaries</a:t>
-            </a:r>
-            <a:r>
-              <a:rPr b="0" lang="en-US" sz="1600" spc="-1" strike="noStrike">
-                <a:latin typeface="Arial"/>
-                <a:ea typeface="Microsoft YaHei"/>
-              </a:rPr>
-              <a:t>.</a:t>
-            </a:r>
-            <a:endParaRPr b="0" lang="en-US" sz="1600" spc="-1" strike="noStrike">
-              <a:latin typeface="Arial"/>
-              <a:ea typeface="Microsoft YaHei"/>
-            </a:endParaRPr>
-          </a:p>
-          <a:p>
-            <a:pPr>
-              <a:lnSpc>
-                <a:spcPct val="100000"/>
-              </a:lnSpc>
-              <a:buNone/>
-            </a:pPr>
-            <a:endParaRPr b="0" lang="en-US" sz="1600" spc="-1" strike="noStrike">
-              <a:latin typeface="Arial"/>
-              <a:ea typeface="Microsoft YaHei"/>
-            </a:endParaRPr>
-          </a:p>
-          <a:p>
-            <a:endParaRPr b="0" lang="en-US" sz="1600" spc="-1" strike="noStrike">
-              <a:latin typeface="Arial"/>
-              <a:ea typeface="Microsoft YaHei"/>
-            </a:endParaRPr>
-          </a:p>
-          <a:p>
-            <a:endParaRPr b="0" lang="en-US" sz="1600" spc="-1" strike="noStrike">
-              <a:latin typeface="Arial"/>
-              <a:ea typeface="Microsoft YaHei"/>
-            </a:endParaRPr>
-          </a:p>
-          <a:p>
-            <a:endParaRPr b="0" lang="en-US" sz="1600" spc="-1" strike="noStrike">
-              <a:latin typeface="Arial"/>
-              <a:ea typeface="Microsoft YaHei"/>
+          <a:lstStyle/>
+          <a:p>
+            <a:r>
+              <a:rPr lang="en-NZ" sz="1200" dirty="0">
+                <a:solidFill>
+                  <a:srgbClr val="000000"/>
+                </a:solidFill>
+                <a:effectLst/>
+                <a:latin typeface="Calibri" panose="020F0502020204030204" pitchFamily="34" charset="0"/>
+                <a:ea typeface="Calibri" panose="020F0502020204030204" pitchFamily="34" charset="0"/>
+              </a:rPr>
+              <a:t>The purpose is to see which features, if any, are most important in determining crash severity.</a:t>
+            </a:r>
+            <a:endParaRPr lang="en-NZ" sz="1100" dirty="0">
+              <a:effectLst/>
+              <a:latin typeface="Calibri" panose="020F0502020204030204" pitchFamily="34" charset="0"/>
+              <a:ea typeface="Calibri" panose="020F0502020204030204" pitchFamily="34" charset="0"/>
+            </a:endParaRPr>
+          </a:p>
+          <a:p>
+            <a:pPr marL="342900" lvl="0" indent="-342900">
+              <a:buSzPts val="1000"/>
+              <a:buFont typeface="Symbol" panose="05050102010706020507" pitchFamily="18" charset="2"/>
+              <a:buChar char=""/>
+              <a:tabLst>
+                <a:tab pos="457200" algn="l"/>
+              </a:tabLst>
+            </a:pPr>
+            <a:r>
+              <a:rPr lang="en-NZ" sz="1200" dirty="0">
+                <a:solidFill>
+                  <a:srgbClr val="000000"/>
+                </a:solidFill>
+                <a:effectLst/>
+              </a:rPr>
+              <a:t>Quite a few categorical variables – require one-hot-encoding.</a:t>
+            </a:r>
+          </a:p>
+          <a:p>
+            <a:pPr marL="342900" lvl="0" indent="-342900">
+              <a:buSzPts val="1000"/>
+              <a:buFont typeface="Symbol" panose="05050102010706020507" pitchFamily="18" charset="2"/>
+              <a:buChar char=""/>
+              <a:tabLst>
+                <a:tab pos="457200" algn="l"/>
+              </a:tabLst>
+            </a:pPr>
+            <a:r>
+              <a:rPr lang="en-NZ" sz="1200" dirty="0">
+                <a:solidFill>
+                  <a:srgbClr val="000000"/>
+                </a:solidFill>
+              </a:rPr>
+              <a:t>Region is not high cardinality – AU / TA / </a:t>
+            </a:r>
+            <a:r>
+              <a:rPr lang="en-NZ" sz="1200" dirty="0" err="1">
+                <a:solidFill>
+                  <a:srgbClr val="000000"/>
+                </a:solidFill>
+              </a:rPr>
+              <a:t>meshblock</a:t>
+            </a:r>
+            <a:r>
+              <a:rPr lang="en-NZ" sz="1200" dirty="0">
+                <a:solidFill>
+                  <a:srgbClr val="000000"/>
+                </a:solidFill>
+              </a:rPr>
+              <a:t> are. </a:t>
+            </a:r>
+          </a:p>
+          <a:p>
+            <a:pPr marL="342900" lvl="0" indent="-342900">
+              <a:buSzPts val="1000"/>
+              <a:buFont typeface="Symbol" panose="05050102010706020507" pitchFamily="18" charset="2"/>
+              <a:buChar char=""/>
+              <a:tabLst>
+                <a:tab pos="457200" algn="l"/>
+              </a:tabLst>
+            </a:pPr>
+            <a:r>
+              <a:rPr lang="en-NZ" sz="1200" dirty="0">
+                <a:solidFill>
+                  <a:srgbClr val="000000"/>
+                </a:solidFill>
+              </a:rPr>
+              <a:t>Here only Region was used as an areal feature, but this could be done, with some appropriate grouping?</a:t>
+            </a:r>
+            <a:endParaRPr lang="en-NZ" dirty="0">
+              <a:solidFill>
+                <a:srgbClr val="000000"/>
+              </a:solidFill>
+              <a:effectLst/>
+            </a:endParaRPr>
+          </a:p>
+          <a:p>
+            <a:r>
+              <a:rPr lang="en-NZ" sz="1200" dirty="0">
+                <a:solidFill>
+                  <a:srgbClr val="000000"/>
+                </a:solidFill>
+                <a:effectLst/>
+                <a:latin typeface="Calibri" panose="020F0502020204030204" pitchFamily="34" charset="0"/>
+                <a:ea typeface="Calibri" panose="020F0502020204030204" pitchFamily="34" charset="0"/>
+              </a:rPr>
+              <a:t> </a:t>
+            </a:r>
+          </a:p>
+          <a:p>
+            <a:r>
+              <a:rPr lang="en-NZ" sz="1200" dirty="0">
+                <a:solidFill>
+                  <a:srgbClr val="000000"/>
+                </a:solidFill>
+                <a:latin typeface="Calibri" panose="020F0502020204030204" pitchFamily="34" charset="0"/>
+                <a:ea typeface="Calibri" panose="020F0502020204030204" pitchFamily="34" charset="0"/>
+              </a:rPr>
+              <a:t>Used an ML classification model.</a:t>
+            </a:r>
+          </a:p>
+          <a:p>
+            <a:pPr marL="171450" indent="-171450">
+              <a:buFont typeface="Arial" panose="020B0604020202020204" pitchFamily="34" charset="0"/>
+              <a:buChar char="•"/>
+            </a:pPr>
+            <a:r>
+              <a:rPr lang="en-NZ" sz="1200" dirty="0">
+                <a:solidFill>
+                  <a:srgbClr val="000000"/>
+                </a:solidFill>
+                <a:latin typeface="Calibri" panose="020F0502020204030204" pitchFamily="34" charset="0"/>
+                <a:ea typeface="Calibri" panose="020F0502020204030204" pitchFamily="34" charset="0"/>
+              </a:rPr>
+              <a:t>It’s not </a:t>
+            </a:r>
+            <a:r>
+              <a:rPr lang="en-NZ" sz="1200" i="1" dirty="0">
+                <a:solidFill>
+                  <a:srgbClr val="000000"/>
+                </a:solidFill>
+                <a:latin typeface="Calibri" panose="020F0502020204030204" pitchFamily="34" charset="0"/>
+                <a:ea typeface="Calibri" panose="020F0502020204030204" pitchFamily="34" charset="0"/>
+              </a:rPr>
+              <a:t>really</a:t>
+            </a:r>
+            <a:r>
+              <a:rPr lang="en-NZ" sz="1200" dirty="0">
+                <a:solidFill>
+                  <a:srgbClr val="000000"/>
+                </a:solidFill>
+                <a:latin typeface="Calibri" panose="020F0502020204030204" pitchFamily="34" charset="0"/>
+                <a:ea typeface="Calibri" panose="020F0502020204030204" pitchFamily="34" charset="0"/>
+              </a:rPr>
+              <a:t> about prediction – it’s about determining feature </a:t>
+            </a:r>
+            <a:r>
+              <a:rPr lang="en-NZ" sz="1200" dirty="0" err="1">
+                <a:solidFill>
+                  <a:srgbClr val="000000"/>
+                </a:solidFill>
+                <a:latin typeface="Calibri" panose="020F0502020204030204" pitchFamily="34" charset="0"/>
+                <a:ea typeface="Calibri" panose="020F0502020204030204" pitchFamily="34" charset="0"/>
+              </a:rPr>
+              <a:t>importances</a:t>
+            </a:r>
+            <a:r>
+              <a:rPr lang="en-NZ" sz="1200" dirty="0">
+                <a:solidFill>
+                  <a:srgbClr val="000000"/>
+                </a:solidFill>
+                <a:latin typeface="Calibri" panose="020F0502020204030204" pitchFamily="34" charset="0"/>
+                <a:ea typeface="Calibri" panose="020F0502020204030204" pitchFamily="34" charset="0"/>
+              </a:rPr>
+              <a:t>, i.e. which of the chosen variables explain the likelihood that injuries occur.</a:t>
+            </a:r>
+          </a:p>
+          <a:p>
+            <a:endParaRPr lang="en-NZ" sz="1100" dirty="0">
+              <a:effectLst/>
+              <a:latin typeface="Calibri" panose="020F0502020204030204" pitchFamily="34" charset="0"/>
+              <a:ea typeface="Calibri" panose="020F0502020204030204" pitchFamily="34" charset="0"/>
+            </a:endParaRPr>
+          </a:p>
+          <a:p>
+            <a:r>
+              <a:rPr lang="en-NZ" sz="1200" dirty="0">
+                <a:solidFill>
+                  <a:srgbClr val="000000"/>
+                </a:solidFill>
+                <a:effectLst/>
+                <a:latin typeface="Calibri" panose="020F0502020204030204" pitchFamily="34" charset="0"/>
+                <a:ea typeface="Calibri" panose="020F0502020204030204" pitchFamily="34" charset="0"/>
+              </a:rPr>
+              <a:t>To predict fatal crashes, or "fatal and serious" crashes would be a quite unbalanced predictive problem. Let's adopt a more balanced derived binary outcome - Minor, Serious, and Fatal crashes taken together as one outcome, and Non-Injury crashes as the other.</a:t>
+            </a:r>
+            <a:endParaRPr lang="en-NZ" sz="1100" dirty="0">
+              <a:effectLst/>
+              <a:latin typeface="Calibri" panose="020F0502020204030204" pitchFamily="34" charset="0"/>
+              <a:ea typeface="Calibri" panose="020F0502020204030204" pitchFamily="34" charset="0"/>
+            </a:endParaRPr>
+          </a:p>
+          <a:p>
+            <a:pPr marL="342900" lvl="0" indent="-342900">
+              <a:buSzPts val="1000"/>
+              <a:buFont typeface="Symbol" panose="05050102010706020507" pitchFamily="18" charset="2"/>
+              <a:buChar char=""/>
+              <a:tabLst>
+                <a:tab pos="457200" algn="l"/>
+              </a:tabLst>
+            </a:pPr>
+            <a:r>
+              <a:rPr lang="en-NZ" sz="1200" dirty="0">
+                <a:solidFill>
+                  <a:srgbClr val="000000"/>
+                </a:solidFill>
+                <a:effectLst/>
+              </a:rPr>
+              <a:t>We are treating </a:t>
+            </a:r>
+            <a:r>
+              <a:rPr lang="en-NZ" sz="1200" dirty="0" err="1">
+                <a:solidFill>
+                  <a:srgbClr val="000000"/>
+                </a:solidFill>
+                <a:effectLst/>
+              </a:rPr>
+              <a:t>crashSeverity</a:t>
+            </a:r>
+            <a:r>
+              <a:rPr lang="en-NZ" sz="1200" dirty="0">
+                <a:solidFill>
+                  <a:srgbClr val="000000"/>
+                </a:solidFill>
+                <a:effectLst/>
+              </a:rPr>
+              <a:t> as a labelled outcome.</a:t>
+            </a:r>
+            <a:endParaRPr lang="en-NZ" dirty="0">
+              <a:solidFill>
+                <a:srgbClr val="000000"/>
+              </a:solidFill>
+              <a:effectLst/>
+            </a:endParaRPr>
+          </a:p>
+          <a:p>
+            <a:pPr marL="342900" lvl="0" indent="-342900">
+              <a:buSzPts val="1000"/>
+              <a:buFont typeface="Symbol" panose="05050102010706020507" pitchFamily="18" charset="2"/>
+              <a:buChar char=""/>
+              <a:tabLst>
+                <a:tab pos="457200" algn="l"/>
+              </a:tabLst>
+            </a:pPr>
+            <a:r>
+              <a:rPr lang="en-NZ" sz="1200" dirty="0">
+                <a:solidFill>
+                  <a:srgbClr val="000000"/>
+                </a:solidFill>
+                <a:effectLst/>
+              </a:rPr>
+              <a:t>Some of the predictors are explicitly used to obtain the </a:t>
+            </a:r>
+            <a:r>
+              <a:rPr lang="en-NZ" sz="1200" dirty="0" err="1">
+                <a:solidFill>
+                  <a:srgbClr val="000000"/>
+                </a:solidFill>
+                <a:effectLst/>
+              </a:rPr>
+              <a:t>crashSeverity</a:t>
+            </a:r>
+            <a:r>
+              <a:rPr lang="en-NZ" sz="1200" dirty="0">
+                <a:solidFill>
+                  <a:srgbClr val="000000"/>
+                </a:solidFill>
+                <a:effectLst/>
+              </a:rPr>
+              <a:t> outcomes: "This is determined by the worst injury sustained in the crash at time of entry."</a:t>
+            </a:r>
+            <a:endParaRPr lang="en-NZ" dirty="0">
+              <a:solidFill>
+                <a:srgbClr val="000000"/>
+              </a:solidFill>
+              <a:effectLst/>
+            </a:endParaRPr>
+          </a:p>
+          <a:p>
+            <a:pPr marL="342900" lvl="0" indent="-342900">
+              <a:buSzPts val="1000"/>
+              <a:buFont typeface="Symbol" panose="05050102010706020507" pitchFamily="18" charset="2"/>
+              <a:buChar char=""/>
+              <a:tabLst>
+                <a:tab pos="457200" algn="l"/>
+              </a:tabLst>
+            </a:pPr>
+            <a:r>
+              <a:rPr lang="en-NZ" sz="1200" dirty="0">
+                <a:solidFill>
+                  <a:srgbClr val="000000"/>
+                </a:solidFill>
+                <a:effectLst/>
+              </a:rPr>
+              <a:t>Creating a new derived '</a:t>
+            </a:r>
+            <a:r>
+              <a:rPr lang="en-NZ" sz="1200" dirty="0" err="1">
+                <a:solidFill>
+                  <a:srgbClr val="000000"/>
+                </a:solidFill>
+                <a:effectLst/>
+              </a:rPr>
+              <a:t>injuryStatus</a:t>
+            </a:r>
+            <a:r>
+              <a:rPr lang="en-NZ" sz="1200" dirty="0">
+                <a:solidFill>
+                  <a:srgbClr val="000000"/>
+                </a:solidFill>
+                <a:effectLst/>
+              </a:rPr>
+              <a:t>' outcome as follows yields a more balanced outcome set.</a:t>
+            </a:r>
+            <a:endParaRPr lang="en-NZ" dirty="0">
+              <a:solidFill>
+                <a:srgbClr val="000000"/>
+              </a:solidFill>
+              <a:effectLst/>
             </a:endParaRPr>
           </a:p>
         </p:txBody>
       </p:sp>
     </p:spTree>
+    <p:extLst>
+      <p:ext uri="{BB962C8B-B14F-4D97-AF65-F5344CB8AC3E}">
+        <p14:creationId xmlns:p14="http://schemas.microsoft.com/office/powerpoint/2010/main" val="585602802"/>
+      </p:ext>
+    </p:extLst>
   </p:cSld>
-  <mc:AlternateContent>
-    <mc:Choice Requires="p14">
-      <p:transition spd="slow" p14:dur="2000"/>
-    </mc:Choice>
-    <mc:Fallback>
-      <p:transition spd="slow"/>
-    </mc:Fallback>
-  </mc:AlternateContent>
+  <p:clrMapOvr>
+    <a:masterClrMapping/>
+  </p:clrMapOvr>
 </p:sld>
 </file>
 
-<file path=ppt/slides/slide2.xml><?xml version="1.0" encoding="utf-8"?>
-<p:sld xmlns:a="http://schemas.openxmlformats.org/drawingml/2006/main" xmlns:p="http://schemas.openxmlformats.org/presentationml/2006/main" xmlns:r="http://schemas.openxmlformats.org/officeDocument/2006/relationships" xmlns:p14="http://schemas.microsoft.com/office/powerpoint/2010/main" xmlns:p15="http://schemas.microsoft.com/office/powerpoint/2012/main" xmlns:mc="http://schemas.openxmlformats.org/markup-compatibility/2006">
+<file path=ppt/slides/slide11.xml><?xml version="1.0" encoding="utf-8"?>
+<p:sld xmlns:a="http://schemas.openxmlformats.org/drawingml/2006/main" xmlns:r="http://schemas.openxmlformats.org/officeDocument/2006/relationships" xmlns:p="http://schemas.openxmlformats.org/presentationml/2006/main">
   <p:cSld>
     <p:spTree>
       <p:nvGrpSpPr>
@@ -2970,7 +3838,13 @@
       </p:grpSpPr>
       <p:sp>
         <p:nvSpPr>
-          <p:cNvPr id="43" name="PlaceHolder 1"/>
+          <p:cNvPr id="2" name="Title 1">
+            <a:extLst>
+              <a:ext uri="{FF2B5EF4-FFF2-40B4-BE49-F238E27FC236}">
+                <a16:creationId xmlns:a16="http://schemas.microsoft.com/office/drawing/2014/main" id="{FFEA243F-6BB9-4356-BA69-A9CBDD2818A1}"/>
+              </a:ext>
+            </a:extLst>
+          </p:cNvPr>
           <p:cNvSpPr>
             <a:spLocks noGrp="1"/>
           </p:cNvSpPr>
@@ -2978,334 +3852,155 @@
             <p:ph type="title"/>
           </p:nvPr>
         </p:nvSpPr>
+        <p:spPr/>
+        <p:txBody>
+          <a:bodyPr/>
+          <a:lstStyle/>
+          <a:p>
+            <a:r>
+              <a:rPr lang="en-NZ" sz="2800" dirty="0">
+                <a:solidFill>
+                  <a:srgbClr val="0070C0"/>
+                </a:solidFill>
+              </a:rPr>
+              <a:t>Improving balance</a:t>
+            </a:r>
+          </a:p>
+        </p:txBody>
+      </p:sp>
+      <p:pic>
+        <p:nvPicPr>
+          <p:cNvPr id="4" name="Picture 3" descr="Table&#10;&#10;Description automatically generated">
+            <a:extLst>
+              <a:ext uri="{FF2B5EF4-FFF2-40B4-BE49-F238E27FC236}">
+                <a16:creationId xmlns:a16="http://schemas.microsoft.com/office/drawing/2014/main" id="{2764E405-0F54-42AB-ABA9-D4ECCE2838A1}"/>
+              </a:ext>
+            </a:extLst>
+          </p:cNvPr>
+          <p:cNvPicPr>
+            <a:picLocks noChangeAspect="1"/>
+          </p:cNvPicPr>
+          <p:nvPr/>
+        </p:nvPicPr>
+        <p:blipFill>
+          <a:blip r:embed="rId2">
+            <a:extLst>
+              <a:ext uri="{28A0092B-C50C-407E-A947-70E740481C1C}">
+                <a14:useLocalDpi xmlns:a14="http://schemas.microsoft.com/office/drawing/2010/main" val="0"/>
+              </a:ext>
+            </a:extLst>
+          </a:blip>
+          <a:stretch>
+            <a:fillRect/>
+          </a:stretch>
+        </p:blipFill>
         <p:spPr>
           <a:xfrm>
-            <a:off x="504000" y="226080"/>
-            <a:ext cx="9071640" cy="946440"/>
+            <a:off x="504000" y="1775578"/>
+            <a:ext cx="2791215" cy="1228896"/>
           </a:xfrm>
           <a:prstGeom prst="rect">
             <a:avLst/>
           </a:prstGeom>
-          <a:noFill/>
-          <a:ln w="0">
-            <a:noFill/>
-          </a:ln>
         </p:spPr>
-        <p:txBody>
-          <a:bodyPr lIns="0" rIns="0" tIns="0" bIns="0" anchor="ctr">
-            <a:noAutofit/>
-          </a:bodyPr>
-          <a:p>
-            <a:pPr algn="ctr">
-              <a:buNone/>
-            </a:pPr>
-            <a:r>
-              <a:rPr b="0" lang="en-US" sz="4400" spc="-1" strike="noStrike">
-                <a:latin typeface="Arial"/>
-              </a:rPr>
-              <a:t>Goals</a:t>
-            </a:r>
-            <a:endParaRPr b="0" lang="en-US" sz="4400" spc="-1" strike="noStrike">
-              <a:latin typeface="Arial"/>
-            </a:endParaRPr>
-          </a:p>
-        </p:txBody>
-      </p:sp>
-      <p:sp>
-        <p:nvSpPr>
-          <p:cNvPr id="44" name="PlaceHolder 2"/>
-          <p:cNvSpPr>
-            <a:spLocks noGrp="1"/>
-          </p:cNvSpPr>
-          <p:nvPr>
-            <p:ph/>
-          </p:nvPr>
-        </p:nvSpPr>
+      </p:pic>
+      <p:pic>
+        <p:nvPicPr>
+          <p:cNvPr id="9" name="Picture 8" descr="Table&#10;&#10;Description automatically generated">
+            <a:extLst>
+              <a:ext uri="{FF2B5EF4-FFF2-40B4-BE49-F238E27FC236}">
+                <a16:creationId xmlns:a16="http://schemas.microsoft.com/office/drawing/2014/main" id="{33A93D50-32AC-40EB-AC3A-2977AA0B3F96}"/>
+              </a:ext>
+            </a:extLst>
+          </p:cNvPr>
+          <p:cNvPicPr>
+            <a:picLocks noChangeAspect="1"/>
+          </p:cNvPicPr>
+          <p:nvPr/>
+        </p:nvPicPr>
+        <p:blipFill>
+          <a:blip r:embed="rId3">
+            <a:extLst>
+              <a:ext uri="{28A0092B-C50C-407E-A947-70E740481C1C}">
+                <a14:useLocalDpi xmlns:a14="http://schemas.microsoft.com/office/drawing/2010/main" val="0"/>
+              </a:ext>
+            </a:extLst>
+          </a:blip>
+          <a:stretch>
+            <a:fillRect/>
+          </a:stretch>
+        </p:blipFill>
         <p:spPr>
           <a:xfrm>
-            <a:off x="504000" y="1326600"/>
-            <a:ext cx="9071640" cy="3288240"/>
+            <a:off x="6442402" y="1947070"/>
+            <a:ext cx="2829320" cy="733527"/>
           </a:xfrm>
           <a:prstGeom prst="rect">
             <a:avLst/>
           </a:prstGeom>
-          <a:noFill/>
-          <a:ln w="0">
-            <a:noFill/>
-          </a:ln>
         </p:spPr>
-        <p:txBody>
-          <a:bodyPr lIns="0" rIns="0" tIns="0" bIns="0" anchor="t">
-            <a:normAutofit fontScale="95000"/>
-          </a:bodyPr>
-          <a:p>
-            <a:pPr marL="432000" indent="-324000">
-              <a:lnSpc>
-                <a:spcPct val="100000"/>
-              </a:lnSpc>
-              <a:buClr>
-                <a:srgbClr val="000000"/>
-              </a:buClr>
-              <a:buSzPct val="45000"/>
-              <a:buFont typeface="Wingdings" charset="2"/>
-              <a:buChar char=""/>
-            </a:pPr>
-            <a:endParaRPr b="0" lang="en-US" sz="3200" spc="-1" strike="noStrike">
-              <a:latin typeface="Arial"/>
-            </a:endParaRPr>
-          </a:p>
-          <a:p>
-            <a:pPr marL="432000" indent="-324000">
-              <a:lnSpc>
-                <a:spcPct val="100000"/>
-              </a:lnSpc>
-              <a:buClr>
-                <a:srgbClr val="000000"/>
-              </a:buClr>
-              <a:buSzPct val="45000"/>
-              <a:buFont typeface="Wingdings" charset="2"/>
-              <a:buChar char=""/>
-            </a:pPr>
-            <a:r>
-              <a:rPr b="0" lang="en-US" sz="1600" spc="-1" strike="noStrike">
-                <a:latin typeface="Arial"/>
-              </a:rPr>
-              <a:t>Discern some basic characteristics of crash metrics in the dataset.</a:t>
-            </a:r>
-            <a:endParaRPr b="0" lang="en-US" sz="1600" spc="-1" strike="noStrike">
-              <a:latin typeface="Arial"/>
-            </a:endParaRPr>
-          </a:p>
-          <a:p>
-            <a:pPr lvl="1" marL="864000" indent="-324000">
-              <a:lnSpc>
-                <a:spcPct val="100000"/>
-              </a:lnSpc>
-              <a:spcBef>
-                <a:spcPts val="1134"/>
-              </a:spcBef>
-              <a:buClr>
-                <a:srgbClr val="000000"/>
-              </a:buClr>
-              <a:buSzPct val="75000"/>
-              <a:buFont typeface="Symbol" charset="2"/>
-              <a:buChar char=""/>
-            </a:pPr>
-            <a:r>
-              <a:rPr b="0" lang="en-US" sz="1600" spc="-1" strike="noStrike">
-                <a:latin typeface="Arial"/>
-              </a:rPr>
-              <a:t>This suggested the folowing more specific topics</a:t>
-            </a:r>
-            <a:endParaRPr b="0" lang="en-US" sz="1600" spc="-1" strike="noStrike">
-              <a:latin typeface="Arial"/>
-            </a:endParaRPr>
-          </a:p>
-          <a:p>
-            <a:pPr marL="432000" indent="-324000">
-              <a:lnSpc>
-                <a:spcPct val="100000"/>
-              </a:lnSpc>
-              <a:buClr>
-                <a:srgbClr val="000000"/>
-              </a:buClr>
-              <a:buSzPct val="45000"/>
-              <a:buFont typeface="Wingdings" charset="2"/>
-              <a:buChar char=""/>
-            </a:pPr>
-            <a:endParaRPr b="0" lang="en-US" sz="1600" spc="-1" strike="noStrike">
-              <a:latin typeface="Arial"/>
-            </a:endParaRPr>
-          </a:p>
-          <a:p>
-            <a:pPr marL="432000" indent="-324000">
-              <a:lnSpc>
-                <a:spcPct val="100000"/>
-              </a:lnSpc>
-              <a:buClr>
-                <a:srgbClr val="000000"/>
-              </a:buClr>
-              <a:buSzPct val="45000"/>
-              <a:buFont typeface="Wingdings" charset="2"/>
-              <a:buChar char=""/>
-            </a:pPr>
-            <a:r>
-              <a:rPr b="0" lang="en-US" sz="1600" spc="-1" strike="noStrike">
-                <a:latin typeface="Arial"/>
-              </a:rPr>
-              <a:t>Assess whether regional crash counts are broadly proportionate to regional population.</a:t>
-            </a:r>
-            <a:endParaRPr b="0" lang="en-US" sz="1600" spc="-1" strike="noStrike">
-              <a:latin typeface="Arial"/>
-            </a:endParaRPr>
-          </a:p>
-          <a:p>
-            <a:pPr lvl="1" marL="864000" indent="-324000">
-              <a:lnSpc>
-                <a:spcPct val="100000"/>
-              </a:lnSpc>
-              <a:spcBef>
-                <a:spcPts val="1134"/>
-              </a:spcBef>
-              <a:buClr>
-                <a:srgbClr val="000000"/>
-              </a:buClr>
-              <a:buSzPct val="75000"/>
-              <a:buFont typeface="Symbol" charset="2"/>
-              <a:buChar char=""/>
-            </a:pPr>
-            <a:r>
-              <a:rPr b="0" lang="en-US" sz="1600" spc="-1" strike="noStrike">
-                <a:latin typeface="Arial"/>
-              </a:rPr>
-              <a:t>That seemed a natural question when seeing this for the first time</a:t>
-            </a:r>
-            <a:endParaRPr b="0" lang="en-US" sz="1600" spc="-1" strike="noStrike">
-              <a:latin typeface="Arial"/>
-            </a:endParaRPr>
-          </a:p>
-          <a:p>
-            <a:pPr lvl="1" marL="864000" indent="-324000">
-              <a:lnSpc>
-                <a:spcPct val="100000"/>
-              </a:lnSpc>
-              <a:spcBef>
-                <a:spcPts val="1134"/>
-              </a:spcBef>
-              <a:buClr>
-                <a:srgbClr val="000000"/>
-              </a:buClr>
-              <a:buSzPct val="75000"/>
-              <a:buFont typeface="Symbol" charset="2"/>
-              <a:buChar char=""/>
-            </a:pPr>
-            <a:r>
-              <a:rPr b="0" lang="en-US" sz="1600" spc="-1" strike="noStrike">
-                <a:latin typeface="Arial"/>
-              </a:rPr>
-              <a:t>Concentrated on Region, but could be more granular</a:t>
-            </a:r>
-            <a:endParaRPr b="0" lang="en-US" sz="1600" spc="-1" strike="noStrike">
-              <a:latin typeface="Arial"/>
-            </a:endParaRPr>
-          </a:p>
-          <a:p>
-            <a:pPr marL="432000" indent="-324000">
-              <a:lnSpc>
-                <a:spcPct val="100000"/>
-              </a:lnSpc>
-              <a:buClr>
-                <a:srgbClr val="000000"/>
-              </a:buClr>
-              <a:buSzPct val="45000"/>
-              <a:buFont typeface="Wingdings" charset="2"/>
-              <a:buChar char=""/>
-            </a:pPr>
-            <a:endParaRPr b="0" lang="en-US" sz="1600" spc="-1" strike="noStrike">
-              <a:latin typeface="Arial"/>
-            </a:endParaRPr>
-          </a:p>
-          <a:p>
-            <a:pPr marL="432000" indent="-324000">
-              <a:lnSpc>
-                <a:spcPct val="100000"/>
-              </a:lnSpc>
-              <a:buClr>
-                <a:srgbClr val="000000"/>
-              </a:buClr>
-              <a:buSzPct val="45000"/>
-              <a:buFont typeface="Wingdings" charset="2"/>
-              <a:buChar char=""/>
-            </a:pPr>
-            <a:r>
-              <a:rPr b="0" lang="en-US" sz="1600" spc="-1" strike="noStrike">
-                <a:latin typeface="Arial"/>
-              </a:rPr>
-              <a:t>Determine the dataset features that are most </a:t>
-            </a:r>
-            <a:r>
-              <a:rPr b="0" lang="en-US" sz="1600" spc="-1" strike="noStrike">
-                <a:latin typeface="Arial"/>
-              </a:rPr>
-              <a:t>important</a:t>
-            </a:r>
-            <a:r>
-              <a:rPr b="0" lang="en-US" sz="1600" spc="-1" strike="noStrike">
-                <a:latin typeface="Arial"/>
-              </a:rPr>
-              <a:t> in distinguishing between injury crashes and non-injury crashes.</a:t>
-            </a:r>
-            <a:endParaRPr b="0" lang="en-US" sz="1600" spc="-1" strike="noStrike">
-              <a:latin typeface="Arial"/>
-            </a:endParaRPr>
-          </a:p>
-          <a:p>
-            <a:pPr lvl="1" marL="864000" indent="-324000">
-              <a:lnSpc>
-                <a:spcPct val="100000"/>
-              </a:lnSpc>
-              <a:spcBef>
-                <a:spcPts val="1134"/>
-              </a:spcBef>
-              <a:buClr>
-                <a:srgbClr val="000000"/>
-              </a:buClr>
-              <a:buSzPct val="75000"/>
-              <a:buFont typeface="Symbol" charset="2"/>
-              <a:buChar char=""/>
-            </a:pPr>
-            <a:r>
-              <a:rPr b="0" lang="en-US" sz="1600" spc="-1" strike="noStrike">
-                <a:latin typeface="Arial"/>
-              </a:rPr>
-              <a:t>We include region as a predictor</a:t>
-            </a:r>
-            <a:endParaRPr b="0" lang="en-US" sz="1600" spc="-1" strike="noStrike">
-              <a:latin typeface="Arial"/>
-            </a:endParaRPr>
-          </a:p>
-          <a:p>
-            <a:pPr lvl="1" marL="864000" indent="-324000">
-              <a:lnSpc>
-                <a:spcPct val="100000"/>
-              </a:lnSpc>
-              <a:spcBef>
-                <a:spcPts val="1134"/>
-              </a:spcBef>
-              <a:buClr>
-                <a:srgbClr val="000000"/>
-              </a:buClr>
-              <a:buSzPct val="75000"/>
-              <a:buFont typeface="Symbol" charset="2"/>
-              <a:buChar char=""/>
-            </a:pPr>
-            <a:r>
-              <a:rPr b="0" lang="en-US" sz="1600" spc="-1" strike="noStrike">
-                <a:latin typeface="Arial"/>
-              </a:rPr>
-              <a:t>More granular categories cab be used</a:t>
-            </a:r>
-            <a:endParaRPr b="0" lang="en-US" sz="1600" spc="-1" strike="noStrike">
-              <a:latin typeface="Arial"/>
-            </a:endParaRPr>
+      </p:pic>
+      <p:sp>
+        <p:nvSpPr>
+          <p:cNvPr id="10" name="Arrow: Right 9">
+            <a:extLst>
+              <a:ext uri="{FF2B5EF4-FFF2-40B4-BE49-F238E27FC236}">
+                <a16:creationId xmlns:a16="http://schemas.microsoft.com/office/drawing/2014/main" id="{D2D36E3B-68D0-4E19-A534-B12C9EF35BE5}"/>
+              </a:ext>
+            </a:extLst>
+          </p:cNvPr>
+          <p:cNvSpPr/>
+          <p:nvPr/>
+        </p:nvSpPr>
+        <p:spPr>
+          <a:xfrm>
+            <a:off x="3927021" y="2023263"/>
+            <a:ext cx="1883575" cy="581143"/>
+          </a:xfrm>
+          <a:prstGeom prst="rightArrow">
+            <a:avLst/>
+          </a:prstGeom>
+        </p:spPr>
+        <p:style>
+          <a:lnRef idx="2">
+            <a:schemeClr val="accent1">
+              <a:shade val="50000"/>
+            </a:schemeClr>
+          </a:lnRef>
+          <a:fillRef idx="1">
+            <a:schemeClr val="accent1"/>
+          </a:fillRef>
+          <a:effectRef idx="0">
+            <a:schemeClr val="accent1"/>
+          </a:effectRef>
+          <a:fontRef idx="minor">
+            <a:schemeClr val="lt1"/>
+          </a:fontRef>
+        </p:style>
+        <p:txBody>
+          <a:bodyPr rtlCol="0" anchor="ctr"/>
+          <a:lstStyle/>
+          <a:p>
+            <a:pPr algn="ctr"/>
+            <a:endParaRPr lang="en-NZ"/>
           </a:p>
         </p:txBody>
       </p:sp>
     </p:spTree>
+    <p:extLst>
+      <p:ext uri="{BB962C8B-B14F-4D97-AF65-F5344CB8AC3E}">
+        <p14:creationId xmlns:p14="http://schemas.microsoft.com/office/powerpoint/2010/main" val="872857629"/>
+      </p:ext>
+    </p:extLst>
   </p:cSld>
-  <mc:AlternateContent>
-    <mc:Choice Requires="p14">
-      <p:transition spd="slow" p14:dur="2000"/>
-    </mc:Choice>
-    <mc:Fallback>
-      <p:transition spd="slow"/>
-    </mc:Fallback>
-  </mc:AlternateContent>
+  <p:clrMapOvr>
+    <a:masterClrMapping/>
+  </p:clrMapOvr>
 </p:sld>
 </file>
 
-<file path=ppt/slides/slide3.xml><?xml version="1.0" encoding="utf-8"?>
-<p:sld xmlns:a="http://schemas.openxmlformats.org/drawingml/2006/main" xmlns:p="http://schemas.openxmlformats.org/presentationml/2006/main" xmlns:r="http://schemas.openxmlformats.org/officeDocument/2006/relationships" xmlns:p14="http://schemas.microsoft.com/office/powerpoint/2010/main" xmlns:p15="http://schemas.microsoft.com/office/powerpoint/2012/main" xmlns:mc="http://schemas.openxmlformats.org/markup-compatibility/2006">
+<file path=ppt/slides/slide12.xml><?xml version="1.0" encoding="utf-8"?>
+<p:sld xmlns:a="http://schemas.openxmlformats.org/drawingml/2006/main" xmlns:r="http://schemas.openxmlformats.org/officeDocument/2006/relationships" xmlns:p="http://schemas.openxmlformats.org/presentationml/2006/main">
   <p:cSld>
     <p:spTree>
       <p:nvGrpSpPr>
@@ -3323,7 +4018,13 @@
       </p:grpSpPr>
       <p:sp>
         <p:nvSpPr>
-          <p:cNvPr id="45" name="PlaceHolder 1"/>
+          <p:cNvPr id="2" name="Title 1">
+            <a:extLst>
+              <a:ext uri="{FF2B5EF4-FFF2-40B4-BE49-F238E27FC236}">
+                <a16:creationId xmlns:a16="http://schemas.microsoft.com/office/drawing/2014/main" id="{FFEA243F-6BB9-4356-BA69-A9CBDD2818A1}"/>
+              </a:ext>
+            </a:extLst>
+          </p:cNvPr>
           <p:cNvSpPr>
             <a:spLocks noGrp="1"/>
           </p:cNvSpPr>
@@ -3331,158 +4032,219 @@
             <p:ph type="title"/>
           </p:nvPr>
         </p:nvSpPr>
+        <p:spPr/>
+        <p:txBody>
+          <a:bodyPr/>
+          <a:lstStyle/>
+          <a:p>
+            <a:r>
+              <a:rPr lang="en-NZ" sz="2800" dirty="0">
+                <a:solidFill>
+                  <a:srgbClr val="0070C0"/>
+                </a:solidFill>
+              </a:rPr>
+              <a:t>Results</a:t>
+            </a:r>
+          </a:p>
+        </p:txBody>
+      </p:sp>
+      <p:pic>
+        <p:nvPicPr>
+          <p:cNvPr id="5" name="Picture 4" descr="Graphical user interface, text, application, table&#10;&#10;Description automatically generated">
+            <a:extLst>
+              <a:ext uri="{FF2B5EF4-FFF2-40B4-BE49-F238E27FC236}">
+                <a16:creationId xmlns:a16="http://schemas.microsoft.com/office/drawing/2014/main" id="{46570CD3-5D7F-43D6-A2C5-E6F3421DDBBA}"/>
+              </a:ext>
+            </a:extLst>
+          </p:cNvPr>
+          <p:cNvPicPr>
+            <a:picLocks noChangeAspect="1"/>
+          </p:cNvPicPr>
+          <p:nvPr/>
+        </p:nvPicPr>
+        <p:blipFill>
+          <a:blip r:embed="rId2">
+            <a:extLst>
+              <a:ext uri="{28A0092B-C50C-407E-A947-70E740481C1C}">
+                <a14:useLocalDpi xmlns:a14="http://schemas.microsoft.com/office/drawing/2010/main" val="0"/>
+              </a:ext>
+            </a:extLst>
+          </a:blip>
+          <a:stretch>
+            <a:fillRect/>
+          </a:stretch>
+        </p:blipFill>
         <p:spPr>
           <a:xfrm>
-            <a:off x="504000" y="226080"/>
-            <a:ext cx="9071640" cy="946440"/>
+            <a:off x="6351768" y="1446840"/>
+            <a:ext cx="2886478" cy="2610214"/>
+          </a:xfrm>
+          <a:prstGeom prst="rect">
+            <a:avLst/>
+          </a:prstGeom>
+        </p:spPr>
+      </p:pic>
+      <p:pic>
+        <p:nvPicPr>
+          <p:cNvPr id="12" name="Picture 11">
+            <a:extLst>
+              <a:ext uri="{FF2B5EF4-FFF2-40B4-BE49-F238E27FC236}">
+                <a16:creationId xmlns:a16="http://schemas.microsoft.com/office/drawing/2014/main" id="{E576A9D9-C159-4DCE-85A9-CDD2A685B657}"/>
+              </a:ext>
+            </a:extLst>
+          </p:cNvPr>
+          <p:cNvPicPr>
+            <a:picLocks noChangeAspect="1"/>
+          </p:cNvPicPr>
+          <p:nvPr/>
+        </p:nvPicPr>
+        <p:blipFill>
+          <a:blip r:embed="rId3"/>
+          <a:stretch>
+            <a:fillRect/>
+          </a:stretch>
+        </p:blipFill>
+        <p:spPr>
+          <a:xfrm>
+            <a:off x="767564" y="1446840"/>
+            <a:ext cx="4197441" cy="1210630"/>
+          </a:xfrm>
+          <a:prstGeom prst="rect">
+            <a:avLst/>
+          </a:prstGeom>
+        </p:spPr>
+      </p:pic>
+      <p:sp>
+        <p:nvSpPr>
+          <p:cNvPr id="13" name="TextBox 12">
+            <a:extLst>
+              <a:ext uri="{FF2B5EF4-FFF2-40B4-BE49-F238E27FC236}">
+                <a16:creationId xmlns:a16="http://schemas.microsoft.com/office/drawing/2014/main" id="{359072A4-3D90-431A-BA5E-663DF61ABE26}"/>
+              </a:ext>
+            </a:extLst>
+          </p:cNvPr>
+          <p:cNvSpPr txBox="1"/>
+          <p:nvPr/>
+        </p:nvSpPr>
+        <p:spPr>
+          <a:xfrm>
+            <a:off x="503999" y="2917767"/>
+            <a:ext cx="5514415" cy="1754326"/>
           </a:xfrm>
           <a:prstGeom prst="rect">
             <a:avLst/>
           </a:prstGeom>
           <a:noFill/>
-          <a:ln w="0">
-            <a:noFill/>
-          </a:ln>
         </p:spPr>
         <p:txBody>
-          <a:bodyPr lIns="0" rIns="0" tIns="0" bIns="0" anchor="ctr">
-            <a:noAutofit/>
+          <a:bodyPr wrap="square" rtlCol="0">
+            <a:spAutoFit/>
           </a:bodyPr>
-          <a:p>
-            <a:pPr algn="ctr">
-              <a:buNone/>
-            </a:pPr>
-            <a:r>
-              <a:rPr b="0" lang="en-US" sz="4400" spc="-1" strike="noStrike">
-                <a:latin typeface="Arial"/>
-              </a:rPr>
-              <a:t>Justification and Importance</a:t>
-            </a:r>
-            <a:endParaRPr b="0" lang="en-US" sz="4400" spc="-1" strike="noStrike">
-              <a:latin typeface="Arial"/>
-            </a:endParaRPr>
-          </a:p>
-        </p:txBody>
-      </p:sp>
-      <p:sp>
-        <p:nvSpPr>
-          <p:cNvPr id="46" name=""/>
+          <a:lstStyle/>
+          <a:p>
+            <a:pPr marL="171450" indent="-171450">
+              <a:buFont typeface="Arial" panose="020B0604020202020204" pitchFamily="34" charset="0"/>
+              <a:buChar char="•"/>
+            </a:pPr>
+            <a:r>
+              <a:rPr lang="en-NZ" sz="1200" dirty="0"/>
+              <a:t>Used a Random Forest Classifier. The model is not great, but not too horrible. Could be tweaked to improve minority class precision at the expense of recall by modified </a:t>
+            </a:r>
+            <a:r>
+              <a:rPr lang="en-NZ" sz="1200" dirty="0" err="1"/>
+              <a:t>undersampling</a:t>
+            </a:r>
+            <a:r>
+              <a:rPr lang="en-NZ" sz="1200" dirty="0"/>
+              <a:t> / oversampling.</a:t>
+            </a:r>
+          </a:p>
+          <a:p>
+            <a:endParaRPr lang="en-NZ" sz="1200" dirty="0"/>
+          </a:p>
+          <a:p>
+            <a:pPr marL="171450" indent="-171450">
+              <a:buFont typeface="Arial" panose="020B0604020202020204" pitchFamily="34" charset="0"/>
+              <a:buChar char="•"/>
+            </a:pPr>
+            <a:r>
+              <a:rPr lang="en-NZ" sz="1200" dirty="0"/>
+              <a:t>Plausible that many factors that determine injury are not in the dataset.</a:t>
+            </a:r>
+          </a:p>
+          <a:p>
+            <a:endParaRPr lang="en-NZ" sz="1200" dirty="0"/>
+          </a:p>
+          <a:p>
+            <a:pPr marL="171450" indent="-171450">
+              <a:buFont typeface="Arial" panose="020B0604020202020204" pitchFamily="34" charset="0"/>
+              <a:buChar char="•"/>
+            </a:pPr>
+            <a:r>
+              <a:rPr lang="en-NZ" sz="1200" dirty="0"/>
+              <a:t>Possible extension: user single decision tree classifier and extract division rules to get more insight.</a:t>
+            </a:r>
+          </a:p>
+          <a:p>
+            <a:endParaRPr lang="en-NZ" sz="1200" dirty="0"/>
+          </a:p>
+        </p:txBody>
+      </p:sp>
+      <p:sp>
+        <p:nvSpPr>
+          <p:cNvPr id="14" name="TextBox 13">
+            <a:extLst>
+              <a:ext uri="{FF2B5EF4-FFF2-40B4-BE49-F238E27FC236}">
+                <a16:creationId xmlns:a16="http://schemas.microsoft.com/office/drawing/2014/main" id="{8DD830B5-216C-4343-8FAF-1B58E8CEE45D}"/>
+              </a:ext>
+            </a:extLst>
+          </p:cNvPr>
           <p:cNvSpPr txBox="1"/>
           <p:nvPr/>
         </p:nvSpPr>
         <p:spPr>
           <a:xfrm>
-            <a:off x="529560" y="1283760"/>
-            <a:ext cx="9071640" cy="3288240"/>
+            <a:off x="6458989" y="856211"/>
+            <a:ext cx="2779257" cy="276999"/>
           </a:xfrm>
           <a:prstGeom prst="rect">
             <a:avLst/>
           </a:prstGeom>
           <a:noFill/>
-          <a:ln w="0">
-            <a:noFill/>
-          </a:ln>
         </p:spPr>
         <p:txBody>
-          <a:bodyPr lIns="0" rIns="0" tIns="0" bIns="0" anchor="t">
-            <a:normAutofit/>
+          <a:bodyPr wrap="square" rtlCol="0">
+            <a:spAutoFit/>
           </a:bodyPr>
-          <a:p>
-            <a:pPr marL="432000" indent="-324000">
-              <a:lnSpc>
-                <a:spcPct val="100000"/>
-              </a:lnSpc>
-              <a:buClr>
-                <a:srgbClr val="000000"/>
-              </a:buClr>
-              <a:buSzPct val="45000"/>
-              <a:buFont typeface="Wingdings" charset="2"/>
-              <a:buChar char=""/>
-            </a:pPr>
-            <a:endParaRPr b="0" lang="en-US" sz="3200" spc="-1" strike="noStrike">
-              <a:latin typeface="Arial"/>
-            </a:endParaRPr>
-          </a:p>
-          <a:p>
-            <a:pPr marL="432000" indent="-324000">
-              <a:lnSpc>
-                <a:spcPct val="100000"/>
-              </a:lnSpc>
-              <a:buClr>
-                <a:srgbClr val="000000"/>
-              </a:buClr>
-              <a:buSzPct val="45000"/>
-              <a:buFont typeface="Wingdings" charset="2"/>
-              <a:buChar char=""/>
-            </a:pPr>
-            <a:r>
-              <a:rPr b="0" lang="en-US" sz="1600" spc="-1" strike="noStrike">
-                <a:latin typeface="Arial"/>
-              </a:rPr>
-              <a:t>My conclusions are not </a:t>
-            </a:r>
-            <a:endParaRPr b="0" lang="en-US" sz="1600" spc="-1" strike="noStrike">
-              <a:latin typeface="Arial"/>
-            </a:endParaRPr>
-          </a:p>
-          <a:p>
-            <a:pPr lvl="1" marL="864000" indent="-324000">
-              <a:lnSpc>
-                <a:spcPct val="100000"/>
-              </a:lnSpc>
-              <a:spcBef>
-                <a:spcPts val="1134"/>
-              </a:spcBef>
-              <a:buClr>
-                <a:srgbClr val="000000"/>
-              </a:buClr>
-              <a:buSzPct val="75000"/>
-              <a:buFont typeface="Symbol" charset="2"/>
-              <a:buChar char=""/>
-            </a:pPr>
-            <a:r>
-              <a:rPr b="0" lang="en-US" sz="1600" spc="-1" strike="noStrike">
-                <a:latin typeface="Arial"/>
-              </a:rPr>
-              <a:t>This suggested the folowing more specific topics</a:t>
-            </a:r>
-            <a:endParaRPr b="0" lang="en-US" sz="1600" spc="-1" strike="noStrike">
-              <a:latin typeface="Arial"/>
-            </a:endParaRPr>
-          </a:p>
-          <a:p>
-            <a:pPr marL="432000" indent="-324000">
-              <a:lnSpc>
-                <a:spcPct val="100000"/>
-              </a:lnSpc>
-              <a:buClr>
-                <a:srgbClr val="000000"/>
-              </a:buClr>
-              <a:buSzPct val="45000"/>
-              <a:buFont typeface="Wingdings" charset="2"/>
-              <a:buChar char=""/>
-            </a:pPr>
-            <a:endParaRPr b="0" lang="en-US" sz="1600" spc="-1" strike="noStrike">
-              <a:latin typeface="Arial"/>
-            </a:endParaRPr>
+          <a:lstStyle/>
+          <a:p>
+            <a:r>
+              <a:rPr lang="en-NZ" sz="1200" dirty="0"/>
+              <a:t>Permutation feature </a:t>
+            </a:r>
+            <a:r>
+              <a:rPr lang="en-NZ" sz="1200" dirty="0" err="1"/>
+              <a:t>importances</a:t>
+            </a:r>
+            <a:endParaRPr lang="en-NZ" dirty="0"/>
           </a:p>
         </p:txBody>
       </p:sp>
     </p:spTree>
+    <p:extLst>
+      <p:ext uri="{BB962C8B-B14F-4D97-AF65-F5344CB8AC3E}">
+        <p14:creationId xmlns:p14="http://schemas.microsoft.com/office/powerpoint/2010/main" val="1899177786"/>
+      </p:ext>
+    </p:extLst>
   </p:cSld>
-  <mc:AlternateContent>
-    <mc:Choice Requires="p14">
-      <p:transition spd="slow" p14:dur="2000"/>
-    </mc:Choice>
-    <mc:Fallback>
-      <p:transition spd="slow"/>
-    </mc:Fallback>
-  </mc:AlternateContent>
+  <p:clrMapOvr>
+    <a:masterClrMapping/>
+  </p:clrMapOvr>
 </p:sld>
 </file>
 
-<file path=ppt/slides/slide4.xml><?xml version="1.0" encoding="utf-8"?>
-<p:sld xmlns:a="http://schemas.openxmlformats.org/drawingml/2006/main" xmlns:p="http://schemas.openxmlformats.org/presentationml/2006/main" xmlns:r="http://schemas.openxmlformats.org/officeDocument/2006/relationships" xmlns:p14="http://schemas.microsoft.com/office/powerpoint/2010/main" xmlns:p15="http://schemas.microsoft.com/office/powerpoint/2012/main" xmlns:mc="http://schemas.openxmlformats.org/markup-compatibility/2006">
+<file path=ppt/slides/slide13.xml><?xml version="1.0" encoding="utf-8"?>
+<p:sld xmlns:a="http://schemas.openxmlformats.org/drawingml/2006/main" xmlns:r="http://schemas.openxmlformats.org/officeDocument/2006/relationships" xmlns:p="http://schemas.openxmlformats.org/presentationml/2006/main">
   <p:cSld>
     <p:spTree>
       <p:nvGrpSpPr>
@@ -3500,18 +4262,64 @@
       </p:grpSpPr>
       <p:sp>
         <p:nvSpPr>
-          <p:cNvPr id="47" name="PlaceHolder 1"/>
+          <p:cNvPr id="2" name="Title 1">
+            <a:extLst>
+              <a:ext uri="{FF2B5EF4-FFF2-40B4-BE49-F238E27FC236}">
+                <a16:creationId xmlns:a16="http://schemas.microsoft.com/office/drawing/2014/main" id="{FFEA243F-6BB9-4356-BA69-A9CBDD2818A1}"/>
+              </a:ext>
+            </a:extLst>
+          </p:cNvPr>
           <p:cNvSpPr>
             <a:spLocks noGrp="1"/>
           </p:cNvSpPr>
           <p:nvPr>
             <p:ph type="title"/>
           </p:nvPr>
+        </p:nvSpPr>
+        <p:spPr/>
+        <p:txBody>
+          <a:bodyPr/>
+          <a:lstStyle/>
+          <a:p>
+            <a:r>
+              <a:rPr lang="en-NZ" sz="2800" dirty="0">
+                <a:solidFill>
+                  <a:srgbClr val="0070C0"/>
+                </a:solidFill>
+              </a:rPr>
+              <a:t>Production</a:t>
+            </a:r>
+            <a:r>
+              <a:rPr lang="en-NZ" sz="2800" dirty="0"/>
+              <a:t> </a:t>
+            </a:r>
+            <a:r>
+              <a:rPr lang="en-NZ" sz="2800" dirty="0">
+                <a:solidFill>
+                  <a:srgbClr val="0070C0"/>
+                </a:solidFill>
+              </a:rPr>
+              <a:t>&amp; Deployment Considerations (1)</a:t>
+            </a:r>
+          </a:p>
+        </p:txBody>
+      </p:sp>
+      <p:sp>
+        <p:nvSpPr>
+          <p:cNvPr id="6" name="TextBox 5">
+            <a:extLst>
+              <a:ext uri="{FF2B5EF4-FFF2-40B4-BE49-F238E27FC236}">
+                <a16:creationId xmlns:a16="http://schemas.microsoft.com/office/drawing/2014/main" id="{15CFDBBD-2187-4A65-AACF-691FDAD0134C}"/>
+              </a:ext>
+            </a:extLst>
+          </p:cNvPr>
+          <p:cNvSpPr txBox="1"/>
+          <p:nvPr/>
         </p:nvSpPr>
         <p:spPr>
           <a:xfrm>
-            <a:off x="504000" y="226080"/>
-            <a:ext cx="9071640" cy="946440"/>
+            <a:off x="529920" y="1283760"/>
+            <a:ext cx="9071640" cy="3925054"/>
           </a:xfrm>
           <a:prstGeom prst="rect">
             <a:avLst/>
@@ -3522,48 +4330,10 @@
           </a:ln>
         </p:spPr>
         <p:txBody>
-          <a:bodyPr lIns="0" rIns="0" tIns="0" bIns="0" anchor="ctr">
+          <a:bodyPr lIns="0" tIns="0" rIns="0" bIns="0" anchor="t">
             <a:noAutofit/>
           </a:bodyPr>
-          <a:p>
-            <a:pPr algn="ctr">
-              <a:buNone/>
-            </a:pPr>
-            <a:r>
-              <a:rPr b="0" lang="en-US" sz="4400" spc="-1" strike="noStrike">
-                <a:latin typeface="Arial"/>
-              </a:rPr>
-              <a:t>Methods and tools</a:t>
-            </a:r>
-            <a:endParaRPr b="0" lang="en-US" sz="4400" spc="-1" strike="noStrike">
-              <a:latin typeface="Arial"/>
-            </a:endParaRPr>
-          </a:p>
-        </p:txBody>
-      </p:sp>
-      <p:sp>
-        <p:nvSpPr>
-          <p:cNvPr id="48" name=""/>
-          <p:cNvSpPr txBox="1"/>
-          <p:nvPr/>
-        </p:nvSpPr>
-        <p:spPr>
-          <a:xfrm>
-            <a:off x="529920" y="1283760"/>
-            <a:ext cx="9071640" cy="3516840"/>
-          </a:xfrm>
-          <a:prstGeom prst="rect">
-            <a:avLst/>
-          </a:prstGeom>
-          <a:noFill/>
-          <a:ln w="0">
-            <a:noFill/>
-          </a:ln>
-        </p:spPr>
-        <p:txBody>
-          <a:bodyPr lIns="0" rIns="0" tIns="0" bIns="0" anchor="t">
-            <a:noAutofit/>
-          </a:bodyPr>
+          <a:lstStyle/>
           <a:p>
             <a:pPr marL="432000" indent="-324000">
               <a:lnSpc>
@@ -3576,7 +4346,7 @@
               <a:buFont typeface="Wingdings" charset="2"/>
               <a:buChar char=""/>
             </a:pPr>
-            <a:endParaRPr b="0" lang="en-US" sz="1600" spc="-1" strike="noStrike">
+            <a:endParaRPr lang="en-US" sz="1600" b="0" strike="noStrike" spc="-1" dirty="0">
               <a:latin typeface="Arial"/>
               <a:ea typeface="Microsoft YaHei"/>
             </a:endParaRPr>
@@ -3594,19 +4364,66 @@
               <a:buChar char=""/>
             </a:pPr>
             <a:r>
-              <a:rPr b="0" lang="en-US" sz="1600" spc="-1" strike="noStrike">
+              <a:rPr lang="en-US" sz="1600" spc="-1" dirty="0">
                 <a:latin typeface="Arial"/>
                 <a:ea typeface="Microsoft YaHei"/>
               </a:rPr>
-              <a:t>Tools  in a Jupyter Notebook in local PC</a:t>
-            </a:r>
-            <a:endParaRPr b="0" lang="en-US" sz="1600" spc="-1" strike="noStrike">
+              <a:t>Consider in general, since these outputs would not be productionized</a:t>
+            </a:r>
+            <a:r>
+              <a:rPr lang="en-US" sz="1600" spc="-1" dirty="0">
+                <a:latin typeface="Arial"/>
+                <a:ea typeface="Microsoft YaHei"/>
+                <a:sym typeface="Wingdings" panose="05000000000000000000" pitchFamily="2" charset="2"/>
+              </a:rPr>
+              <a:t></a:t>
+            </a:r>
+            <a:endParaRPr lang="en-US" sz="1600" b="0" strike="noStrike" spc="-1" dirty="0">
               <a:latin typeface="Arial"/>
               <a:ea typeface="Microsoft YaHei"/>
             </a:endParaRPr>
           </a:p>
           <a:p>
-            <a:pPr lvl="1" marL="864000" indent="-324000">
+            <a:pPr marL="108000">
+              <a:lnSpc>
+                <a:spcPct val="100000"/>
+              </a:lnSpc>
+              <a:buClr>
+                <a:srgbClr val="000000"/>
+              </a:buClr>
+              <a:buSzPct val="45000"/>
+            </a:pPr>
+            <a:endParaRPr lang="en-US" sz="1600" b="0" strike="noStrike" spc="-1" dirty="0">
+              <a:latin typeface="Arial"/>
+              <a:ea typeface="Microsoft YaHei"/>
+            </a:endParaRPr>
+          </a:p>
+          <a:p>
+            <a:pPr marL="432000" indent="-324000">
+              <a:lnSpc>
+                <a:spcPct val="100000"/>
+              </a:lnSpc>
+              <a:buClr>
+                <a:srgbClr val="000000"/>
+              </a:buClr>
+              <a:buSzPct val="45000"/>
+              <a:buFont typeface="Wingdings" charset="2"/>
+              <a:buChar char=""/>
+            </a:pPr>
+            <a:r>
+              <a:rPr lang="en-US" sz="1600" spc="-1" dirty="0">
+                <a:latin typeface="Arial"/>
+                <a:ea typeface="Microsoft YaHei"/>
+              </a:rPr>
+              <a:t>Driving requirements</a:t>
+            </a:r>
+            <a:endParaRPr lang="en-US" sz="1600" b="0" strike="noStrike" spc="-1" dirty="0">
+              <a:latin typeface="Arial"/>
+              <a:ea typeface="Microsoft YaHei"/>
+            </a:endParaRPr>
+          </a:p>
+          <a:p>
+            <a:pPr marL="864000" lvl="1" indent="-324000">
               <a:lnSpc>
                 <a:spcPct val="100000"/>
               </a:lnSpc>
@@ -3621,18 +4438,34 @@
               <a:buChar char=""/>
             </a:pPr>
             <a:r>
-              <a:rPr b="0" lang="en-US" sz="1600" spc="-1" strike="noStrike">
+              <a:rPr lang="en-US" sz="1600" b="0" strike="noStrike" spc="-1" dirty="0">
                 <a:latin typeface="Arial"/>
                 <a:ea typeface="Microsoft YaHei"/>
               </a:rPr>
-              <a:t>python with pandas / sklearn and other common libraries</a:t>
-            </a:r>
-            <a:endParaRPr b="0" lang="en-US" sz="1600" spc="-1" strike="noStrike">
-              <a:latin typeface="Arial"/>
-            </a:endParaRPr>
-          </a:p>
-          <a:p>
-            <a:pPr lvl="1" marL="864000" indent="-324000">
+              <a:t>Legal / regulatory /internal to do with content</a:t>
+            </a:r>
+          </a:p>
+          <a:p>
+            <a:pPr marL="1321200" lvl="2" indent="-324000">
+              <a:spcBef>
+                <a:spcPts val="1134"/>
+              </a:spcBef>
+              <a:buClr>
+                <a:srgbClr val="000000"/>
+              </a:buClr>
+              <a:buSzPct val="75000"/>
+              <a:buFont typeface="Symbol" charset="2"/>
+              <a:buChar char=""/>
+            </a:pPr>
+            <a:r>
+              <a:rPr lang="en-US" sz="1600" b="0" strike="noStrike" spc="-1" dirty="0">
+                <a:latin typeface="Arial"/>
+              </a:rPr>
+              <a:t>e.g. privacy, anonymization of aggregated data, licensing</a:t>
+            </a:r>
+          </a:p>
+          <a:p>
+            <a:pPr marL="864000" lvl="1" indent="-324000">
               <a:lnSpc>
                 <a:spcPct val="100000"/>
               </a:lnSpc>
@@ -3647,59 +4480,15 @@
               <a:buChar char=""/>
             </a:pPr>
             <a:r>
-              <a:rPr b="0" lang="en-US" sz="1600" spc="-1" strike="noStrike">
+              <a:rPr lang="en-US" sz="1600" b="0" strike="noStrike" spc="-1" dirty="0">
                 <a:latin typeface="Arial"/>
                 <a:ea typeface="Microsoft YaHei"/>
               </a:rPr>
-              <a:t>Git for retention / versioning of code and outputs</a:t>
-            </a:r>
-            <a:endParaRPr b="0" lang="en-US" sz="1600" spc="-1" strike="noStrike">
-              <a:latin typeface="Arial"/>
-            </a:endParaRPr>
-          </a:p>
-          <a:p>
-            <a:pPr marL="432000" indent="-324000">
-              <a:lnSpc>
-                <a:spcPct val="100000"/>
-              </a:lnSpc>
-              <a:buClr>
-                <a:srgbClr val="000000"/>
-              </a:buClr>
-              <a:buSzPct val="45000"/>
-              <a:buFont typeface="Wingdings" charset="2"/>
-              <a:buChar char=""/>
-            </a:pPr>
-            <a:endParaRPr b="0" lang="en-US" sz="1600" spc="-1" strike="noStrike">
-              <a:latin typeface="Arial"/>
-              <a:ea typeface="Microsoft YaHei"/>
-            </a:endParaRPr>
-          </a:p>
-          <a:p>
-            <a:pPr marL="432000" indent="-324000">
-              <a:lnSpc>
-                <a:spcPct val="100000"/>
-              </a:lnSpc>
-              <a:buClr>
-                <a:srgbClr val="000000"/>
-              </a:buClr>
-              <a:buSzPct val="45000"/>
-              <a:buFont typeface="Wingdings" charset="2"/>
-              <a:buChar char=""/>
-            </a:pPr>
-            <a:r>
-              <a:rPr b="0" lang="en-US" sz="1600" spc="-1" strike="noStrike">
-                <a:latin typeface="Arial"/>
-                <a:ea typeface="Microsoft YaHei"/>
-              </a:rPr>
-              <a:t>Methods</a:t>
-            </a:r>
-            <a:endParaRPr b="0" lang="en-US" sz="1600" spc="-1" strike="noStrike">
-              <a:latin typeface="Arial"/>
-              <a:ea typeface="Microsoft YaHei"/>
-            </a:endParaRPr>
-          </a:p>
-          <a:p>
-            <a:pPr lvl="1" marL="864000" indent="-324000">
+              <a:t>Form, frequency, accuracy, timeliness of outputs</a:t>
+            </a:r>
+          </a:p>
+          <a:p>
+            <a:pPr marL="864000" lvl="1" indent="-324000">
               <a:lnSpc>
                 <a:spcPct val="100000"/>
               </a:lnSpc>
@@ -3714,18 +4503,15 @@
               <a:buChar char=""/>
             </a:pPr>
             <a:r>
-              <a:rPr b="0" lang="en-US" sz="1600" spc="-1" strike="noStrike">
+              <a:rPr lang="en-US" sz="1600" b="0" strike="noStrike" spc="-1" dirty="0">
                 <a:latin typeface="Arial"/>
                 <a:ea typeface="Microsoft YaHei"/>
               </a:rPr>
-              <a:t>Basic stats analysis of columns and data prep</a:t>
-            </a:r>
-            <a:endParaRPr b="0" lang="en-US" sz="1600" spc="-1" strike="noStrike">
-              <a:latin typeface="Arial"/>
-            </a:endParaRPr>
-          </a:p>
-          <a:p>
-            <a:pPr lvl="1" marL="864000" indent="-324000">
+              <a:t>Platform architecture &amp; support</a:t>
+            </a:r>
+          </a:p>
+          <a:p>
+            <a:pPr marL="864000" lvl="1" indent="-324000">
               <a:lnSpc>
                 <a:spcPct val="100000"/>
               </a:lnSpc>
@@ -3740,18 +4526,19 @@
               <a:buChar char=""/>
             </a:pPr>
             <a:r>
-              <a:rPr b="0" lang="en-US" sz="1600" spc="-1" strike="noStrike">
+              <a:rPr lang="en-US" sz="1600" spc="-1" dirty="0">
                 <a:latin typeface="Arial"/>
                 <a:ea typeface="Microsoft YaHei"/>
               </a:rPr>
-              <a:t>Straightforward joins and manipulation coupled with simple visualizations</a:t>
-            </a:r>
-            <a:endParaRPr b="0" lang="en-US" sz="1600" spc="-1" strike="noStrike">
-              <a:latin typeface="Arial"/>
-            </a:endParaRPr>
-          </a:p>
-          <a:p>
-            <a:pPr lvl="1" marL="864000" indent="-324000">
+              <a:t>Service Level Agreements?</a:t>
+            </a:r>
+            <a:endParaRPr lang="en-US" sz="1600" b="0" strike="noStrike" spc="-1" dirty="0">
+              <a:latin typeface="Arial"/>
+              <a:ea typeface="Microsoft YaHei"/>
+            </a:endParaRPr>
+          </a:p>
+          <a:p>
+            <a:pPr marL="864000" lvl="1" indent="-324000">
               <a:lnSpc>
                 <a:spcPct val="100000"/>
               </a:lnSpc>
@@ -3766,13 +4553,62 @@
               <a:buChar char=""/>
             </a:pPr>
             <a:r>
-              <a:rPr b="0" lang="en-US" sz="1600" spc="-1" strike="noStrike">
+              <a:rPr lang="en-US" sz="1600" b="0" strike="noStrike" spc="-1" dirty="0">
                 <a:latin typeface="Arial"/>
                 <a:ea typeface="Microsoft YaHei"/>
               </a:rPr>
-              <a:t>Machine Learning approach for assessing feature importances</a:t>
-            </a:r>
-            <a:endParaRPr b="0" lang="en-US" sz="1600" spc="-1" strike="noStrike">
+              <a:t>Technical performance </a:t>
+            </a:r>
+            <a:r>
+              <a:rPr lang="en-US" sz="1600" spc="-1" dirty="0">
+                <a:latin typeface="Arial"/>
+                <a:ea typeface="Microsoft YaHei"/>
+              </a:rPr>
+              <a:t>and manageability</a:t>
+            </a:r>
+            <a:endParaRPr lang="en-US" sz="1600" b="0" strike="noStrike" spc="-1" dirty="0">
+              <a:latin typeface="Arial"/>
+            </a:endParaRPr>
+          </a:p>
+          <a:p>
+            <a:pPr marL="864000" lvl="1" indent="-324000">
+              <a:lnSpc>
+                <a:spcPct val="100000"/>
+              </a:lnSpc>
+              <a:spcBef>
+                <a:spcPts val="1134"/>
+              </a:spcBef>
+              <a:buClr>
+                <a:srgbClr val="000000"/>
+              </a:buClr>
+              <a:buSzPct val="75000"/>
+              <a:buFont typeface="Symbol" charset="2"/>
+              <a:buChar char=""/>
+            </a:pPr>
+            <a:r>
+              <a:rPr lang="en-US" sz="1600" b="0" strike="noStrike" spc="-1" dirty="0">
+                <a:latin typeface="Arial"/>
+                <a:ea typeface="Microsoft YaHei"/>
+              </a:rPr>
+              <a:t>Processes &amp; standards</a:t>
+            </a:r>
+          </a:p>
+          <a:p>
+            <a:pPr marL="864000" lvl="1" indent="-324000">
+              <a:lnSpc>
+                <a:spcPct val="100000"/>
+              </a:lnSpc>
+              <a:spcBef>
+                <a:spcPts val="1134"/>
+              </a:spcBef>
+              <a:buClr>
+                <a:srgbClr val="000000"/>
+              </a:buClr>
+              <a:buSzPct val="75000"/>
+              <a:buFont typeface="Symbol" charset="2"/>
+              <a:buChar char=""/>
+            </a:pPr>
+            <a:endParaRPr lang="en-US" sz="1600" b="0" strike="noStrike" spc="-1" dirty="0">
               <a:latin typeface="Arial"/>
             </a:endParaRPr>
           </a:p>
@@ -3788,7 +4624,7 @@
               <a:buFont typeface="Wingdings" charset="2"/>
               <a:buChar char=""/>
             </a:pPr>
-            <a:endParaRPr b="0" lang="en-US" sz="1600" spc="-1" strike="noStrike">
+            <a:endParaRPr lang="en-US" sz="1600" b="0" strike="noStrike" spc="-1" dirty="0">
               <a:latin typeface="Arial"/>
               <a:ea typeface="Microsoft YaHei"/>
             </a:endParaRPr>
@@ -3796,20 +4632,20 @@
         </p:txBody>
       </p:sp>
     </p:spTree>
+    <p:extLst>
+      <p:ext uri="{BB962C8B-B14F-4D97-AF65-F5344CB8AC3E}">
+        <p14:creationId xmlns:p14="http://schemas.microsoft.com/office/powerpoint/2010/main" val="710879417"/>
+      </p:ext>
+    </p:extLst>
   </p:cSld>
-  <mc:AlternateContent>
-    <mc:Choice Requires="p14">
-      <p:transition spd="slow" p14:dur="2000"/>
-    </mc:Choice>
-    <mc:Fallback>
-      <p:transition spd="slow"/>
-    </mc:Fallback>
-  </mc:AlternateContent>
+  <p:clrMapOvr>
+    <a:masterClrMapping/>
+  </p:clrMapOvr>
 </p:sld>
 </file>
 
-<file path=ppt/slides/slide5.xml><?xml version="1.0" encoding="utf-8"?>
-<p:sld xmlns:a="http://schemas.openxmlformats.org/drawingml/2006/main" xmlns:p="http://schemas.openxmlformats.org/presentationml/2006/main" xmlns:r="http://schemas.openxmlformats.org/officeDocument/2006/relationships" xmlns:p14="http://schemas.microsoft.com/office/powerpoint/2010/main" xmlns:p15="http://schemas.microsoft.com/office/powerpoint/2012/main" xmlns:mc="http://schemas.openxmlformats.org/markup-compatibility/2006">
+<file path=ppt/slides/slide14.xml><?xml version="1.0" encoding="utf-8"?>
+<p:sld xmlns:a="http://schemas.openxmlformats.org/drawingml/2006/main" xmlns:r="http://schemas.openxmlformats.org/officeDocument/2006/relationships" xmlns:p="http://schemas.openxmlformats.org/presentationml/2006/main">
   <p:cSld>
     <p:spTree>
       <p:nvGrpSpPr>
@@ -3827,7 +4663,1183 @@
       </p:grpSpPr>
       <p:sp>
         <p:nvSpPr>
-          <p:cNvPr id="49" name="PlaceHolder 1"/>
+          <p:cNvPr id="2" name="Title 1">
+            <a:extLst>
+              <a:ext uri="{FF2B5EF4-FFF2-40B4-BE49-F238E27FC236}">
+                <a16:creationId xmlns:a16="http://schemas.microsoft.com/office/drawing/2014/main" id="{FFEA243F-6BB9-4356-BA69-A9CBDD2818A1}"/>
+              </a:ext>
+            </a:extLst>
+          </p:cNvPr>
+          <p:cNvSpPr>
+            <a:spLocks noGrp="1"/>
+          </p:cNvSpPr>
+          <p:nvPr>
+            <p:ph type="title"/>
+          </p:nvPr>
+        </p:nvSpPr>
+        <p:spPr/>
+        <p:txBody>
+          <a:bodyPr/>
+          <a:lstStyle/>
+          <a:p>
+            <a:r>
+              <a:rPr lang="en-NZ" sz="2800" dirty="0">
+                <a:solidFill>
+                  <a:srgbClr val="0070C0"/>
+                </a:solidFill>
+              </a:rPr>
+              <a:t>Production</a:t>
+            </a:r>
+            <a:r>
+              <a:rPr lang="en-NZ" sz="2800" dirty="0"/>
+              <a:t> </a:t>
+            </a:r>
+            <a:r>
+              <a:rPr lang="en-NZ" sz="2800" dirty="0">
+                <a:solidFill>
+                  <a:srgbClr val="0070C0"/>
+                </a:solidFill>
+              </a:rPr>
+              <a:t>&amp; Deployment Considerations (2)</a:t>
+            </a:r>
+          </a:p>
+        </p:txBody>
+      </p:sp>
+      <p:sp>
+        <p:nvSpPr>
+          <p:cNvPr id="6" name="TextBox 5">
+            <a:extLst>
+              <a:ext uri="{FF2B5EF4-FFF2-40B4-BE49-F238E27FC236}">
+                <a16:creationId xmlns:a16="http://schemas.microsoft.com/office/drawing/2014/main" id="{15CFDBBD-2187-4A65-AACF-691FDAD0134C}"/>
+              </a:ext>
+            </a:extLst>
+          </p:cNvPr>
+          <p:cNvSpPr txBox="1"/>
+          <p:nvPr/>
+        </p:nvSpPr>
+        <p:spPr>
+          <a:xfrm>
+            <a:off x="529920" y="1283760"/>
+            <a:ext cx="9071640" cy="3925054"/>
+          </a:xfrm>
+          <a:prstGeom prst="rect">
+            <a:avLst/>
+          </a:prstGeom>
+          <a:noFill/>
+          <a:ln w="0">
+            <a:noFill/>
+          </a:ln>
+        </p:spPr>
+        <p:txBody>
+          <a:bodyPr lIns="0" tIns="0" rIns="0" bIns="0" anchor="t">
+            <a:noAutofit/>
+          </a:bodyPr>
+          <a:lstStyle/>
+          <a:p>
+            <a:pPr marL="432000" indent="-324000">
+              <a:lnSpc>
+                <a:spcPct val="100000"/>
+              </a:lnSpc>
+              <a:buClr>
+                <a:srgbClr val="000000"/>
+              </a:buClr>
+              <a:buSzPct val="45000"/>
+              <a:buFont typeface="Wingdings" charset="2"/>
+              <a:buChar char=""/>
+            </a:pPr>
+            <a:endParaRPr lang="en-US" sz="1600" b="0" strike="noStrike" spc="-1" dirty="0">
+              <a:latin typeface="Arial"/>
+              <a:ea typeface="Microsoft YaHei"/>
+            </a:endParaRPr>
+          </a:p>
+          <a:p>
+            <a:pPr marL="432000" indent="-324000">
+              <a:lnSpc>
+                <a:spcPct val="100000"/>
+              </a:lnSpc>
+              <a:buClr>
+                <a:srgbClr val="000000"/>
+              </a:buClr>
+              <a:buSzPct val="45000"/>
+              <a:buFont typeface="Wingdings" charset="2"/>
+              <a:buChar char=""/>
+            </a:pPr>
+            <a:r>
+              <a:rPr lang="en-US" sz="1600" b="0" strike="noStrike" spc="-1" dirty="0">
+                <a:latin typeface="Arial"/>
+                <a:ea typeface="Microsoft YaHei"/>
+              </a:rPr>
+              <a:t>Data</a:t>
+            </a:r>
+          </a:p>
+          <a:p>
+            <a:pPr marL="864000" lvl="1" indent="-324000">
+              <a:lnSpc>
+                <a:spcPct val="100000"/>
+              </a:lnSpc>
+              <a:spcBef>
+                <a:spcPts val="1134"/>
+              </a:spcBef>
+              <a:buClr>
+                <a:srgbClr val="000000"/>
+              </a:buClr>
+              <a:buSzPct val="75000"/>
+              <a:buFont typeface="Symbol" charset="2"/>
+              <a:buChar char=""/>
+            </a:pPr>
+            <a:r>
+              <a:rPr lang="en-US" sz="1600" b="0" strike="noStrike" spc="-1" dirty="0">
+                <a:latin typeface="Arial"/>
+                <a:ea typeface="Microsoft YaHei"/>
+              </a:rPr>
+              <a:t>Legal / regulatory /internal to do with content</a:t>
+            </a:r>
+          </a:p>
+          <a:p>
+            <a:pPr marL="1321200" lvl="2" indent="-324000">
+              <a:spcBef>
+                <a:spcPts val="1134"/>
+              </a:spcBef>
+              <a:buClr>
+                <a:srgbClr val="000000"/>
+              </a:buClr>
+              <a:buSzPct val="75000"/>
+              <a:buFont typeface="Symbol" charset="2"/>
+              <a:buChar char=""/>
+            </a:pPr>
+            <a:r>
+              <a:rPr lang="en-US" sz="1600" b="0" strike="noStrike" spc="-1" dirty="0">
+                <a:latin typeface="Arial"/>
+              </a:rPr>
+              <a:t>e.g. privacy, anonymization of aggregated data, licensing</a:t>
+            </a:r>
+          </a:p>
+          <a:p>
+            <a:pPr marL="368550" indent="-285750">
+              <a:spcBef>
+                <a:spcPts val="1134"/>
+              </a:spcBef>
+              <a:buClr>
+                <a:srgbClr val="000000"/>
+              </a:buClr>
+              <a:buSzPct val="75000"/>
+              <a:buFont typeface="Arial" panose="020B0604020202020204" pitchFamily="34" charset="0"/>
+              <a:buChar char="•"/>
+            </a:pPr>
+            <a:r>
+              <a:rPr lang="en-US" sz="1600" b="0" strike="noStrike" spc="-1" dirty="0">
+                <a:latin typeface="Arial"/>
+                <a:ea typeface="Microsoft YaHei"/>
+              </a:rPr>
+              <a:t>Form, frequency, accuracy, timeliness of outputs</a:t>
+            </a:r>
+          </a:p>
+          <a:p>
+            <a:pPr marL="368550" indent="-285750">
+              <a:spcBef>
+                <a:spcPts val="1134"/>
+              </a:spcBef>
+              <a:buClr>
+                <a:srgbClr val="000000"/>
+              </a:buClr>
+              <a:buSzPct val="75000"/>
+              <a:buFont typeface="Arial" panose="020B0604020202020204" pitchFamily="34" charset="0"/>
+              <a:buChar char="•"/>
+            </a:pPr>
+            <a:r>
+              <a:rPr lang="en-US" sz="1600" b="0" strike="noStrike" spc="-1" dirty="0">
+                <a:latin typeface="Arial"/>
+                <a:ea typeface="Microsoft YaHei"/>
+              </a:rPr>
+              <a:t>Platform architecture &amp; support</a:t>
+            </a:r>
+          </a:p>
+          <a:p>
+            <a:pPr marL="368550" indent="-285750">
+              <a:spcBef>
+                <a:spcPts val="1134"/>
+              </a:spcBef>
+              <a:buClr>
+                <a:srgbClr val="000000"/>
+              </a:buClr>
+              <a:buSzPct val="75000"/>
+              <a:buFont typeface="Arial" panose="020B0604020202020204" pitchFamily="34" charset="0"/>
+              <a:buChar char="•"/>
+            </a:pPr>
+            <a:r>
+              <a:rPr lang="en-US" sz="1600" spc="-1" dirty="0">
+                <a:latin typeface="Arial"/>
+                <a:ea typeface="Microsoft YaHei"/>
+              </a:rPr>
+              <a:t>Service Level Agreements?</a:t>
+            </a:r>
+            <a:endParaRPr lang="en-US" sz="1600" b="0" strike="noStrike" spc="-1" dirty="0">
+              <a:latin typeface="Arial"/>
+              <a:ea typeface="Microsoft YaHei"/>
+            </a:endParaRPr>
+          </a:p>
+          <a:p>
+            <a:pPr marL="368550" indent="-285750">
+              <a:spcBef>
+                <a:spcPts val="1134"/>
+              </a:spcBef>
+              <a:buClr>
+                <a:srgbClr val="000000"/>
+              </a:buClr>
+              <a:buSzPct val="75000"/>
+              <a:buFont typeface="Arial" panose="020B0604020202020204" pitchFamily="34" charset="0"/>
+              <a:buChar char="•"/>
+            </a:pPr>
+            <a:r>
+              <a:rPr lang="en-US" sz="1600" b="0" strike="noStrike" spc="-1" dirty="0">
+                <a:latin typeface="Arial"/>
+                <a:ea typeface="Microsoft YaHei"/>
+              </a:rPr>
+              <a:t>Technical performance </a:t>
+            </a:r>
+            <a:r>
+              <a:rPr lang="en-US" sz="1600" spc="-1" dirty="0">
+                <a:latin typeface="Arial"/>
+                <a:ea typeface="Microsoft YaHei"/>
+              </a:rPr>
+              <a:t>and manageability</a:t>
+            </a:r>
+            <a:endParaRPr lang="en-US" sz="1600" b="0" strike="noStrike" spc="-1" dirty="0">
+              <a:latin typeface="Arial"/>
+            </a:endParaRPr>
+          </a:p>
+          <a:p>
+            <a:pPr marL="368550" indent="-285750">
+              <a:spcBef>
+                <a:spcPts val="1134"/>
+              </a:spcBef>
+              <a:buClr>
+                <a:srgbClr val="000000"/>
+              </a:buClr>
+              <a:buSzPct val="75000"/>
+              <a:buFont typeface="Arial" panose="020B0604020202020204" pitchFamily="34" charset="0"/>
+              <a:buChar char="•"/>
+            </a:pPr>
+            <a:r>
+              <a:rPr lang="en-US" sz="1600" b="0" strike="noStrike" spc="-1" dirty="0">
+                <a:latin typeface="Arial"/>
+                <a:ea typeface="Microsoft YaHei"/>
+              </a:rPr>
+              <a:t>Processes &amp; standards</a:t>
+            </a:r>
+          </a:p>
+          <a:p>
+            <a:pPr marL="864000" lvl="1" indent="-324000">
+              <a:lnSpc>
+                <a:spcPct val="100000"/>
+              </a:lnSpc>
+              <a:spcBef>
+                <a:spcPts val="1134"/>
+              </a:spcBef>
+              <a:buClr>
+                <a:srgbClr val="000000"/>
+              </a:buClr>
+              <a:buSzPct val="75000"/>
+              <a:buFont typeface="Symbol" charset="2"/>
+              <a:buChar char=""/>
+            </a:pPr>
+            <a:endParaRPr lang="en-US" sz="1600" b="0" strike="noStrike" spc="-1" dirty="0">
+              <a:latin typeface="Arial"/>
+            </a:endParaRPr>
+          </a:p>
+          <a:p>
+            <a:pPr marL="432000" indent="-324000">
+              <a:lnSpc>
+                <a:spcPct val="100000"/>
+              </a:lnSpc>
+              <a:buClr>
+                <a:srgbClr val="000000"/>
+              </a:buClr>
+              <a:buSzPct val="45000"/>
+              <a:buFont typeface="Wingdings" charset="2"/>
+              <a:buChar char=""/>
+            </a:pPr>
+            <a:endParaRPr lang="en-US" sz="1600" b="0" strike="noStrike" spc="-1" dirty="0">
+              <a:latin typeface="Arial"/>
+              <a:ea typeface="Microsoft YaHei"/>
+            </a:endParaRPr>
+          </a:p>
+        </p:txBody>
+      </p:sp>
+    </p:spTree>
+    <p:extLst>
+      <p:ext uri="{BB962C8B-B14F-4D97-AF65-F5344CB8AC3E}">
+        <p14:creationId xmlns:p14="http://schemas.microsoft.com/office/powerpoint/2010/main" val="1905857552"/>
+      </p:ext>
+    </p:extLst>
+  </p:cSld>
+  <p:clrMapOvr>
+    <a:masterClrMapping/>
+  </p:clrMapOvr>
+</p:sld>
+</file>
+
+<file path=ppt/slides/slide15.xml><?xml version="1.0" encoding="utf-8"?>
+<p:sld xmlns:a="http://schemas.openxmlformats.org/drawingml/2006/main" xmlns:r="http://schemas.openxmlformats.org/officeDocument/2006/relationships" xmlns:p="http://schemas.openxmlformats.org/presentationml/2006/main">
+  <p:cSld>
+    <p:spTree>
+      <p:nvGrpSpPr>
+        <p:cNvPr id="1" name=""/>
+        <p:cNvGrpSpPr/>
+        <p:nvPr/>
+      </p:nvGrpSpPr>
+      <p:grpSpPr>
+        <a:xfrm>
+          <a:off x="0" y="0"/>
+          <a:ext cx="0" cy="0"/>
+          <a:chOff x="0" y="0"/>
+          <a:chExt cx="0" cy="0"/>
+        </a:xfrm>
+      </p:grpSpPr>
+      <p:sp>
+        <p:nvSpPr>
+          <p:cNvPr id="2" name="Title 1">
+            <a:extLst>
+              <a:ext uri="{FF2B5EF4-FFF2-40B4-BE49-F238E27FC236}">
+                <a16:creationId xmlns:a16="http://schemas.microsoft.com/office/drawing/2014/main" id="{FFEA243F-6BB9-4356-BA69-A9CBDD2818A1}"/>
+              </a:ext>
+            </a:extLst>
+          </p:cNvPr>
+          <p:cNvSpPr>
+            <a:spLocks noGrp="1"/>
+          </p:cNvSpPr>
+          <p:nvPr>
+            <p:ph type="title"/>
+          </p:nvPr>
+        </p:nvSpPr>
+        <p:spPr/>
+        <p:txBody>
+          <a:bodyPr/>
+          <a:lstStyle/>
+          <a:p>
+            <a:r>
+              <a:rPr lang="en-NZ" sz="2800" dirty="0">
+                <a:solidFill>
+                  <a:srgbClr val="0070C0"/>
+                </a:solidFill>
+              </a:rPr>
+              <a:t>Production</a:t>
+            </a:r>
+            <a:r>
+              <a:rPr lang="en-NZ" sz="2800" dirty="0"/>
+              <a:t> </a:t>
+            </a:r>
+            <a:r>
+              <a:rPr lang="en-NZ" sz="2800" dirty="0">
+                <a:solidFill>
+                  <a:srgbClr val="0070C0"/>
+                </a:solidFill>
+              </a:rPr>
+              <a:t>&amp; Deployment Considerations (3)</a:t>
+            </a:r>
+          </a:p>
+        </p:txBody>
+      </p:sp>
+      <p:sp>
+        <p:nvSpPr>
+          <p:cNvPr id="6" name="TextBox 5">
+            <a:extLst>
+              <a:ext uri="{FF2B5EF4-FFF2-40B4-BE49-F238E27FC236}">
+                <a16:creationId xmlns:a16="http://schemas.microsoft.com/office/drawing/2014/main" id="{15CFDBBD-2187-4A65-AACF-691FDAD0134C}"/>
+              </a:ext>
+            </a:extLst>
+          </p:cNvPr>
+          <p:cNvSpPr txBox="1"/>
+          <p:nvPr/>
+        </p:nvSpPr>
+        <p:spPr>
+          <a:xfrm>
+            <a:off x="698742" y="1283758"/>
+            <a:ext cx="9071640" cy="4160712"/>
+          </a:xfrm>
+          <a:prstGeom prst="rect">
+            <a:avLst/>
+          </a:prstGeom>
+          <a:noFill/>
+          <a:ln w="0">
+            <a:noFill/>
+          </a:ln>
+        </p:spPr>
+        <p:txBody>
+          <a:bodyPr lIns="0" tIns="0" rIns="0" bIns="0" anchor="t">
+            <a:noAutofit/>
+          </a:bodyPr>
+          <a:lstStyle/>
+          <a:p>
+            <a:pPr marL="432000" indent="-324000">
+              <a:lnSpc>
+                <a:spcPct val="100000"/>
+              </a:lnSpc>
+              <a:buClr>
+                <a:srgbClr val="000000"/>
+              </a:buClr>
+              <a:buSzPct val="45000"/>
+              <a:buFont typeface="Wingdings" charset="2"/>
+              <a:buChar char=""/>
+            </a:pPr>
+            <a:endParaRPr lang="en-US" sz="1600" b="0" strike="noStrike" spc="-1" dirty="0">
+              <a:latin typeface="Arial"/>
+              <a:ea typeface="Microsoft YaHei"/>
+            </a:endParaRPr>
+          </a:p>
+          <a:p>
+            <a:pPr marL="432000" indent="-324000">
+              <a:lnSpc>
+                <a:spcPct val="100000"/>
+              </a:lnSpc>
+              <a:buClr>
+                <a:srgbClr val="000000"/>
+              </a:buClr>
+              <a:buSzPct val="45000"/>
+              <a:buFont typeface="Wingdings" charset="2"/>
+              <a:buChar char=""/>
+            </a:pPr>
+            <a:r>
+              <a:rPr lang="en-US" sz="1600" spc="-1" dirty="0">
+                <a:latin typeface="Arial"/>
+                <a:ea typeface="Microsoft YaHei"/>
+              </a:rPr>
+              <a:t>Processes</a:t>
+            </a:r>
+            <a:endParaRPr lang="en-US" sz="1600" b="0" strike="noStrike" spc="-1" dirty="0">
+              <a:latin typeface="Arial"/>
+              <a:ea typeface="Microsoft YaHei"/>
+            </a:endParaRPr>
+          </a:p>
+          <a:p>
+            <a:pPr marL="864000" lvl="1" indent="-324000">
+              <a:lnSpc>
+                <a:spcPct val="100000"/>
+              </a:lnSpc>
+              <a:spcBef>
+                <a:spcPts val="1134"/>
+              </a:spcBef>
+              <a:buClr>
+                <a:srgbClr val="000000"/>
+              </a:buClr>
+              <a:buSzPct val="75000"/>
+              <a:buFont typeface="Symbol" charset="2"/>
+              <a:buChar char=""/>
+            </a:pPr>
+            <a:r>
+              <a:rPr lang="en-US" sz="1600" b="0" strike="noStrike" spc="-1" dirty="0">
+                <a:latin typeface="Arial"/>
+                <a:ea typeface="Microsoft YaHei"/>
+              </a:rPr>
+              <a:t>Dependency chain management</a:t>
+            </a:r>
+          </a:p>
+          <a:p>
+            <a:pPr marL="864000" lvl="1" indent="-324000">
+              <a:lnSpc>
+                <a:spcPct val="100000"/>
+              </a:lnSpc>
+              <a:spcBef>
+                <a:spcPts val="1134"/>
+              </a:spcBef>
+              <a:buClr>
+                <a:srgbClr val="000000"/>
+              </a:buClr>
+              <a:buSzPct val="75000"/>
+              <a:buFont typeface="Symbol" charset="2"/>
+              <a:buChar char=""/>
+            </a:pPr>
+            <a:r>
+              <a:rPr lang="en-US" sz="1600" b="0" strike="noStrike" spc="-1" dirty="0">
+                <a:latin typeface="Arial"/>
+                <a:ea typeface="Microsoft YaHei"/>
+              </a:rPr>
+              <a:t>Frequency of ingestion and output production</a:t>
+            </a:r>
+          </a:p>
+          <a:p>
+            <a:pPr marL="864000" lvl="1" indent="-324000">
+              <a:lnSpc>
+                <a:spcPct val="100000"/>
+              </a:lnSpc>
+              <a:spcBef>
+                <a:spcPts val="1134"/>
+              </a:spcBef>
+              <a:buClr>
+                <a:srgbClr val="000000"/>
+              </a:buClr>
+              <a:buSzPct val="75000"/>
+              <a:buFont typeface="Symbol" charset="2"/>
+              <a:buChar char=""/>
+            </a:pPr>
+            <a:r>
+              <a:rPr lang="en-US" sz="1600" b="0" strike="noStrike" spc="-1" dirty="0">
+                <a:latin typeface="Arial"/>
+                <a:ea typeface="Microsoft YaHei"/>
+              </a:rPr>
+              <a:t>Archive, backup &amp; restore</a:t>
+            </a:r>
+          </a:p>
+          <a:p>
+            <a:pPr marL="864000" lvl="1" indent="-324000">
+              <a:lnSpc>
+                <a:spcPct val="100000"/>
+              </a:lnSpc>
+              <a:spcBef>
+                <a:spcPts val="1134"/>
+              </a:spcBef>
+              <a:buClr>
+                <a:srgbClr val="000000"/>
+              </a:buClr>
+              <a:buSzPct val="75000"/>
+              <a:buFont typeface="Symbol" charset="2"/>
+              <a:buChar char=""/>
+            </a:pPr>
+            <a:r>
+              <a:rPr lang="en-US" sz="1600" b="0" strike="noStrike" spc="-1" dirty="0">
+                <a:latin typeface="Arial"/>
+                <a:ea typeface="Microsoft YaHei"/>
+              </a:rPr>
+              <a:t>Process logging / debugging and recovery</a:t>
+            </a:r>
+          </a:p>
+          <a:p>
+            <a:pPr marL="864000" lvl="1" indent="-324000">
+              <a:lnSpc>
+                <a:spcPct val="100000"/>
+              </a:lnSpc>
+              <a:spcBef>
+                <a:spcPts val="1134"/>
+              </a:spcBef>
+              <a:buClr>
+                <a:srgbClr val="000000"/>
+              </a:buClr>
+              <a:buSzPct val="75000"/>
+              <a:buFont typeface="Symbol" charset="2"/>
+              <a:buChar char=""/>
+            </a:pPr>
+            <a:r>
+              <a:rPr lang="en-US" sz="1600" spc="-1" dirty="0">
+                <a:latin typeface="Arial"/>
+                <a:ea typeface="Microsoft YaHei"/>
+              </a:rPr>
+              <a:t>Data &amp; Model drift detection / updating</a:t>
+            </a:r>
+          </a:p>
+          <a:p>
+            <a:pPr marL="864000" lvl="1" indent="-324000">
+              <a:lnSpc>
+                <a:spcPct val="100000"/>
+              </a:lnSpc>
+              <a:spcBef>
+                <a:spcPts val="1134"/>
+              </a:spcBef>
+              <a:buClr>
+                <a:srgbClr val="000000"/>
+              </a:buClr>
+              <a:buSzPct val="75000"/>
+              <a:buFont typeface="Symbol" charset="2"/>
+              <a:buChar char=""/>
+            </a:pPr>
+            <a:r>
+              <a:rPr lang="en-US" sz="1600" spc="-1" dirty="0">
+                <a:latin typeface="Arial"/>
+                <a:ea typeface="Microsoft YaHei"/>
+              </a:rPr>
+              <a:t>Model repository?</a:t>
+            </a:r>
+          </a:p>
+          <a:p>
+            <a:pPr marL="864000" lvl="1" indent="-324000">
+              <a:lnSpc>
+                <a:spcPct val="100000"/>
+              </a:lnSpc>
+              <a:spcBef>
+                <a:spcPts val="1134"/>
+              </a:spcBef>
+              <a:buClr>
+                <a:srgbClr val="000000"/>
+              </a:buClr>
+              <a:buSzPct val="75000"/>
+              <a:buFont typeface="Symbol" charset="2"/>
+              <a:buChar char=""/>
+            </a:pPr>
+            <a:r>
+              <a:rPr lang="en-US" sz="1600" spc="-1" dirty="0">
+                <a:latin typeface="Arial"/>
+                <a:ea typeface="Microsoft YaHei"/>
+              </a:rPr>
+              <a:t>Versioning</a:t>
+            </a:r>
+          </a:p>
+          <a:p>
+            <a:pPr marL="864000" lvl="1" indent="-324000">
+              <a:lnSpc>
+                <a:spcPct val="100000"/>
+              </a:lnSpc>
+              <a:spcBef>
+                <a:spcPts val="1134"/>
+              </a:spcBef>
+              <a:buClr>
+                <a:srgbClr val="000000"/>
+              </a:buClr>
+              <a:buSzPct val="75000"/>
+              <a:buFont typeface="Symbol" charset="2"/>
+              <a:buChar char=""/>
+            </a:pPr>
+            <a:r>
+              <a:rPr lang="en-US" sz="1600" spc="-1" dirty="0">
+                <a:latin typeface="Arial"/>
+                <a:ea typeface="Microsoft YaHei"/>
+              </a:rPr>
+              <a:t>Platform migration</a:t>
+            </a:r>
+          </a:p>
+          <a:p>
+            <a:pPr marL="864000" lvl="1" indent="-324000">
+              <a:lnSpc>
+                <a:spcPct val="100000"/>
+              </a:lnSpc>
+              <a:spcBef>
+                <a:spcPts val="1134"/>
+              </a:spcBef>
+              <a:buClr>
+                <a:srgbClr val="000000"/>
+              </a:buClr>
+              <a:buSzPct val="75000"/>
+              <a:buFont typeface="Symbol" charset="2"/>
+              <a:buChar char=""/>
+            </a:pPr>
+            <a:r>
+              <a:rPr lang="en-US" sz="1600" spc="-1" dirty="0">
+                <a:latin typeface="Arial"/>
+                <a:ea typeface="Microsoft YaHei"/>
+              </a:rPr>
+              <a:t>CICD?</a:t>
+            </a:r>
+          </a:p>
+          <a:p>
+            <a:pPr marL="540000" lvl="1">
+              <a:lnSpc>
+                <a:spcPct val="100000"/>
+              </a:lnSpc>
+              <a:spcBef>
+                <a:spcPts val="1134"/>
+              </a:spcBef>
+              <a:buClr>
+                <a:srgbClr val="000000"/>
+              </a:buClr>
+              <a:buSzPct val="75000"/>
+            </a:pPr>
+            <a:endParaRPr lang="en-US" sz="1600" b="0" strike="noStrike" spc="-1" dirty="0">
+              <a:latin typeface="Arial"/>
+            </a:endParaRPr>
+          </a:p>
+          <a:p>
+            <a:pPr marL="432000" indent="-324000">
+              <a:lnSpc>
+                <a:spcPct val="100000"/>
+              </a:lnSpc>
+              <a:buClr>
+                <a:srgbClr val="000000"/>
+              </a:buClr>
+              <a:buSzPct val="45000"/>
+              <a:buFont typeface="Wingdings" charset="2"/>
+              <a:buChar char=""/>
+            </a:pPr>
+            <a:endParaRPr lang="en-US" sz="1600" b="0" strike="noStrike" spc="-1" dirty="0">
+              <a:latin typeface="Arial"/>
+              <a:ea typeface="Microsoft YaHei"/>
+            </a:endParaRPr>
+          </a:p>
+        </p:txBody>
+      </p:sp>
+    </p:spTree>
+    <p:extLst>
+      <p:ext uri="{BB962C8B-B14F-4D97-AF65-F5344CB8AC3E}">
+        <p14:creationId xmlns:p14="http://schemas.microsoft.com/office/powerpoint/2010/main" val="1695071835"/>
+      </p:ext>
+    </p:extLst>
+  </p:cSld>
+  <p:clrMapOvr>
+    <a:masterClrMapping/>
+  </p:clrMapOvr>
+</p:sld>
+</file>
+
+<file path=ppt/slides/slide16.xml><?xml version="1.0" encoding="utf-8"?>
+<p:sld xmlns:a="http://schemas.openxmlformats.org/drawingml/2006/main" xmlns:r="http://schemas.openxmlformats.org/officeDocument/2006/relationships" xmlns:p="http://schemas.openxmlformats.org/presentationml/2006/main">
+  <p:cSld>
+    <p:spTree>
+      <p:nvGrpSpPr>
+        <p:cNvPr id="1" name=""/>
+        <p:cNvGrpSpPr/>
+        <p:nvPr/>
+      </p:nvGrpSpPr>
+      <p:grpSpPr>
+        <a:xfrm>
+          <a:off x="0" y="0"/>
+          <a:ext cx="0" cy="0"/>
+          <a:chOff x="0" y="0"/>
+          <a:chExt cx="0" cy="0"/>
+        </a:xfrm>
+      </p:grpSpPr>
+      <p:sp>
+        <p:nvSpPr>
+          <p:cNvPr id="2" name="Title 1">
+            <a:extLst>
+              <a:ext uri="{FF2B5EF4-FFF2-40B4-BE49-F238E27FC236}">
+                <a16:creationId xmlns:a16="http://schemas.microsoft.com/office/drawing/2014/main" id="{FFEA243F-6BB9-4356-BA69-A9CBDD2818A1}"/>
+              </a:ext>
+            </a:extLst>
+          </p:cNvPr>
+          <p:cNvSpPr>
+            <a:spLocks noGrp="1"/>
+          </p:cNvSpPr>
+          <p:nvPr>
+            <p:ph type="title"/>
+          </p:nvPr>
+        </p:nvSpPr>
+        <p:spPr/>
+        <p:txBody>
+          <a:bodyPr/>
+          <a:lstStyle/>
+          <a:p>
+            <a:r>
+              <a:rPr lang="en-NZ" sz="2800" dirty="0">
+                <a:solidFill>
+                  <a:srgbClr val="0070C0"/>
+                </a:solidFill>
+              </a:rPr>
+              <a:t>Production</a:t>
+            </a:r>
+            <a:r>
+              <a:rPr lang="en-NZ" sz="2800" dirty="0"/>
+              <a:t> </a:t>
+            </a:r>
+            <a:r>
+              <a:rPr lang="en-NZ" sz="2800" dirty="0">
+                <a:solidFill>
+                  <a:srgbClr val="0070C0"/>
+                </a:solidFill>
+              </a:rPr>
+              <a:t>&amp; Deployment Considerations (4)</a:t>
+            </a:r>
+          </a:p>
+        </p:txBody>
+      </p:sp>
+      <p:sp>
+        <p:nvSpPr>
+          <p:cNvPr id="6" name="TextBox 5">
+            <a:extLst>
+              <a:ext uri="{FF2B5EF4-FFF2-40B4-BE49-F238E27FC236}">
+                <a16:creationId xmlns:a16="http://schemas.microsoft.com/office/drawing/2014/main" id="{15CFDBBD-2187-4A65-AACF-691FDAD0134C}"/>
+              </a:ext>
+            </a:extLst>
+          </p:cNvPr>
+          <p:cNvSpPr txBox="1"/>
+          <p:nvPr/>
+        </p:nvSpPr>
+        <p:spPr>
+          <a:xfrm>
+            <a:off x="698742" y="1004208"/>
+            <a:ext cx="9071640" cy="4318906"/>
+          </a:xfrm>
+          <a:prstGeom prst="rect">
+            <a:avLst/>
+          </a:prstGeom>
+          <a:noFill/>
+          <a:ln w="0">
+            <a:noFill/>
+          </a:ln>
+        </p:spPr>
+        <p:txBody>
+          <a:bodyPr lIns="0" tIns="0" rIns="0" bIns="0" anchor="t">
+            <a:noAutofit/>
+          </a:bodyPr>
+          <a:lstStyle/>
+          <a:p>
+            <a:pPr marL="432000" indent="-324000">
+              <a:lnSpc>
+                <a:spcPct val="100000"/>
+              </a:lnSpc>
+              <a:buClr>
+                <a:srgbClr val="000000"/>
+              </a:buClr>
+              <a:buSzPct val="45000"/>
+              <a:buFont typeface="Wingdings" charset="2"/>
+              <a:buChar char=""/>
+            </a:pPr>
+            <a:endParaRPr lang="en-US" sz="1600" b="0" strike="noStrike" spc="-1" dirty="0">
+              <a:latin typeface="Arial"/>
+              <a:ea typeface="Microsoft YaHei"/>
+            </a:endParaRPr>
+          </a:p>
+          <a:p>
+            <a:pPr marL="432000" indent="-324000">
+              <a:lnSpc>
+                <a:spcPct val="100000"/>
+              </a:lnSpc>
+              <a:buClr>
+                <a:srgbClr val="000000"/>
+              </a:buClr>
+              <a:buSzPct val="45000"/>
+              <a:buFont typeface="Wingdings" charset="2"/>
+              <a:buChar char=""/>
+            </a:pPr>
+            <a:r>
+              <a:rPr lang="en-US" sz="1600" spc="-1" dirty="0">
+                <a:latin typeface="Arial"/>
+                <a:ea typeface="Microsoft YaHei"/>
+              </a:rPr>
+              <a:t>Software</a:t>
+            </a:r>
+            <a:endParaRPr lang="en-US" sz="1600" b="0" strike="noStrike" spc="-1" dirty="0">
+              <a:latin typeface="Arial"/>
+              <a:ea typeface="Microsoft YaHei"/>
+            </a:endParaRPr>
+          </a:p>
+          <a:p>
+            <a:pPr marL="864000" lvl="1" indent="-324000">
+              <a:lnSpc>
+                <a:spcPct val="100000"/>
+              </a:lnSpc>
+              <a:spcBef>
+                <a:spcPts val="1134"/>
+              </a:spcBef>
+              <a:buClr>
+                <a:srgbClr val="000000"/>
+              </a:buClr>
+              <a:buSzPct val="75000"/>
+              <a:buFont typeface="Symbol" charset="2"/>
+              <a:buChar char=""/>
+            </a:pPr>
+            <a:r>
+              <a:rPr lang="en-US" sz="1600" b="0" strike="noStrike" spc="-1" dirty="0">
+                <a:latin typeface="Arial"/>
+                <a:ea typeface="Microsoft YaHei"/>
+              </a:rPr>
+              <a:t>Open source / proprietary</a:t>
+            </a:r>
+          </a:p>
+          <a:p>
+            <a:pPr marL="864000" lvl="1" indent="-324000">
+              <a:lnSpc>
+                <a:spcPct val="100000"/>
+              </a:lnSpc>
+              <a:spcBef>
+                <a:spcPts val="1134"/>
+              </a:spcBef>
+              <a:buClr>
+                <a:srgbClr val="000000"/>
+              </a:buClr>
+              <a:buSzPct val="75000"/>
+              <a:buFont typeface="Symbol" charset="2"/>
+              <a:buChar char=""/>
+            </a:pPr>
+            <a:r>
+              <a:rPr lang="en-US" sz="1600" b="0" strike="noStrike" spc="-1" dirty="0">
+                <a:latin typeface="Arial"/>
+                <a:ea typeface="Microsoft YaHei"/>
+              </a:rPr>
+              <a:t>Languages</a:t>
+            </a:r>
+          </a:p>
+          <a:p>
+            <a:pPr marL="864000" lvl="1" indent="-324000">
+              <a:lnSpc>
+                <a:spcPct val="100000"/>
+              </a:lnSpc>
+              <a:spcBef>
+                <a:spcPts val="1134"/>
+              </a:spcBef>
+              <a:buClr>
+                <a:srgbClr val="000000"/>
+              </a:buClr>
+              <a:buSzPct val="75000"/>
+              <a:buFont typeface="Symbol" charset="2"/>
+              <a:buChar char=""/>
+            </a:pPr>
+            <a:r>
+              <a:rPr lang="en-US" sz="1600" spc="-1" dirty="0">
+                <a:latin typeface="Arial"/>
+                <a:ea typeface="Microsoft YaHei"/>
+              </a:rPr>
+              <a:t>Code reuse / patterns</a:t>
+            </a:r>
+          </a:p>
+          <a:p>
+            <a:pPr marL="108000">
+              <a:lnSpc>
+                <a:spcPct val="100000"/>
+              </a:lnSpc>
+              <a:buClr>
+                <a:srgbClr val="000000"/>
+              </a:buClr>
+              <a:buSzPct val="45000"/>
+            </a:pPr>
+            <a:endParaRPr lang="en-US" sz="1600" spc="-1" dirty="0">
+              <a:latin typeface="Arial"/>
+              <a:ea typeface="Microsoft YaHei"/>
+            </a:endParaRPr>
+          </a:p>
+          <a:p>
+            <a:pPr marL="432000" indent="-324000">
+              <a:lnSpc>
+                <a:spcPct val="100000"/>
+              </a:lnSpc>
+              <a:buClr>
+                <a:srgbClr val="000000"/>
+              </a:buClr>
+              <a:buSzPct val="45000"/>
+              <a:buFont typeface="Wingdings" charset="2"/>
+              <a:buChar char=""/>
+            </a:pPr>
+            <a:r>
+              <a:rPr lang="en-US" sz="1600" spc="-1" dirty="0">
+                <a:latin typeface="Arial"/>
+                <a:ea typeface="Microsoft YaHei"/>
+              </a:rPr>
+              <a:t>Operational model</a:t>
+            </a:r>
+            <a:endParaRPr lang="en-US" sz="1600" b="0" strike="noStrike" spc="-1" dirty="0">
+              <a:latin typeface="Arial"/>
+              <a:ea typeface="Microsoft YaHei"/>
+            </a:endParaRPr>
+          </a:p>
+          <a:p>
+            <a:pPr marL="864000" lvl="1" indent="-324000">
+              <a:lnSpc>
+                <a:spcPct val="100000"/>
+              </a:lnSpc>
+              <a:spcBef>
+                <a:spcPts val="1134"/>
+              </a:spcBef>
+              <a:buClr>
+                <a:srgbClr val="000000"/>
+              </a:buClr>
+              <a:buSzPct val="75000"/>
+              <a:buFont typeface="Symbol" charset="2"/>
+              <a:buChar char=""/>
+            </a:pPr>
+            <a:r>
+              <a:rPr lang="en-US" sz="1600" b="0" strike="noStrike" spc="-1" dirty="0" err="1">
+                <a:latin typeface="Arial"/>
+                <a:ea typeface="Microsoft YaHei"/>
+              </a:rPr>
+              <a:t>Devops</a:t>
+            </a:r>
+            <a:r>
+              <a:rPr lang="en-US" sz="1600" b="0" strike="noStrike" spc="-1" dirty="0">
+                <a:latin typeface="Arial"/>
+                <a:ea typeface="Microsoft YaHei"/>
+              </a:rPr>
+              <a:t>?</a:t>
+            </a:r>
+          </a:p>
+          <a:p>
+            <a:pPr marL="864000" lvl="1" indent="-324000">
+              <a:lnSpc>
+                <a:spcPct val="100000"/>
+              </a:lnSpc>
+              <a:spcBef>
+                <a:spcPts val="1134"/>
+              </a:spcBef>
+              <a:buClr>
+                <a:srgbClr val="000000"/>
+              </a:buClr>
+              <a:buSzPct val="75000"/>
+              <a:buFont typeface="Symbol" charset="2"/>
+              <a:buChar char=""/>
+            </a:pPr>
+            <a:r>
+              <a:rPr lang="en-US" sz="1600" b="0" strike="noStrike" spc="-1" dirty="0">
+                <a:latin typeface="Arial"/>
+                <a:ea typeface="Microsoft YaHei"/>
+              </a:rPr>
+              <a:t>Skillsets</a:t>
+            </a:r>
+          </a:p>
+          <a:p>
+            <a:pPr marL="864000" lvl="1" indent="-324000">
+              <a:lnSpc>
+                <a:spcPct val="100000"/>
+              </a:lnSpc>
+              <a:spcBef>
+                <a:spcPts val="1134"/>
+              </a:spcBef>
+              <a:buClr>
+                <a:srgbClr val="000000"/>
+              </a:buClr>
+              <a:buSzPct val="75000"/>
+              <a:buFont typeface="Symbol" charset="2"/>
+              <a:buChar char=""/>
+            </a:pPr>
+            <a:r>
+              <a:rPr lang="en-US" sz="1600" spc="-1" dirty="0">
+                <a:latin typeface="Arial"/>
+                <a:ea typeface="Microsoft YaHei"/>
+              </a:rPr>
+              <a:t>External p</a:t>
+            </a:r>
+            <a:r>
+              <a:rPr lang="en-US" sz="1600" b="0" strike="noStrike" spc="-1" dirty="0">
+                <a:latin typeface="Arial"/>
+                <a:ea typeface="Microsoft YaHei"/>
+              </a:rPr>
+              <a:t>artner interactions</a:t>
+            </a:r>
+          </a:p>
+          <a:p>
+            <a:pPr marL="540000" lvl="1">
+              <a:lnSpc>
+                <a:spcPct val="100000"/>
+              </a:lnSpc>
+              <a:spcBef>
+                <a:spcPts val="1134"/>
+              </a:spcBef>
+              <a:buClr>
+                <a:srgbClr val="000000"/>
+              </a:buClr>
+              <a:buSzPct val="75000"/>
+            </a:pPr>
+            <a:endParaRPr lang="en-US" sz="1600" b="0" strike="noStrike" spc="-1" dirty="0">
+              <a:latin typeface="Arial"/>
+              <a:ea typeface="Microsoft YaHei"/>
+            </a:endParaRPr>
+          </a:p>
+          <a:p>
+            <a:pPr marL="432000" indent="-324000">
+              <a:lnSpc>
+                <a:spcPct val="100000"/>
+              </a:lnSpc>
+              <a:buClr>
+                <a:srgbClr val="000000"/>
+              </a:buClr>
+              <a:buSzPct val="45000"/>
+              <a:buFont typeface="Wingdings" charset="2"/>
+              <a:buChar char=""/>
+            </a:pPr>
+            <a:r>
+              <a:rPr lang="en-US" sz="1600" b="0" strike="noStrike" spc="-1" dirty="0">
+                <a:latin typeface="Arial"/>
+                <a:ea typeface="Microsoft YaHei"/>
+              </a:rPr>
+              <a:t>Statistical / </a:t>
+            </a:r>
+            <a:r>
+              <a:rPr lang="en-US" sz="1600" spc="-1" dirty="0">
+                <a:latin typeface="Arial"/>
+                <a:ea typeface="Microsoft YaHei"/>
+              </a:rPr>
+              <a:t>scientific </a:t>
+            </a:r>
+            <a:r>
+              <a:rPr lang="en-US" sz="1600" spc="-1" dirty="0" err="1">
+                <a:latin typeface="Arial"/>
+                <a:ea typeface="Microsoft YaHei"/>
+              </a:rPr>
+              <a:t>rigour</a:t>
+            </a:r>
+            <a:endParaRPr lang="en-US" sz="1600" b="0" strike="noStrike" spc="-1" dirty="0">
+              <a:latin typeface="Arial"/>
+              <a:ea typeface="Microsoft YaHei"/>
+            </a:endParaRPr>
+          </a:p>
+          <a:p>
+            <a:pPr marL="864000" lvl="1" indent="-324000">
+              <a:lnSpc>
+                <a:spcPct val="100000"/>
+              </a:lnSpc>
+              <a:spcBef>
+                <a:spcPts val="1134"/>
+              </a:spcBef>
+              <a:buClr>
+                <a:srgbClr val="000000"/>
+              </a:buClr>
+              <a:buSzPct val="75000"/>
+              <a:buFont typeface="Symbol" charset="2"/>
+              <a:buChar char=""/>
+            </a:pPr>
+            <a:r>
+              <a:rPr lang="en-US" sz="1600" b="0" strike="noStrike" spc="-1" dirty="0">
+                <a:latin typeface="Arial"/>
+                <a:ea typeface="Microsoft YaHei"/>
+              </a:rPr>
+              <a:t>Reviews, checks</a:t>
+            </a:r>
+          </a:p>
+          <a:p>
+            <a:pPr marL="864000" lvl="1" indent="-324000">
+              <a:lnSpc>
+                <a:spcPct val="100000"/>
+              </a:lnSpc>
+              <a:spcBef>
+                <a:spcPts val="1134"/>
+              </a:spcBef>
+              <a:buClr>
+                <a:srgbClr val="000000"/>
+              </a:buClr>
+              <a:buSzPct val="75000"/>
+              <a:buFont typeface="Symbol" charset="2"/>
+              <a:buChar char=""/>
+            </a:pPr>
+            <a:endParaRPr lang="en-US" sz="1600" b="0" strike="noStrike" spc="-1" dirty="0">
+              <a:latin typeface="Arial"/>
+            </a:endParaRPr>
+          </a:p>
+          <a:p>
+            <a:pPr marL="432000" indent="-324000">
+              <a:lnSpc>
+                <a:spcPct val="100000"/>
+              </a:lnSpc>
+              <a:buClr>
+                <a:srgbClr val="000000"/>
+              </a:buClr>
+              <a:buSzPct val="45000"/>
+              <a:buFont typeface="Wingdings" charset="2"/>
+              <a:buChar char=""/>
+            </a:pPr>
+            <a:endParaRPr lang="en-US" sz="1600" b="0" strike="noStrike" spc="-1" dirty="0">
+              <a:latin typeface="Arial"/>
+              <a:ea typeface="Microsoft YaHei"/>
+            </a:endParaRPr>
+          </a:p>
+        </p:txBody>
+      </p:sp>
+    </p:spTree>
+    <p:extLst>
+      <p:ext uri="{BB962C8B-B14F-4D97-AF65-F5344CB8AC3E}">
+        <p14:creationId xmlns:p14="http://schemas.microsoft.com/office/powerpoint/2010/main" val="41792806"/>
+      </p:ext>
+    </p:extLst>
+  </p:cSld>
+  <p:clrMapOvr>
+    <a:masterClrMapping/>
+  </p:clrMapOvr>
+</p:sld>
+</file>
+
+<file path=ppt/slides/slide2.xml><?xml version="1.0" encoding="utf-8"?>
+<p:sld xmlns:a="http://schemas.openxmlformats.org/drawingml/2006/main" xmlns:r="http://schemas.openxmlformats.org/officeDocument/2006/relationships" xmlns:p="http://schemas.openxmlformats.org/presentationml/2006/main">
+  <p:cSld>
+    <p:spTree>
+      <p:nvGrpSpPr>
+        <p:cNvPr id="1" name=""/>
+        <p:cNvGrpSpPr/>
+        <p:nvPr/>
+      </p:nvGrpSpPr>
+      <p:grpSpPr>
+        <a:xfrm>
+          <a:off x="0" y="0"/>
+          <a:ext cx="0" cy="0"/>
+          <a:chOff x="0" y="0"/>
+          <a:chExt cx="0" cy="0"/>
+        </a:xfrm>
+      </p:grpSpPr>
+      <p:sp>
+        <p:nvSpPr>
+          <p:cNvPr id="43" name="PlaceHolder 1"/>
           <p:cNvSpPr>
             <a:spLocks noGrp="1"/>
           </p:cNvSpPr>
@@ -3849,28 +5861,694 @@
           </a:ln>
         </p:spPr>
         <p:txBody>
-          <a:bodyPr lIns="0" rIns="0" tIns="0" bIns="0" anchor="ctr">
+          <a:bodyPr lIns="0" tIns="0" rIns="0" bIns="0" anchor="ctr">
             <a:noAutofit/>
           </a:bodyPr>
+          <a:lstStyle/>
           <a:p>
             <a:pPr algn="ctr">
               <a:buNone/>
             </a:pPr>
             <a:r>
-              <a:rPr b="0" lang="en-US" sz="4400" spc="-1" strike="noStrike">
+              <a:rPr lang="en-US" sz="4400" b="0" strike="noStrike" spc="-1" dirty="0">
+                <a:solidFill>
+                  <a:srgbClr val="0070C0"/>
+                </a:solidFill>
+                <a:latin typeface="Arial"/>
+              </a:rPr>
+              <a:t>Goals</a:t>
+            </a:r>
+          </a:p>
+        </p:txBody>
+      </p:sp>
+      <p:sp>
+        <p:nvSpPr>
+          <p:cNvPr id="44" name="PlaceHolder 2"/>
+          <p:cNvSpPr>
+            <a:spLocks noGrp="1"/>
+          </p:cNvSpPr>
+          <p:nvPr>
+            <p:ph/>
+          </p:nvPr>
+        </p:nvSpPr>
+        <p:spPr>
+          <a:xfrm>
+            <a:off x="504000" y="1326600"/>
+            <a:ext cx="9071640" cy="3288240"/>
+          </a:xfrm>
+          <a:prstGeom prst="rect">
+            <a:avLst/>
+          </a:prstGeom>
+          <a:noFill/>
+          <a:ln w="0">
+            <a:noFill/>
+          </a:ln>
+        </p:spPr>
+        <p:txBody>
+          <a:bodyPr lIns="0" tIns="0" rIns="0" bIns="0" anchor="t">
+            <a:normAutofit fontScale="87500" lnSpcReduction="10000"/>
+          </a:bodyPr>
+          <a:lstStyle/>
+          <a:p>
+            <a:pPr marL="432000" indent="-324000">
+              <a:lnSpc>
+                <a:spcPct val="100000"/>
+              </a:lnSpc>
+              <a:buClr>
+                <a:srgbClr val="000000"/>
+              </a:buClr>
+              <a:buSzPct val="45000"/>
+              <a:buFont typeface="Wingdings" charset="2"/>
+              <a:buChar char=""/>
+            </a:pPr>
+            <a:endParaRPr lang="en-US" sz="3200" b="0" strike="noStrike" spc="-1">
+              <a:latin typeface="Arial"/>
+            </a:endParaRPr>
+          </a:p>
+          <a:p>
+            <a:pPr marL="432000" indent="-324000">
+              <a:lnSpc>
+                <a:spcPct val="100000"/>
+              </a:lnSpc>
+              <a:buClr>
+                <a:srgbClr val="000000"/>
+              </a:buClr>
+              <a:buSzPct val="45000"/>
+              <a:buFont typeface="Wingdings" charset="2"/>
+              <a:buChar char=""/>
+            </a:pPr>
+            <a:r>
+              <a:rPr lang="en-US" sz="1600" b="0" strike="noStrike" spc="-1">
+                <a:latin typeface="Arial"/>
+              </a:rPr>
+              <a:t>Discern some basic characteristics of crash metrics in the dataset.</a:t>
+            </a:r>
+          </a:p>
+          <a:p>
+            <a:pPr marL="864000" lvl="1" indent="-324000">
+              <a:lnSpc>
+                <a:spcPct val="100000"/>
+              </a:lnSpc>
+              <a:spcBef>
+                <a:spcPts val="1134"/>
+              </a:spcBef>
+              <a:buClr>
+                <a:srgbClr val="000000"/>
+              </a:buClr>
+              <a:buSzPct val="75000"/>
+              <a:buFont typeface="Symbol" charset="2"/>
+              <a:buChar char=""/>
+            </a:pPr>
+            <a:r>
+              <a:rPr lang="en-US" sz="1600" b="0" strike="noStrike" spc="-1">
+                <a:latin typeface="Arial"/>
+              </a:rPr>
+              <a:t>This suggested the folowing more specific topics</a:t>
+            </a:r>
+          </a:p>
+          <a:p>
+            <a:pPr marL="432000" indent="-324000">
+              <a:lnSpc>
+                <a:spcPct val="100000"/>
+              </a:lnSpc>
+              <a:buClr>
+                <a:srgbClr val="000000"/>
+              </a:buClr>
+              <a:buSzPct val="45000"/>
+              <a:buFont typeface="Wingdings" charset="2"/>
+              <a:buChar char=""/>
+            </a:pPr>
+            <a:endParaRPr lang="en-US" sz="1600" b="0" strike="noStrike" spc="-1">
+              <a:latin typeface="Arial"/>
+            </a:endParaRPr>
+          </a:p>
+          <a:p>
+            <a:pPr marL="432000" indent="-324000">
+              <a:lnSpc>
+                <a:spcPct val="100000"/>
+              </a:lnSpc>
+              <a:buClr>
+                <a:srgbClr val="000000"/>
+              </a:buClr>
+              <a:buSzPct val="45000"/>
+              <a:buFont typeface="Wingdings" charset="2"/>
+              <a:buChar char=""/>
+            </a:pPr>
+            <a:r>
+              <a:rPr lang="en-US" sz="1600" b="0" strike="noStrike" spc="-1">
+                <a:latin typeface="Arial"/>
+              </a:rPr>
+              <a:t>Assess whether regional crash counts are broadly proportionate to regional population.</a:t>
+            </a:r>
+          </a:p>
+          <a:p>
+            <a:pPr marL="864000" lvl="1" indent="-324000">
+              <a:lnSpc>
+                <a:spcPct val="100000"/>
+              </a:lnSpc>
+              <a:spcBef>
+                <a:spcPts val="1134"/>
+              </a:spcBef>
+              <a:buClr>
+                <a:srgbClr val="000000"/>
+              </a:buClr>
+              <a:buSzPct val="75000"/>
+              <a:buFont typeface="Symbol" charset="2"/>
+              <a:buChar char=""/>
+            </a:pPr>
+            <a:r>
+              <a:rPr lang="en-US" sz="1600" b="0" strike="noStrike" spc="-1">
+                <a:latin typeface="Arial"/>
+              </a:rPr>
+              <a:t>That seemed a natural question when seeing this for the first time</a:t>
+            </a:r>
+          </a:p>
+          <a:p>
+            <a:pPr marL="864000" lvl="1" indent="-324000">
+              <a:lnSpc>
+                <a:spcPct val="100000"/>
+              </a:lnSpc>
+              <a:spcBef>
+                <a:spcPts val="1134"/>
+              </a:spcBef>
+              <a:buClr>
+                <a:srgbClr val="000000"/>
+              </a:buClr>
+              <a:buSzPct val="75000"/>
+              <a:buFont typeface="Symbol" charset="2"/>
+              <a:buChar char=""/>
+            </a:pPr>
+            <a:r>
+              <a:rPr lang="en-US" sz="1600" b="0" strike="noStrike" spc="-1">
+                <a:latin typeface="Arial"/>
+              </a:rPr>
+              <a:t>Concentrated on Region, but could be more granular</a:t>
+            </a:r>
+          </a:p>
+          <a:p>
+            <a:pPr marL="432000" indent="-324000">
+              <a:lnSpc>
+                <a:spcPct val="100000"/>
+              </a:lnSpc>
+              <a:buClr>
+                <a:srgbClr val="000000"/>
+              </a:buClr>
+              <a:buSzPct val="45000"/>
+              <a:buFont typeface="Wingdings" charset="2"/>
+              <a:buChar char=""/>
+            </a:pPr>
+            <a:endParaRPr lang="en-US" sz="1600" b="0" strike="noStrike" spc="-1">
+              <a:latin typeface="Arial"/>
+            </a:endParaRPr>
+          </a:p>
+          <a:p>
+            <a:pPr marL="432000" indent="-324000">
+              <a:lnSpc>
+                <a:spcPct val="100000"/>
+              </a:lnSpc>
+              <a:buClr>
+                <a:srgbClr val="000000"/>
+              </a:buClr>
+              <a:buSzPct val="45000"/>
+              <a:buFont typeface="Wingdings" charset="2"/>
+              <a:buChar char=""/>
+            </a:pPr>
+            <a:r>
+              <a:rPr lang="en-US" sz="1600" b="0" strike="noStrike" spc="-1">
+                <a:latin typeface="Arial"/>
+              </a:rPr>
+              <a:t>Determine the dataset features that are most important in distinguishing between injury crashes and non-injury crashes.</a:t>
+            </a:r>
+          </a:p>
+          <a:p>
+            <a:pPr marL="864000" lvl="1" indent="-324000">
+              <a:lnSpc>
+                <a:spcPct val="100000"/>
+              </a:lnSpc>
+              <a:spcBef>
+                <a:spcPts val="1134"/>
+              </a:spcBef>
+              <a:buClr>
+                <a:srgbClr val="000000"/>
+              </a:buClr>
+              <a:buSzPct val="75000"/>
+              <a:buFont typeface="Symbol" charset="2"/>
+              <a:buChar char=""/>
+            </a:pPr>
+            <a:r>
+              <a:rPr lang="en-US" sz="1600" b="0" strike="noStrike" spc="-1">
+                <a:latin typeface="Arial"/>
+              </a:rPr>
+              <a:t>We include region as a predictor</a:t>
+            </a:r>
+          </a:p>
+          <a:p>
+            <a:pPr marL="864000" lvl="1" indent="-324000">
+              <a:lnSpc>
+                <a:spcPct val="100000"/>
+              </a:lnSpc>
+              <a:spcBef>
+                <a:spcPts val="1134"/>
+              </a:spcBef>
+              <a:buClr>
+                <a:srgbClr val="000000"/>
+              </a:buClr>
+              <a:buSzPct val="75000"/>
+              <a:buFont typeface="Symbol" charset="2"/>
+              <a:buChar char=""/>
+            </a:pPr>
+            <a:r>
+              <a:rPr lang="en-US" sz="1600" b="0" strike="noStrike" spc="-1">
+                <a:latin typeface="Arial"/>
+              </a:rPr>
+              <a:t>More granular categories cab be used</a:t>
+            </a:r>
+          </a:p>
+        </p:txBody>
+      </p:sp>
+    </p:spTree>
+  </p:cSld>
+  <p:clrMapOvr>
+    <a:masterClrMapping/>
+  </p:clrMapOvr>
+</p:sld>
+</file>
+
+<file path=ppt/slides/slide3.xml><?xml version="1.0" encoding="utf-8"?>
+<p:sld xmlns:a="http://schemas.openxmlformats.org/drawingml/2006/main" xmlns:r="http://schemas.openxmlformats.org/officeDocument/2006/relationships" xmlns:p="http://schemas.openxmlformats.org/presentationml/2006/main">
+  <p:cSld>
+    <p:spTree>
+      <p:nvGrpSpPr>
+        <p:cNvPr id="1" name=""/>
+        <p:cNvGrpSpPr/>
+        <p:nvPr/>
+      </p:nvGrpSpPr>
+      <p:grpSpPr>
+        <a:xfrm>
+          <a:off x="0" y="0"/>
+          <a:ext cx="0" cy="0"/>
+          <a:chOff x="0" y="0"/>
+          <a:chExt cx="0" cy="0"/>
+        </a:xfrm>
+      </p:grpSpPr>
+      <p:sp>
+        <p:nvSpPr>
+          <p:cNvPr id="47" name="PlaceHolder 1"/>
+          <p:cNvSpPr>
+            <a:spLocks noGrp="1"/>
+          </p:cNvSpPr>
+          <p:nvPr>
+            <p:ph type="title"/>
+          </p:nvPr>
+        </p:nvSpPr>
+        <p:spPr>
+          <a:xfrm>
+            <a:off x="504000" y="226080"/>
+            <a:ext cx="9071640" cy="946440"/>
+          </a:xfrm>
+          <a:prstGeom prst="rect">
+            <a:avLst/>
+          </a:prstGeom>
+          <a:noFill/>
+          <a:ln w="0">
+            <a:noFill/>
+          </a:ln>
+        </p:spPr>
+        <p:txBody>
+          <a:bodyPr lIns="0" tIns="0" rIns="0" bIns="0" anchor="ctr">
+            <a:noAutofit/>
+          </a:bodyPr>
+          <a:lstStyle/>
+          <a:p>
+            <a:pPr algn="ctr">
+              <a:buNone/>
+            </a:pPr>
+            <a:r>
+              <a:rPr lang="en-US" sz="4400" b="0" strike="noStrike" spc="-1" dirty="0">
+                <a:solidFill>
+                  <a:srgbClr val="0070C0"/>
+                </a:solidFill>
+                <a:latin typeface="Arial"/>
+              </a:rPr>
+              <a:t>Methods and tools</a:t>
+            </a:r>
+          </a:p>
+        </p:txBody>
+      </p:sp>
+      <p:sp>
+        <p:nvSpPr>
+          <p:cNvPr id="48" name="TextBox 47"/>
+          <p:cNvSpPr txBox="1"/>
+          <p:nvPr/>
+        </p:nvSpPr>
+        <p:spPr>
+          <a:xfrm>
+            <a:off x="529920" y="1283760"/>
+            <a:ext cx="9071640" cy="3516840"/>
+          </a:xfrm>
+          <a:prstGeom prst="rect">
+            <a:avLst/>
+          </a:prstGeom>
+          <a:noFill/>
+          <a:ln w="0">
+            <a:noFill/>
+          </a:ln>
+        </p:spPr>
+        <p:txBody>
+          <a:bodyPr lIns="0" tIns="0" rIns="0" bIns="0" anchor="t">
+            <a:noAutofit/>
+          </a:bodyPr>
+          <a:lstStyle/>
+          <a:p>
+            <a:pPr marL="432000" indent="-324000">
+              <a:lnSpc>
+                <a:spcPct val="100000"/>
+              </a:lnSpc>
+              <a:buClr>
+                <a:srgbClr val="000000"/>
+              </a:buClr>
+              <a:buSzPct val="45000"/>
+              <a:buFont typeface="Wingdings" charset="2"/>
+              <a:buChar char=""/>
+            </a:pPr>
+            <a:endParaRPr lang="en-US" sz="1600" b="0" strike="noStrike" spc="-1" dirty="0">
+              <a:latin typeface="Arial"/>
+              <a:ea typeface="Microsoft YaHei"/>
+            </a:endParaRPr>
+          </a:p>
+          <a:p>
+            <a:pPr marL="432000" indent="-324000">
+              <a:lnSpc>
+                <a:spcPct val="100000"/>
+              </a:lnSpc>
+              <a:buClr>
+                <a:srgbClr val="000000"/>
+              </a:buClr>
+              <a:buSzPct val="45000"/>
+              <a:buFont typeface="Wingdings" charset="2"/>
+              <a:buChar char=""/>
+            </a:pPr>
+            <a:r>
+              <a:rPr lang="en-US" sz="1600" b="0" strike="noStrike" spc="-1" dirty="0">
+                <a:latin typeface="Arial"/>
+                <a:ea typeface="Microsoft YaHei"/>
+              </a:rPr>
+              <a:t>Tools  in a </a:t>
+            </a:r>
+            <a:r>
+              <a:rPr lang="en-US" sz="1600" b="0" strike="noStrike" spc="-1" dirty="0" err="1">
+                <a:latin typeface="Arial"/>
+                <a:ea typeface="Microsoft YaHei"/>
+              </a:rPr>
+              <a:t>Jupyter</a:t>
+            </a:r>
+            <a:r>
+              <a:rPr lang="en-US" sz="1600" b="0" strike="noStrike" spc="-1" dirty="0">
+                <a:latin typeface="Arial"/>
+                <a:ea typeface="Microsoft YaHei"/>
+              </a:rPr>
+              <a:t> Notebook in local PC</a:t>
+            </a:r>
+          </a:p>
+          <a:p>
+            <a:pPr marL="864000" lvl="1" indent="-324000">
+              <a:lnSpc>
+                <a:spcPct val="100000"/>
+              </a:lnSpc>
+              <a:spcBef>
+                <a:spcPts val="1134"/>
+              </a:spcBef>
+              <a:buClr>
+                <a:srgbClr val="000000"/>
+              </a:buClr>
+              <a:buSzPct val="75000"/>
+              <a:buFont typeface="Symbol" charset="2"/>
+              <a:buChar char=""/>
+            </a:pPr>
+            <a:r>
+              <a:rPr lang="en-US" sz="1600" b="0" strike="noStrike" spc="-1" dirty="0">
+                <a:latin typeface="Arial"/>
+                <a:ea typeface="Microsoft YaHei"/>
+              </a:rPr>
+              <a:t>python with pandas / </a:t>
+            </a:r>
+            <a:r>
+              <a:rPr lang="en-US" sz="1600" b="0" strike="noStrike" spc="-1" dirty="0" err="1">
+                <a:latin typeface="Arial"/>
+                <a:ea typeface="Microsoft YaHei"/>
+              </a:rPr>
+              <a:t>sklearn</a:t>
+            </a:r>
+            <a:r>
+              <a:rPr lang="en-US" sz="1600" b="0" strike="noStrike" spc="-1" dirty="0">
+                <a:latin typeface="Arial"/>
+                <a:ea typeface="Microsoft YaHei"/>
+              </a:rPr>
+              <a:t> and other common libraries</a:t>
+            </a:r>
+            <a:endParaRPr lang="en-US" sz="1600" b="0" strike="noStrike" spc="-1" dirty="0">
+              <a:latin typeface="Arial"/>
+            </a:endParaRPr>
+          </a:p>
+          <a:p>
+            <a:pPr marL="864000" lvl="1" indent="-324000">
+              <a:lnSpc>
+                <a:spcPct val="100000"/>
+              </a:lnSpc>
+              <a:spcBef>
+                <a:spcPts val="1134"/>
+              </a:spcBef>
+              <a:buClr>
+                <a:srgbClr val="000000"/>
+              </a:buClr>
+              <a:buSzPct val="75000"/>
+              <a:buFont typeface="Symbol" charset="2"/>
+              <a:buChar char=""/>
+            </a:pPr>
+            <a:r>
+              <a:rPr lang="en-US" sz="1600" b="0" strike="noStrike" spc="-1" dirty="0">
+                <a:latin typeface="Arial"/>
+                <a:ea typeface="Microsoft YaHei"/>
+              </a:rPr>
+              <a:t>Git for retention / versioning of code and outputs</a:t>
+            </a:r>
+            <a:endParaRPr lang="en-US" sz="1600" b="0" strike="noStrike" spc="-1" dirty="0">
+              <a:latin typeface="Arial"/>
+            </a:endParaRPr>
+          </a:p>
+          <a:p>
+            <a:pPr marL="432000" indent="-324000">
+              <a:lnSpc>
+                <a:spcPct val="100000"/>
+              </a:lnSpc>
+              <a:buClr>
+                <a:srgbClr val="000000"/>
+              </a:buClr>
+              <a:buSzPct val="45000"/>
+              <a:buFont typeface="Wingdings" charset="2"/>
+              <a:buChar char=""/>
+            </a:pPr>
+            <a:endParaRPr lang="en-US" sz="1600" b="0" strike="noStrike" spc="-1" dirty="0">
+              <a:latin typeface="Arial"/>
+              <a:ea typeface="Microsoft YaHei"/>
+            </a:endParaRPr>
+          </a:p>
+          <a:p>
+            <a:pPr marL="432000" indent="-324000">
+              <a:lnSpc>
+                <a:spcPct val="100000"/>
+              </a:lnSpc>
+              <a:buClr>
+                <a:srgbClr val="000000"/>
+              </a:buClr>
+              <a:buSzPct val="45000"/>
+              <a:buFont typeface="Wingdings" charset="2"/>
+              <a:buChar char=""/>
+            </a:pPr>
+            <a:r>
+              <a:rPr lang="en-US" sz="1600" b="0" strike="noStrike" spc="-1" dirty="0">
+                <a:latin typeface="Arial"/>
+                <a:ea typeface="Microsoft YaHei"/>
+              </a:rPr>
+              <a:t>Methods</a:t>
+            </a:r>
+          </a:p>
+          <a:p>
+            <a:pPr marL="864000" lvl="1" indent="-324000">
+              <a:lnSpc>
+                <a:spcPct val="100000"/>
+              </a:lnSpc>
+              <a:spcBef>
+                <a:spcPts val="1134"/>
+              </a:spcBef>
+              <a:buClr>
+                <a:srgbClr val="000000"/>
+              </a:buClr>
+              <a:buSzPct val="75000"/>
+              <a:buFont typeface="Symbol" charset="2"/>
+              <a:buChar char=""/>
+            </a:pPr>
+            <a:r>
+              <a:rPr lang="en-US" sz="1600" b="0" strike="noStrike" spc="-1" dirty="0">
+                <a:latin typeface="Arial"/>
+                <a:ea typeface="Microsoft YaHei"/>
+              </a:rPr>
+              <a:t>Basic stats analysis of columns and data prep</a:t>
+            </a:r>
+            <a:endParaRPr lang="en-US" sz="1600" b="0" strike="noStrike" spc="-1" dirty="0">
+              <a:latin typeface="Arial"/>
+            </a:endParaRPr>
+          </a:p>
+          <a:p>
+            <a:pPr marL="864000" lvl="1" indent="-324000">
+              <a:lnSpc>
+                <a:spcPct val="100000"/>
+              </a:lnSpc>
+              <a:spcBef>
+                <a:spcPts val="1134"/>
+              </a:spcBef>
+              <a:buClr>
+                <a:srgbClr val="000000"/>
+              </a:buClr>
+              <a:buSzPct val="75000"/>
+              <a:buFont typeface="Symbol" charset="2"/>
+              <a:buChar char=""/>
+            </a:pPr>
+            <a:r>
+              <a:rPr lang="en-US" sz="1600" b="0" strike="noStrike" spc="-1" dirty="0">
+                <a:latin typeface="Arial"/>
+                <a:ea typeface="Microsoft YaHei"/>
+              </a:rPr>
+              <a:t>Straightforward joins and manipulation coupled with simple visualizations</a:t>
+            </a:r>
+            <a:endParaRPr lang="en-US" sz="1600" b="0" strike="noStrike" spc="-1" dirty="0">
+              <a:latin typeface="Arial"/>
+            </a:endParaRPr>
+          </a:p>
+          <a:p>
+            <a:pPr marL="864000" lvl="1" indent="-324000">
+              <a:lnSpc>
+                <a:spcPct val="100000"/>
+              </a:lnSpc>
+              <a:spcBef>
+                <a:spcPts val="1134"/>
+              </a:spcBef>
+              <a:buClr>
+                <a:srgbClr val="000000"/>
+              </a:buClr>
+              <a:buSzPct val="75000"/>
+              <a:buFont typeface="Symbol" charset="2"/>
+              <a:buChar char=""/>
+            </a:pPr>
+            <a:r>
+              <a:rPr lang="en-US" sz="1600" b="0" strike="noStrike" spc="-1" dirty="0">
+                <a:latin typeface="Arial"/>
+                <a:ea typeface="Microsoft YaHei"/>
+              </a:rPr>
+              <a:t>Machine Learning approach for assessing feature </a:t>
+            </a:r>
+            <a:r>
+              <a:rPr lang="en-US" sz="1600" b="0" strike="noStrike" spc="-1" dirty="0" err="1">
+                <a:latin typeface="Arial"/>
+                <a:ea typeface="Microsoft YaHei"/>
+              </a:rPr>
+              <a:t>importances</a:t>
+            </a:r>
+            <a:endParaRPr lang="en-US" sz="1600" b="0" strike="noStrike" spc="-1" dirty="0">
+              <a:latin typeface="Arial"/>
+            </a:endParaRPr>
+          </a:p>
+          <a:p>
+            <a:pPr marL="432000" indent="-324000">
+              <a:lnSpc>
+                <a:spcPct val="100000"/>
+              </a:lnSpc>
+              <a:buClr>
+                <a:srgbClr val="000000"/>
+              </a:buClr>
+              <a:buSzPct val="45000"/>
+              <a:buFont typeface="Wingdings" charset="2"/>
+              <a:buChar char=""/>
+            </a:pPr>
+            <a:endParaRPr lang="en-US" sz="1600" b="0" strike="noStrike" spc="-1" dirty="0">
+              <a:latin typeface="Arial"/>
+              <a:ea typeface="Microsoft YaHei"/>
+            </a:endParaRPr>
+          </a:p>
+        </p:txBody>
+      </p:sp>
+    </p:spTree>
+  </p:cSld>
+  <p:clrMapOvr>
+    <a:masterClrMapping/>
+  </p:clrMapOvr>
+</p:sld>
+</file>
+
+<file path=ppt/slides/slide4.xml><?xml version="1.0" encoding="utf-8"?>
+<p:sld xmlns:a="http://schemas.openxmlformats.org/drawingml/2006/main" xmlns:r="http://schemas.openxmlformats.org/officeDocument/2006/relationships" xmlns:p="http://schemas.openxmlformats.org/presentationml/2006/main">
+  <p:cSld>
+    <p:spTree>
+      <p:nvGrpSpPr>
+        <p:cNvPr id="1" name=""/>
+        <p:cNvGrpSpPr/>
+        <p:nvPr/>
+      </p:nvGrpSpPr>
+      <p:grpSpPr>
+        <a:xfrm>
+          <a:off x="0" y="0"/>
+          <a:ext cx="0" cy="0"/>
+          <a:chOff x="0" y="0"/>
+          <a:chExt cx="0" cy="0"/>
+        </a:xfrm>
+      </p:grpSpPr>
+      <p:sp>
+        <p:nvSpPr>
+          <p:cNvPr id="49" name="PlaceHolder 1"/>
+          <p:cNvSpPr>
+            <a:spLocks noGrp="1"/>
+          </p:cNvSpPr>
+          <p:nvPr>
+            <p:ph type="title"/>
+          </p:nvPr>
+        </p:nvSpPr>
+        <p:spPr>
+          <a:xfrm>
+            <a:off x="504000" y="226080"/>
+            <a:ext cx="9071640" cy="946440"/>
+          </a:xfrm>
+          <a:prstGeom prst="rect">
+            <a:avLst/>
+          </a:prstGeom>
+          <a:noFill/>
+          <a:ln w="0">
+            <a:noFill/>
+          </a:ln>
+        </p:spPr>
+        <p:txBody>
+          <a:bodyPr lIns="0" tIns="0" rIns="0" bIns="0" anchor="ctr">
+            <a:noAutofit/>
+          </a:bodyPr>
+          <a:lstStyle/>
+          <a:p>
+            <a:pPr algn="ctr">
+              <a:buNone/>
+            </a:pPr>
+            <a:r>
+              <a:rPr lang="en-US" sz="4400" b="0" strike="noStrike" spc="-1" dirty="0">
+                <a:solidFill>
+                  <a:srgbClr val="0070C0"/>
+                </a:solidFill>
                 <a:latin typeface="Arial"/>
               </a:rPr>
               <a:t>Basic data stats</a:t>
             </a:r>
-            <a:endParaRPr b="0" lang="en-US" sz="4400" spc="-1" strike="noStrike">
-              <a:latin typeface="Arial"/>
-            </a:endParaRPr>
-          </a:p>
-        </p:txBody>
-      </p:sp>
-      <p:sp>
-        <p:nvSpPr>
-          <p:cNvPr id="50" name=""/>
+          </a:p>
+        </p:txBody>
+      </p:sp>
+      <p:sp>
+        <p:nvSpPr>
+          <p:cNvPr id="50" name="TextBox 49"/>
           <p:cNvSpPr txBox="1"/>
           <p:nvPr/>
         </p:nvSpPr>
@@ -3888,9 +6566,10 @@
           </a:ln>
         </p:spPr>
         <p:txBody>
-          <a:bodyPr lIns="0" rIns="0" tIns="0" bIns="0" anchor="t">
+          <a:bodyPr lIns="0" tIns="0" rIns="0" bIns="0" anchor="t">
             <a:noAutofit/>
           </a:bodyPr>
+          <a:lstStyle/>
           <a:p>
             <a:pPr marL="432000" indent="-324000">
               <a:lnSpc>
@@ -3903,7 +6582,7 @@
               <a:buFont typeface="Wingdings" charset="2"/>
               <a:buChar char=""/>
             </a:pPr>
-            <a:endParaRPr b="0" lang="en-US" sz="1600" spc="-1" strike="noStrike">
+            <a:endParaRPr lang="en-US" sz="1600" b="0" strike="noStrike" spc="-1">
               <a:latin typeface="Arial"/>
               <a:ea typeface="Microsoft YaHei"/>
             </a:endParaRPr>
@@ -3921,19 +6600,15 @@
               <a:buChar char=""/>
             </a:pPr>
             <a:r>
-              <a:rPr b="0" lang="en-US" sz="1600" spc="-1" strike="noStrike">
+              <a:rPr lang="en-US" sz="1600" b="0" strike="noStrike" spc="-1">
                 <a:latin typeface="Arial"/>
                 <a:ea typeface="Microsoft YaHei"/>
               </a:rPr>
               <a:t>Tools  in a Jupyter Notebook in local PC</a:t>
             </a:r>
-            <a:endParaRPr b="0" lang="en-US" sz="1600" spc="-1" strike="noStrike">
-              <a:latin typeface="Arial"/>
-              <a:ea typeface="Microsoft YaHei"/>
-            </a:endParaRPr>
-          </a:p>
-          <a:p>
-            <a:pPr lvl="1" marL="864000" indent="-324000">
+          </a:p>
+          <a:p>
+            <a:pPr marL="864000" lvl="1" indent="-324000">
               <a:lnSpc>
                 <a:spcPct val="100000"/>
               </a:lnSpc>
@@ -3948,18 +6623,18 @@
               <a:buChar char=""/>
             </a:pPr>
             <a:r>
-              <a:rPr b="0" lang="en-US" sz="1600" spc="-1" strike="noStrike">
+              <a:rPr lang="en-US" sz="1600" b="0" strike="noStrike" spc="-1">
                 <a:latin typeface="Arial"/>
                 <a:ea typeface="Microsoft YaHei"/>
               </a:rPr>
               <a:t>python with pandas / sklearn and other common libraries</a:t>
             </a:r>
-            <a:endParaRPr b="0" lang="en-US" sz="1600" spc="-1" strike="noStrike">
-              <a:latin typeface="Arial"/>
-            </a:endParaRPr>
-          </a:p>
-          <a:p>
-            <a:pPr lvl="1" marL="864000" indent="-324000">
+            <a:endParaRPr lang="en-US" sz="1600" b="0" strike="noStrike" spc="-1">
+              <a:latin typeface="Arial"/>
+            </a:endParaRPr>
+          </a:p>
+          <a:p>
+            <a:pPr marL="864000" lvl="1" indent="-324000">
               <a:lnSpc>
                 <a:spcPct val="100000"/>
               </a:lnSpc>
@@ -3974,13 +6649,13 @@
               <a:buChar char=""/>
             </a:pPr>
             <a:r>
-              <a:rPr b="0" lang="en-US" sz="1600" spc="-1" strike="noStrike">
+              <a:rPr lang="en-US" sz="1600" b="0" strike="noStrike" spc="-1">
                 <a:latin typeface="Arial"/>
                 <a:ea typeface="Microsoft YaHei"/>
               </a:rPr>
               <a:t>Git for retention / versioning of code and outputs</a:t>
             </a:r>
-            <a:endParaRPr b="0" lang="en-US" sz="1600" spc="-1" strike="noStrike">
+            <a:endParaRPr lang="en-US" sz="1600" b="0" strike="noStrike" spc="-1">
               <a:latin typeface="Arial"/>
             </a:endParaRPr>
           </a:p>
@@ -3996,7 +6671,7 @@
               <a:buFont typeface="Wingdings" charset="2"/>
               <a:buChar char=""/>
             </a:pPr>
-            <a:endParaRPr b="0" lang="en-US" sz="1600" spc="-1" strike="noStrike">
+            <a:endParaRPr lang="en-US" sz="1600" b="0" strike="noStrike" spc="-1">
               <a:latin typeface="Arial"/>
               <a:ea typeface="Microsoft YaHei"/>
             </a:endParaRPr>
@@ -4014,19 +6689,15 @@
               <a:buChar char=""/>
             </a:pPr>
             <a:r>
-              <a:rPr b="0" lang="en-US" sz="1600" spc="-1" strike="noStrike">
+              <a:rPr lang="en-US" sz="1600" b="0" strike="noStrike" spc="-1">
                 <a:latin typeface="Arial"/>
                 <a:ea typeface="Microsoft YaHei"/>
               </a:rPr>
               <a:t>Methods</a:t>
             </a:r>
-            <a:endParaRPr b="0" lang="en-US" sz="1600" spc="-1" strike="noStrike">
-              <a:latin typeface="Arial"/>
-              <a:ea typeface="Microsoft YaHei"/>
-            </a:endParaRPr>
-          </a:p>
-          <a:p>
-            <a:pPr lvl="1" marL="864000" indent="-324000">
+          </a:p>
+          <a:p>
+            <a:pPr marL="864000" lvl="1" indent="-324000">
               <a:lnSpc>
                 <a:spcPct val="100000"/>
               </a:lnSpc>
@@ -4041,18 +6712,18 @@
               <a:buChar char=""/>
             </a:pPr>
             <a:r>
-              <a:rPr b="0" lang="en-US" sz="1600" spc="-1" strike="noStrike">
+              <a:rPr lang="en-US" sz="1600" b="0" strike="noStrike" spc="-1">
                 <a:latin typeface="Arial"/>
                 <a:ea typeface="Microsoft YaHei"/>
               </a:rPr>
               <a:t>Basic stats analysis of columns and data prep</a:t>
             </a:r>
-            <a:endParaRPr b="0" lang="en-US" sz="1600" spc="-1" strike="noStrike">
-              <a:latin typeface="Arial"/>
-            </a:endParaRPr>
-          </a:p>
-          <a:p>
-            <a:pPr lvl="1" marL="864000" indent="-324000">
+            <a:endParaRPr lang="en-US" sz="1600" b="0" strike="noStrike" spc="-1">
+              <a:latin typeface="Arial"/>
+            </a:endParaRPr>
+          </a:p>
+          <a:p>
+            <a:pPr marL="864000" lvl="1" indent="-324000">
               <a:lnSpc>
                 <a:spcPct val="100000"/>
               </a:lnSpc>
@@ -4067,18 +6738,18 @@
               <a:buChar char=""/>
             </a:pPr>
             <a:r>
-              <a:rPr b="0" lang="en-US" sz="1600" spc="-1" strike="noStrike">
+              <a:rPr lang="en-US" sz="1600" b="0" strike="noStrike" spc="-1">
                 <a:latin typeface="Arial"/>
                 <a:ea typeface="Microsoft YaHei"/>
               </a:rPr>
               <a:t>Straightforward joins and manipulation coupled with simple visualizations</a:t>
             </a:r>
-            <a:endParaRPr b="0" lang="en-US" sz="1600" spc="-1" strike="noStrike">
-              <a:latin typeface="Arial"/>
-            </a:endParaRPr>
-          </a:p>
-          <a:p>
-            <a:pPr lvl="1" marL="864000" indent="-324000">
+            <a:endParaRPr lang="en-US" sz="1600" b="0" strike="noStrike" spc="-1">
+              <a:latin typeface="Arial"/>
+            </a:endParaRPr>
+          </a:p>
+          <a:p>
+            <a:pPr marL="864000" lvl="1" indent="-324000">
               <a:lnSpc>
                 <a:spcPct val="100000"/>
               </a:lnSpc>
@@ -4093,13 +6764,13 @@
               <a:buChar char=""/>
             </a:pPr>
             <a:r>
-              <a:rPr b="0" lang="en-US" sz="1600" spc="-1" strike="noStrike">
+              <a:rPr lang="en-US" sz="1600" b="0" strike="noStrike" spc="-1">
                 <a:latin typeface="Arial"/>
                 <a:ea typeface="Microsoft YaHei"/>
               </a:rPr>
               <a:t>Machine Learning approach for assessing feature importances</a:t>
             </a:r>
-            <a:endParaRPr b="0" lang="en-US" sz="1600" spc="-1" strike="noStrike">
+            <a:endParaRPr lang="en-US" sz="1600" b="0" strike="noStrike" spc="-1">
               <a:latin typeface="Arial"/>
             </a:endParaRPr>
           </a:p>
@@ -4115,7 +6786,7 @@
               <a:buFont typeface="Wingdings" charset="2"/>
               <a:buChar char=""/>
             </a:pPr>
-            <a:endParaRPr b="0" lang="en-US" sz="1600" spc="-1" strike="noStrike">
+            <a:endParaRPr lang="en-US" sz="1600" b="0" strike="noStrike" spc="-1">
               <a:latin typeface="Arial"/>
               <a:ea typeface="Microsoft YaHei"/>
             </a:endParaRPr>
@@ -4124,14 +6795,1201 @@
       </p:sp>
     </p:spTree>
   </p:cSld>
-  <mc:AlternateContent>
-    <mc:Choice Requires="p14">
-      <p:transition spd="slow" p14:dur="2000"/>
-    </mc:Choice>
-    <mc:Fallback>
-      <p:transition spd="slow"/>
-    </mc:Fallback>
-  </mc:AlternateContent>
+  <p:clrMapOvr>
+    <a:masterClrMapping/>
+  </p:clrMapOvr>
+</p:sld>
+</file>
+
+<file path=ppt/slides/slide5.xml><?xml version="1.0" encoding="utf-8"?>
+<p:sld xmlns:a="http://schemas.openxmlformats.org/drawingml/2006/main" xmlns:r="http://schemas.openxmlformats.org/officeDocument/2006/relationships" xmlns:p="http://schemas.openxmlformats.org/presentationml/2006/main">
+  <p:cSld>
+    <p:spTree>
+      <p:nvGrpSpPr>
+        <p:cNvPr id="1" name=""/>
+        <p:cNvGrpSpPr/>
+        <p:nvPr/>
+      </p:nvGrpSpPr>
+      <p:grpSpPr>
+        <a:xfrm>
+          <a:off x="0" y="0"/>
+          <a:ext cx="0" cy="0"/>
+          <a:chOff x="0" y="0"/>
+          <a:chExt cx="0" cy="0"/>
+        </a:xfrm>
+      </p:grpSpPr>
+      <p:sp>
+        <p:nvSpPr>
+          <p:cNvPr id="2" name="Title 1">
+            <a:extLst>
+              <a:ext uri="{FF2B5EF4-FFF2-40B4-BE49-F238E27FC236}">
+                <a16:creationId xmlns:a16="http://schemas.microsoft.com/office/drawing/2014/main" id="{93E9E02B-D423-46DB-B297-FF0534459331}"/>
+              </a:ext>
+            </a:extLst>
+          </p:cNvPr>
+          <p:cNvSpPr>
+            <a:spLocks noGrp="1"/>
+          </p:cNvSpPr>
+          <p:nvPr>
+            <p:ph type="title"/>
+          </p:nvPr>
+        </p:nvSpPr>
+        <p:spPr>
+          <a:xfrm>
+            <a:off x="504000" y="122765"/>
+            <a:ext cx="8746135" cy="206627"/>
+          </a:xfrm>
+        </p:spPr>
+        <p:txBody>
+          <a:bodyPr/>
+          <a:lstStyle/>
+          <a:p>
+            <a:pPr algn="ctr"/>
+            <a:r>
+              <a:rPr lang="en-NZ" sz="2000" dirty="0">
+                <a:solidFill>
+                  <a:srgbClr val="0070C0"/>
+                </a:solidFill>
+              </a:rPr>
+              <a:t>Basic column metrics</a:t>
+            </a:r>
+          </a:p>
+        </p:txBody>
+      </p:sp>
+      <p:graphicFrame>
+        <p:nvGraphicFramePr>
+          <p:cNvPr id="4" name="Object 3">
+            <a:extLst>
+              <a:ext uri="{FF2B5EF4-FFF2-40B4-BE49-F238E27FC236}">
+                <a16:creationId xmlns:a16="http://schemas.microsoft.com/office/drawing/2014/main" id="{F9C2A430-B096-445A-BDDE-2C131BE01414}"/>
+              </a:ext>
+            </a:extLst>
+          </p:cNvPr>
+          <p:cNvGraphicFramePr>
+            <a:graphicFrameLocks noChangeAspect="1"/>
+          </p:cNvGraphicFramePr>
+          <p:nvPr>
+            <p:extLst>
+              <p:ext uri="{D42A27DB-BD31-4B8C-83A1-F6EECF244321}">
+                <p14:modId xmlns:p14="http://schemas.microsoft.com/office/powerpoint/2010/main" val="1288455814"/>
+              </p:ext>
+            </p:extLst>
+          </p:nvPr>
+        </p:nvGraphicFramePr>
+        <p:xfrm>
+          <a:off x="808265" y="329392"/>
+          <a:ext cx="8441870" cy="5236934"/>
+        </p:xfrm>
+        <a:graphic>
+          <a:graphicData uri="http://schemas.openxmlformats.org/presentationml/2006/ole">
+            <mc:AlternateContent xmlns:mc="http://schemas.openxmlformats.org/markup-compatibility/2006">
+              <mc:Choice xmlns:v="urn:schemas-microsoft-com:vml" Requires="v">
+                <p:oleObj spid="_x0000_s1034" name="Worksheet" r:id="rId3" imgW="11868120" imgH="13915865" progId="Excel.Sheet.12">
+                  <p:embed/>
+                </p:oleObj>
+              </mc:Choice>
+              <mc:Fallback>
+                <p:oleObj name="Worksheet" r:id="rId3" imgW="11868120" imgH="13915865" progId="Excel.Sheet.12">
+                  <p:embed/>
+                  <p:pic>
+                    <p:nvPicPr>
+                      <p:cNvPr id="0" name=""/>
+                      <p:cNvPicPr/>
+                      <p:nvPr/>
+                    </p:nvPicPr>
+                    <p:blipFill>
+                      <a:blip r:embed="rId4"/>
+                      <a:stretch>
+                        <a:fillRect/>
+                      </a:stretch>
+                    </p:blipFill>
+                    <p:spPr>
+                      <a:xfrm>
+                        <a:off x="808265" y="329392"/>
+                        <a:ext cx="8441870" cy="5236934"/>
+                      </a:xfrm>
+                      <a:prstGeom prst="rect">
+                        <a:avLst/>
+                      </a:prstGeom>
+                    </p:spPr>
+                  </p:pic>
+                </p:oleObj>
+              </mc:Fallback>
+            </mc:AlternateContent>
+          </a:graphicData>
+        </a:graphic>
+      </p:graphicFrame>
+    </p:spTree>
+    <p:extLst>
+      <p:ext uri="{BB962C8B-B14F-4D97-AF65-F5344CB8AC3E}">
+        <p14:creationId xmlns:p14="http://schemas.microsoft.com/office/powerpoint/2010/main" val="2179017481"/>
+      </p:ext>
+    </p:extLst>
+  </p:cSld>
+  <p:clrMapOvr>
+    <a:masterClrMapping/>
+  </p:clrMapOvr>
+</p:sld>
+</file>
+
+<file path=ppt/slides/slide6.xml><?xml version="1.0" encoding="utf-8"?>
+<p:sld xmlns:a="http://schemas.openxmlformats.org/drawingml/2006/main" xmlns:r="http://schemas.openxmlformats.org/officeDocument/2006/relationships" xmlns:p="http://schemas.openxmlformats.org/presentationml/2006/main">
+  <p:cSld>
+    <p:bg>
+      <p:bgPr>
+        <a:solidFill>
+          <a:schemeClr val="bg1"/>
+        </a:solidFill>
+        <a:effectLst/>
+      </p:bgPr>
+    </p:bg>
+    <p:spTree>
+      <p:nvGrpSpPr>
+        <p:cNvPr id="1" name=""/>
+        <p:cNvGrpSpPr/>
+        <p:nvPr/>
+      </p:nvGrpSpPr>
+      <p:grpSpPr>
+        <a:xfrm>
+          <a:off x="0" y="0"/>
+          <a:ext cx="0" cy="0"/>
+          <a:chOff x="0" y="0"/>
+          <a:chExt cx="0" cy="0"/>
+        </a:xfrm>
+      </p:grpSpPr>
+      <p:sp useBgFill="1">
+        <p:nvSpPr>
+          <p:cNvPr id="10" name="Rectangle 9">
+            <a:extLst>
+              <a:ext uri="{FF2B5EF4-FFF2-40B4-BE49-F238E27FC236}">
+                <a16:creationId xmlns:a16="http://schemas.microsoft.com/office/drawing/2014/main" id="{53F29798-D584-4792-9B62-3F5F5C36D619}"/>
+              </a:ext>
+              <a:ext uri="{C183D7F6-B498-43B3-948B-1728B52AA6E4}">
+                <adec:decorative xmlns:adec="http://schemas.microsoft.com/office/drawing/2017/decorative" val="1"/>
+              </a:ext>
+            </a:extLst>
+          </p:cNvPr>
+          <p:cNvSpPr>
+            <a:spLocks noGrp="1" noRot="1" noChangeAspect="1" noMove="1" noResize="1" noEditPoints="1" noAdjustHandles="1" noChangeArrowheads="1" noChangeShapeType="1" noTextEdit="1"/>
+          </p:cNvSpPr>
+          <p:nvPr>
+            <p:extLst>
+              <p:ext uri="{386F3935-93C4-4BCD-93E2-E3B085C9AB24}">
+                <p16:designElem xmlns:p16="http://schemas.microsoft.com/office/powerpoint/2015/main" val="1"/>
+              </p:ext>
+            </p:extLst>
+          </p:nvPr>
+        </p:nvSpPr>
+        <p:spPr>
+          <a:xfrm>
+            <a:off x="0" y="0"/>
+            <a:ext cx="10078104" cy="5670550"/>
+          </a:xfrm>
+          <a:prstGeom prst="rect">
+            <a:avLst/>
+          </a:prstGeom>
+          <a:ln>
+            <a:noFill/>
+          </a:ln>
+        </p:spPr>
+        <p:style>
+          <a:lnRef idx="2">
+            <a:schemeClr val="accent1">
+              <a:shade val="50000"/>
+            </a:schemeClr>
+          </a:lnRef>
+          <a:fillRef idx="1">
+            <a:schemeClr val="accent1"/>
+          </a:fillRef>
+          <a:effectRef idx="0">
+            <a:schemeClr val="accent1"/>
+          </a:effectRef>
+          <a:fontRef idx="minor">
+            <a:schemeClr val="lt1"/>
+          </a:fontRef>
+        </p:style>
+        <p:txBody>
+          <a:bodyPr rtlCol="0" anchor="ctr"/>
+          <a:lstStyle/>
+          <a:p>
+            <a:pPr algn="ctr"/>
+            <a:endParaRPr lang="en-US"/>
+          </a:p>
+        </p:txBody>
+      </p:sp>
+      <p:sp>
+        <p:nvSpPr>
+          <p:cNvPr id="2" name="Title 1">
+            <a:extLst>
+              <a:ext uri="{FF2B5EF4-FFF2-40B4-BE49-F238E27FC236}">
+                <a16:creationId xmlns:a16="http://schemas.microsoft.com/office/drawing/2014/main" id="{93E9E02B-D423-46DB-B297-FF0534459331}"/>
+              </a:ext>
+            </a:extLst>
+          </p:cNvPr>
+          <p:cNvSpPr>
+            <a:spLocks noGrp="1"/>
+          </p:cNvSpPr>
+          <p:nvPr>
+            <p:ph type="title"/>
+          </p:nvPr>
+        </p:nvSpPr>
+        <p:spPr>
+          <a:xfrm>
+            <a:off x="693042" y="152806"/>
+            <a:ext cx="8694540" cy="753430"/>
+          </a:xfrm>
+        </p:spPr>
+        <p:txBody>
+          <a:bodyPr vert="horz" lIns="91440" tIns="45720" rIns="91440" bIns="45720" rtlCol="0" anchor="ctr">
+            <a:normAutofit/>
+          </a:bodyPr>
+          <a:lstStyle/>
+          <a:p>
+            <a:r>
+              <a:rPr lang="en-US" sz="2400" dirty="0">
+                <a:solidFill>
+                  <a:srgbClr val="0070C0"/>
+                </a:solidFill>
+              </a:rPr>
+              <a:t>Crash counts per year by region</a:t>
+            </a:r>
+            <a:endParaRPr lang="en-US" sz="2400" kern="1200" dirty="0">
+              <a:solidFill>
+                <a:srgbClr val="0070C0"/>
+              </a:solidFill>
+              <a:latin typeface="+mj-lt"/>
+              <a:ea typeface="+mj-ea"/>
+              <a:cs typeface="+mj-cs"/>
+            </a:endParaRPr>
+          </a:p>
+        </p:txBody>
+      </p:sp>
+      <p:pic>
+        <p:nvPicPr>
+          <p:cNvPr id="4" name="Picture 3" descr="Chart, line chart&#10;&#10;Description automatically generated">
+            <a:extLst>
+              <a:ext uri="{FF2B5EF4-FFF2-40B4-BE49-F238E27FC236}">
+                <a16:creationId xmlns:a16="http://schemas.microsoft.com/office/drawing/2014/main" id="{27E80055-B538-400D-B97F-E874B28F766A}"/>
+              </a:ext>
+            </a:extLst>
+          </p:cNvPr>
+          <p:cNvPicPr>
+            <a:picLocks noChangeAspect="1"/>
+          </p:cNvPicPr>
+          <p:nvPr/>
+        </p:nvPicPr>
+        <p:blipFill>
+          <a:blip r:embed="rId2">
+            <a:extLst>
+              <a:ext uri="{28A0092B-C50C-407E-A947-70E740481C1C}">
+                <a14:useLocalDpi xmlns:a14="http://schemas.microsoft.com/office/drawing/2010/main" val="0"/>
+              </a:ext>
+            </a:extLst>
+          </a:blip>
+          <a:stretch>
+            <a:fillRect/>
+          </a:stretch>
+        </p:blipFill>
+        <p:spPr>
+          <a:xfrm>
+            <a:off x="415364" y="759279"/>
+            <a:ext cx="7091686" cy="3555665"/>
+          </a:xfrm>
+          <a:prstGeom prst="rect">
+            <a:avLst/>
+          </a:prstGeom>
+        </p:spPr>
+      </p:pic>
+      <p:sp>
+        <p:nvSpPr>
+          <p:cNvPr id="5" name="TextBox 4">
+            <a:extLst>
+              <a:ext uri="{FF2B5EF4-FFF2-40B4-BE49-F238E27FC236}">
+                <a16:creationId xmlns:a16="http://schemas.microsoft.com/office/drawing/2014/main" id="{58ECD49D-DB77-4EBD-B68E-E9233CFCB170}"/>
+              </a:ext>
+            </a:extLst>
+          </p:cNvPr>
+          <p:cNvSpPr txBox="1"/>
+          <p:nvPr/>
+        </p:nvSpPr>
+        <p:spPr>
+          <a:xfrm>
+            <a:off x="693042" y="4629150"/>
+            <a:ext cx="6736458" cy="523220"/>
+          </a:xfrm>
+          <a:prstGeom prst="rect">
+            <a:avLst/>
+          </a:prstGeom>
+          <a:noFill/>
+        </p:spPr>
+        <p:txBody>
+          <a:bodyPr wrap="square" rtlCol="0">
+            <a:spAutoFit/>
+          </a:bodyPr>
+          <a:lstStyle/>
+          <a:p>
+            <a:r>
+              <a:rPr lang="en-NZ" sz="1400" dirty="0"/>
+              <a:t>Not that obvious from the graph, but there was a particularly noticeable dip in 2020. Covid, at least partly?</a:t>
+            </a:r>
+          </a:p>
+        </p:txBody>
+      </p:sp>
+    </p:spTree>
+    <p:extLst>
+      <p:ext uri="{BB962C8B-B14F-4D97-AF65-F5344CB8AC3E}">
+        <p14:creationId xmlns:p14="http://schemas.microsoft.com/office/powerpoint/2010/main" val="1079283572"/>
+      </p:ext>
+    </p:extLst>
+  </p:cSld>
+  <p:clrMapOvr>
+    <a:masterClrMapping/>
+  </p:clrMapOvr>
+</p:sld>
+</file>
+
+<file path=ppt/slides/slide7.xml><?xml version="1.0" encoding="utf-8"?>
+<p:sld xmlns:a="http://schemas.openxmlformats.org/drawingml/2006/main" xmlns:r="http://schemas.openxmlformats.org/officeDocument/2006/relationships" xmlns:p="http://schemas.openxmlformats.org/presentationml/2006/main">
+  <p:cSld>
+    <p:bg>
+      <p:bgPr>
+        <a:solidFill>
+          <a:schemeClr val="bg1"/>
+        </a:solidFill>
+        <a:effectLst/>
+      </p:bgPr>
+    </p:bg>
+    <p:spTree>
+      <p:nvGrpSpPr>
+        <p:cNvPr id="1" name=""/>
+        <p:cNvGrpSpPr/>
+        <p:nvPr/>
+      </p:nvGrpSpPr>
+      <p:grpSpPr>
+        <a:xfrm>
+          <a:off x="0" y="0"/>
+          <a:ext cx="0" cy="0"/>
+          <a:chOff x="0" y="0"/>
+          <a:chExt cx="0" cy="0"/>
+        </a:xfrm>
+      </p:grpSpPr>
+      <p:sp useBgFill="1">
+        <p:nvSpPr>
+          <p:cNvPr id="10" name="Rectangle 9">
+            <a:extLst>
+              <a:ext uri="{FF2B5EF4-FFF2-40B4-BE49-F238E27FC236}">
+                <a16:creationId xmlns:a16="http://schemas.microsoft.com/office/drawing/2014/main" id="{53F29798-D584-4792-9B62-3F5F5C36D619}"/>
+              </a:ext>
+              <a:ext uri="{C183D7F6-B498-43B3-948B-1728B52AA6E4}">
+                <adec:decorative xmlns:adec="http://schemas.microsoft.com/office/drawing/2017/decorative" val="1"/>
+              </a:ext>
+            </a:extLst>
+          </p:cNvPr>
+          <p:cNvSpPr>
+            <a:spLocks noGrp="1" noRot="1" noChangeAspect="1" noMove="1" noResize="1" noEditPoints="1" noAdjustHandles="1" noChangeArrowheads="1" noChangeShapeType="1" noTextEdit="1"/>
+          </p:cNvSpPr>
+          <p:nvPr>
+            <p:extLst>
+              <p:ext uri="{386F3935-93C4-4BCD-93E2-E3B085C9AB24}">
+                <p16:designElem xmlns:p16="http://schemas.microsoft.com/office/powerpoint/2015/main" val="1"/>
+              </p:ext>
+            </p:extLst>
+          </p:nvPr>
+        </p:nvSpPr>
+        <p:spPr>
+          <a:xfrm>
+            <a:off x="0" y="0"/>
+            <a:ext cx="10078104" cy="5670550"/>
+          </a:xfrm>
+          <a:prstGeom prst="rect">
+            <a:avLst/>
+          </a:prstGeom>
+          <a:ln>
+            <a:noFill/>
+          </a:ln>
+        </p:spPr>
+        <p:style>
+          <a:lnRef idx="2">
+            <a:schemeClr val="accent1">
+              <a:shade val="50000"/>
+            </a:schemeClr>
+          </a:lnRef>
+          <a:fillRef idx="1">
+            <a:schemeClr val="accent1"/>
+          </a:fillRef>
+          <a:effectRef idx="0">
+            <a:schemeClr val="accent1"/>
+          </a:effectRef>
+          <a:fontRef idx="minor">
+            <a:schemeClr val="lt1"/>
+          </a:fontRef>
+        </p:style>
+        <p:txBody>
+          <a:bodyPr rtlCol="0" anchor="ctr"/>
+          <a:lstStyle/>
+          <a:p>
+            <a:pPr algn="ctr"/>
+            <a:endParaRPr lang="en-US"/>
+          </a:p>
+        </p:txBody>
+      </p:sp>
+      <p:sp>
+        <p:nvSpPr>
+          <p:cNvPr id="2" name="Title 1">
+            <a:extLst>
+              <a:ext uri="{FF2B5EF4-FFF2-40B4-BE49-F238E27FC236}">
+                <a16:creationId xmlns:a16="http://schemas.microsoft.com/office/drawing/2014/main" id="{93E9E02B-D423-46DB-B297-FF0534459331}"/>
+              </a:ext>
+            </a:extLst>
+          </p:cNvPr>
+          <p:cNvSpPr>
+            <a:spLocks noGrp="1"/>
+          </p:cNvSpPr>
+          <p:nvPr>
+            <p:ph type="title"/>
+          </p:nvPr>
+        </p:nvSpPr>
+        <p:spPr>
+          <a:xfrm>
+            <a:off x="693042" y="152806"/>
+            <a:ext cx="8694540" cy="753430"/>
+          </a:xfrm>
+        </p:spPr>
+        <p:txBody>
+          <a:bodyPr vert="horz" lIns="91440" tIns="45720" rIns="91440" bIns="45720" rtlCol="0" anchor="ctr">
+            <a:normAutofit/>
+          </a:bodyPr>
+          <a:lstStyle/>
+          <a:p>
+            <a:r>
+              <a:rPr lang="en-US" sz="2800" dirty="0">
+                <a:solidFill>
+                  <a:srgbClr val="0070C0"/>
+                </a:solidFill>
+              </a:rPr>
+              <a:t>Crash counts by region 2018</a:t>
+            </a:r>
+            <a:endParaRPr lang="en-US" sz="2800" kern="1200" dirty="0">
+              <a:solidFill>
+                <a:srgbClr val="0070C0"/>
+              </a:solidFill>
+              <a:latin typeface="+mj-lt"/>
+              <a:ea typeface="+mj-ea"/>
+              <a:cs typeface="+mj-cs"/>
+            </a:endParaRPr>
+          </a:p>
+        </p:txBody>
+      </p:sp>
+      <p:pic>
+        <p:nvPicPr>
+          <p:cNvPr id="5" name="Picture 4" descr="Chart&#10;&#10;Description automatically generated">
+            <a:extLst>
+              <a:ext uri="{FF2B5EF4-FFF2-40B4-BE49-F238E27FC236}">
+                <a16:creationId xmlns:a16="http://schemas.microsoft.com/office/drawing/2014/main" id="{741DAF08-968B-4D3E-B710-A8FDF1DE067B}"/>
+              </a:ext>
+            </a:extLst>
+          </p:cNvPr>
+          <p:cNvPicPr>
+            <a:picLocks noChangeAspect="1"/>
+          </p:cNvPicPr>
+          <p:nvPr/>
+        </p:nvPicPr>
+        <p:blipFill>
+          <a:blip r:embed="rId2">
+            <a:extLst>
+              <a:ext uri="{28A0092B-C50C-407E-A947-70E740481C1C}">
+                <a14:useLocalDpi xmlns:a14="http://schemas.microsoft.com/office/drawing/2010/main" val="0"/>
+              </a:ext>
+            </a:extLst>
+          </a:blip>
+          <a:stretch>
+            <a:fillRect/>
+          </a:stretch>
+        </p:blipFill>
+        <p:spPr>
+          <a:xfrm>
+            <a:off x="800100" y="1900821"/>
+            <a:ext cx="5952687" cy="2976345"/>
+          </a:xfrm>
+          <a:prstGeom prst="rect">
+            <a:avLst/>
+          </a:prstGeom>
+        </p:spPr>
+      </p:pic>
+      <p:sp>
+        <p:nvSpPr>
+          <p:cNvPr id="6" name="TextBox 5">
+            <a:extLst>
+              <a:ext uri="{FF2B5EF4-FFF2-40B4-BE49-F238E27FC236}">
+                <a16:creationId xmlns:a16="http://schemas.microsoft.com/office/drawing/2014/main" id="{21179A37-66CD-480A-9D16-80CBC07982C2}"/>
+              </a:ext>
+            </a:extLst>
+          </p:cNvPr>
+          <p:cNvSpPr txBox="1"/>
+          <p:nvPr/>
+        </p:nvSpPr>
+        <p:spPr>
+          <a:xfrm>
+            <a:off x="204107" y="988030"/>
+            <a:ext cx="4240212" cy="830997"/>
+          </a:xfrm>
+          <a:prstGeom prst="rect">
+            <a:avLst/>
+          </a:prstGeom>
+          <a:noFill/>
+        </p:spPr>
+        <p:txBody>
+          <a:bodyPr wrap="square" rtlCol="0">
+            <a:spAutoFit/>
+          </a:bodyPr>
+          <a:lstStyle/>
+          <a:p>
+            <a:r>
+              <a:rPr lang="en-NZ" sz="1200" dirty="0"/>
+              <a:t>Why 2018? Because we had ready population figures by region. Could repeat for all years in set.</a:t>
+            </a:r>
+          </a:p>
+          <a:p>
+            <a:endParaRPr lang="en-NZ" sz="1200" dirty="0"/>
+          </a:p>
+          <a:p>
+            <a:r>
+              <a:rPr lang="en-NZ" sz="1200" dirty="0"/>
+              <a:t>Is crash count proportional to regional population?</a:t>
+            </a:r>
+          </a:p>
+        </p:txBody>
+      </p:sp>
+    </p:spTree>
+    <p:extLst>
+      <p:ext uri="{BB962C8B-B14F-4D97-AF65-F5344CB8AC3E}">
+        <p14:creationId xmlns:p14="http://schemas.microsoft.com/office/powerpoint/2010/main" val="1298636732"/>
+      </p:ext>
+    </p:extLst>
+  </p:cSld>
+  <p:clrMapOvr>
+    <a:masterClrMapping/>
+  </p:clrMapOvr>
+</p:sld>
+</file>
+
+<file path=ppt/slides/slide8.xml><?xml version="1.0" encoding="utf-8"?>
+<p:sld xmlns:a="http://schemas.openxmlformats.org/drawingml/2006/main" xmlns:r="http://schemas.openxmlformats.org/officeDocument/2006/relationships" xmlns:p="http://schemas.openxmlformats.org/presentationml/2006/main">
+  <p:cSld>
+    <p:bg>
+      <p:bgPr>
+        <a:solidFill>
+          <a:schemeClr val="bg1"/>
+        </a:solidFill>
+        <a:effectLst/>
+      </p:bgPr>
+    </p:bg>
+    <p:spTree>
+      <p:nvGrpSpPr>
+        <p:cNvPr id="1" name=""/>
+        <p:cNvGrpSpPr/>
+        <p:nvPr/>
+      </p:nvGrpSpPr>
+      <p:grpSpPr>
+        <a:xfrm>
+          <a:off x="0" y="0"/>
+          <a:ext cx="0" cy="0"/>
+          <a:chOff x="0" y="0"/>
+          <a:chExt cx="0" cy="0"/>
+        </a:xfrm>
+      </p:grpSpPr>
+      <p:sp useBgFill="1">
+        <p:nvSpPr>
+          <p:cNvPr id="10" name="Rectangle 9">
+            <a:extLst>
+              <a:ext uri="{FF2B5EF4-FFF2-40B4-BE49-F238E27FC236}">
+                <a16:creationId xmlns:a16="http://schemas.microsoft.com/office/drawing/2014/main" id="{53F29798-D584-4792-9B62-3F5F5C36D619}"/>
+              </a:ext>
+              <a:ext uri="{C183D7F6-B498-43B3-948B-1728B52AA6E4}">
+                <adec:decorative xmlns:adec="http://schemas.microsoft.com/office/drawing/2017/decorative" val="1"/>
+              </a:ext>
+            </a:extLst>
+          </p:cNvPr>
+          <p:cNvSpPr>
+            <a:spLocks noGrp="1" noRot="1" noChangeAspect="1" noMove="1" noResize="1" noEditPoints="1" noAdjustHandles="1" noChangeArrowheads="1" noChangeShapeType="1" noTextEdit="1"/>
+          </p:cNvSpPr>
+          <p:nvPr>
+            <p:extLst>
+              <p:ext uri="{386F3935-93C4-4BCD-93E2-E3B085C9AB24}">
+                <p16:designElem xmlns:p16="http://schemas.microsoft.com/office/powerpoint/2015/main" val="1"/>
+              </p:ext>
+            </p:extLst>
+          </p:nvPr>
+        </p:nvSpPr>
+        <p:spPr>
+          <a:xfrm>
+            <a:off x="0" y="0"/>
+            <a:ext cx="10078104" cy="5670550"/>
+          </a:xfrm>
+          <a:prstGeom prst="rect">
+            <a:avLst/>
+          </a:prstGeom>
+          <a:ln>
+            <a:noFill/>
+          </a:ln>
+        </p:spPr>
+        <p:style>
+          <a:lnRef idx="2">
+            <a:schemeClr val="accent1">
+              <a:shade val="50000"/>
+            </a:schemeClr>
+          </a:lnRef>
+          <a:fillRef idx="1">
+            <a:schemeClr val="accent1"/>
+          </a:fillRef>
+          <a:effectRef idx="0">
+            <a:schemeClr val="accent1"/>
+          </a:effectRef>
+          <a:fontRef idx="minor">
+            <a:schemeClr val="lt1"/>
+          </a:fontRef>
+        </p:style>
+        <p:txBody>
+          <a:bodyPr rtlCol="0" anchor="ctr"/>
+          <a:lstStyle/>
+          <a:p>
+            <a:pPr algn="ctr"/>
+            <a:endParaRPr lang="en-US"/>
+          </a:p>
+        </p:txBody>
+      </p:sp>
+      <p:sp>
+        <p:nvSpPr>
+          <p:cNvPr id="2" name="Title 1">
+            <a:extLst>
+              <a:ext uri="{FF2B5EF4-FFF2-40B4-BE49-F238E27FC236}">
+                <a16:creationId xmlns:a16="http://schemas.microsoft.com/office/drawing/2014/main" id="{93E9E02B-D423-46DB-B297-FF0534459331}"/>
+              </a:ext>
+            </a:extLst>
+          </p:cNvPr>
+          <p:cNvSpPr>
+            <a:spLocks noGrp="1"/>
+          </p:cNvSpPr>
+          <p:nvPr>
+            <p:ph type="title"/>
+          </p:nvPr>
+        </p:nvSpPr>
+        <p:spPr>
+          <a:xfrm>
+            <a:off x="693042" y="152806"/>
+            <a:ext cx="8694540" cy="753430"/>
+          </a:xfrm>
+        </p:spPr>
+        <p:txBody>
+          <a:bodyPr vert="horz" lIns="91440" tIns="45720" rIns="91440" bIns="45720" rtlCol="0" anchor="ctr">
+            <a:normAutofit/>
+          </a:bodyPr>
+          <a:lstStyle/>
+          <a:p>
+            <a:r>
+              <a:rPr lang="en-US" sz="2800" dirty="0">
+                <a:solidFill>
+                  <a:srgbClr val="0070C0"/>
+                </a:solidFill>
+              </a:rPr>
+              <a:t>Crash counts compared to population by region 2018</a:t>
+            </a:r>
+            <a:endParaRPr lang="en-US" sz="2800" kern="1200" dirty="0">
+              <a:solidFill>
+                <a:srgbClr val="0070C0"/>
+              </a:solidFill>
+              <a:latin typeface="+mj-lt"/>
+              <a:ea typeface="+mj-ea"/>
+              <a:cs typeface="+mj-cs"/>
+            </a:endParaRPr>
+          </a:p>
+        </p:txBody>
+      </p:sp>
+      <p:sp>
+        <p:nvSpPr>
+          <p:cNvPr id="6" name="TextBox 5">
+            <a:extLst>
+              <a:ext uri="{FF2B5EF4-FFF2-40B4-BE49-F238E27FC236}">
+                <a16:creationId xmlns:a16="http://schemas.microsoft.com/office/drawing/2014/main" id="{21179A37-66CD-480A-9D16-80CBC07982C2}"/>
+              </a:ext>
+            </a:extLst>
+          </p:cNvPr>
+          <p:cNvSpPr txBox="1"/>
+          <p:nvPr/>
+        </p:nvSpPr>
+        <p:spPr>
+          <a:xfrm>
+            <a:off x="204107" y="988030"/>
+            <a:ext cx="4240212" cy="830997"/>
+          </a:xfrm>
+          <a:prstGeom prst="rect">
+            <a:avLst/>
+          </a:prstGeom>
+          <a:noFill/>
+        </p:spPr>
+        <p:txBody>
+          <a:bodyPr wrap="square" rtlCol="0">
+            <a:spAutoFit/>
+          </a:bodyPr>
+          <a:lstStyle/>
+          <a:p>
+            <a:r>
+              <a:rPr lang="en-NZ" sz="1200" dirty="0"/>
+              <a:t>This changes the picture.</a:t>
+            </a:r>
+          </a:p>
+          <a:p>
+            <a:endParaRPr lang="en-NZ" sz="1200" dirty="0"/>
+          </a:p>
+          <a:p>
+            <a:r>
+              <a:rPr lang="en-NZ" sz="1200" dirty="0"/>
+              <a:t>Though the rates may be sensitive to small numerators / denominators</a:t>
+            </a:r>
+          </a:p>
+        </p:txBody>
+      </p:sp>
+      <p:pic>
+        <p:nvPicPr>
+          <p:cNvPr id="8" name="Picture 7" descr="Chart&#10;&#10;Description automatically generated">
+            <a:extLst>
+              <a:ext uri="{FF2B5EF4-FFF2-40B4-BE49-F238E27FC236}">
+                <a16:creationId xmlns:a16="http://schemas.microsoft.com/office/drawing/2014/main" id="{5A5CA25B-EAAB-416D-915D-70529B432885}"/>
+              </a:ext>
+            </a:extLst>
+          </p:cNvPr>
+          <p:cNvPicPr>
+            <a:picLocks noChangeAspect="1"/>
+          </p:cNvPicPr>
+          <p:nvPr/>
+        </p:nvPicPr>
+        <p:blipFill>
+          <a:blip r:embed="rId2">
+            <a:extLst>
+              <a:ext uri="{28A0092B-C50C-407E-A947-70E740481C1C}">
+                <a14:useLocalDpi xmlns:a14="http://schemas.microsoft.com/office/drawing/2010/main" val="0"/>
+              </a:ext>
+            </a:extLst>
+          </a:blip>
+          <a:stretch>
+            <a:fillRect/>
+          </a:stretch>
+        </p:blipFill>
+        <p:spPr>
+          <a:xfrm>
+            <a:off x="332509" y="1819027"/>
+            <a:ext cx="6924503" cy="3607724"/>
+          </a:xfrm>
+          <a:prstGeom prst="rect">
+            <a:avLst/>
+          </a:prstGeom>
+        </p:spPr>
+      </p:pic>
+    </p:spTree>
+    <p:extLst>
+      <p:ext uri="{BB962C8B-B14F-4D97-AF65-F5344CB8AC3E}">
+        <p14:creationId xmlns:p14="http://schemas.microsoft.com/office/powerpoint/2010/main" val="346152932"/>
+      </p:ext>
+    </p:extLst>
+  </p:cSld>
+  <p:clrMapOvr>
+    <a:masterClrMapping/>
+  </p:clrMapOvr>
+</p:sld>
+</file>
+
+<file path=ppt/slides/slide9.xml><?xml version="1.0" encoding="utf-8"?>
+<p:sld xmlns:a="http://schemas.openxmlformats.org/drawingml/2006/main" xmlns:r="http://schemas.openxmlformats.org/officeDocument/2006/relationships" xmlns:p="http://schemas.openxmlformats.org/presentationml/2006/main">
+  <p:cSld>
+    <p:bg>
+      <p:bgPr>
+        <a:solidFill>
+          <a:schemeClr val="bg1"/>
+        </a:solidFill>
+        <a:effectLst/>
+      </p:bgPr>
+    </p:bg>
+    <p:spTree>
+      <p:nvGrpSpPr>
+        <p:cNvPr id="1" name=""/>
+        <p:cNvGrpSpPr/>
+        <p:nvPr/>
+      </p:nvGrpSpPr>
+      <p:grpSpPr>
+        <a:xfrm>
+          <a:off x="0" y="0"/>
+          <a:ext cx="0" cy="0"/>
+          <a:chOff x="0" y="0"/>
+          <a:chExt cx="0" cy="0"/>
+        </a:xfrm>
+      </p:grpSpPr>
+      <p:sp useBgFill="1">
+        <p:nvSpPr>
+          <p:cNvPr id="10" name="Rectangle 9">
+            <a:extLst>
+              <a:ext uri="{FF2B5EF4-FFF2-40B4-BE49-F238E27FC236}">
+                <a16:creationId xmlns:a16="http://schemas.microsoft.com/office/drawing/2014/main" id="{53F29798-D584-4792-9B62-3F5F5C36D619}"/>
+              </a:ext>
+              <a:ext uri="{C183D7F6-B498-43B3-948B-1728B52AA6E4}">
+                <adec:decorative xmlns:adec="http://schemas.microsoft.com/office/drawing/2017/decorative" val="1"/>
+              </a:ext>
+            </a:extLst>
+          </p:cNvPr>
+          <p:cNvSpPr>
+            <a:spLocks noGrp="1" noRot="1" noChangeAspect="1" noMove="1" noResize="1" noEditPoints="1" noAdjustHandles="1" noChangeArrowheads="1" noChangeShapeType="1" noTextEdit="1"/>
+          </p:cNvSpPr>
+          <p:nvPr>
+            <p:extLst>
+              <p:ext uri="{386F3935-93C4-4BCD-93E2-E3B085C9AB24}">
+                <p16:designElem xmlns:p16="http://schemas.microsoft.com/office/powerpoint/2015/main" val="1"/>
+              </p:ext>
+            </p:extLst>
+          </p:nvPr>
+        </p:nvSpPr>
+        <p:spPr>
+          <a:xfrm>
+            <a:off x="0" y="0"/>
+            <a:ext cx="10078104" cy="5670550"/>
+          </a:xfrm>
+          <a:prstGeom prst="rect">
+            <a:avLst/>
+          </a:prstGeom>
+          <a:ln>
+            <a:noFill/>
+          </a:ln>
+        </p:spPr>
+        <p:style>
+          <a:lnRef idx="2">
+            <a:schemeClr val="accent1">
+              <a:shade val="50000"/>
+            </a:schemeClr>
+          </a:lnRef>
+          <a:fillRef idx="1">
+            <a:schemeClr val="accent1"/>
+          </a:fillRef>
+          <a:effectRef idx="0">
+            <a:schemeClr val="accent1"/>
+          </a:effectRef>
+          <a:fontRef idx="minor">
+            <a:schemeClr val="lt1"/>
+          </a:fontRef>
+        </p:style>
+        <p:txBody>
+          <a:bodyPr rtlCol="0" anchor="ctr"/>
+          <a:lstStyle/>
+          <a:p>
+            <a:pPr algn="ctr"/>
+            <a:endParaRPr lang="en-US"/>
+          </a:p>
+        </p:txBody>
+      </p:sp>
+      <p:sp>
+        <p:nvSpPr>
+          <p:cNvPr id="2" name="Title 1">
+            <a:extLst>
+              <a:ext uri="{FF2B5EF4-FFF2-40B4-BE49-F238E27FC236}">
+                <a16:creationId xmlns:a16="http://schemas.microsoft.com/office/drawing/2014/main" id="{93E9E02B-D423-46DB-B297-FF0534459331}"/>
+              </a:ext>
+            </a:extLst>
+          </p:cNvPr>
+          <p:cNvSpPr>
+            <a:spLocks noGrp="1"/>
+          </p:cNvSpPr>
+          <p:nvPr>
+            <p:ph type="title"/>
+          </p:nvPr>
+        </p:nvSpPr>
+        <p:spPr>
+          <a:xfrm>
+            <a:off x="693042" y="152806"/>
+            <a:ext cx="8694540" cy="753430"/>
+          </a:xfrm>
+        </p:spPr>
+        <p:txBody>
+          <a:bodyPr vert="horz" lIns="91440" tIns="45720" rIns="91440" bIns="45720" rtlCol="0" anchor="ctr">
+            <a:normAutofit/>
+          </a:bodyPr>
+          <a:lstStyle/>
+          <a:p>
+            <a:r>
+              <a:rPr lang="en-US" sz="2800" dirty="0">
+                <a:solidFill>
+                  <a:srgbClr val="0070C0"/>
+                </a:solidFill>
+              </a:rPr>
+              <a:t>..continued</a:t>
+            </a:r>
+            <a:endParaRPr lang="en-US" sz="2800" kern="1200" dirty="0">
+              <a:solidFill>
+                <a:srgbClr val="0070C0"/>
+              </a:solidFill>
+              <a:latin typeface="+mj-lt"/>
+              <a:ea typeface="+mj-ea"/>
+              <a:cs typeface="+mj-cs"/>
+            </a:endParaRPr>
+          </a:p>
+        </p:txBody>
+      </p:sp>
+      <p:sp>
+        <p:nvSpPr>
+          <p:cNvPr id="6" name="TextBox 5">
+            <a:extLst>
+              <a:ext uri="{FF2B5EF4-FFF2-40B4-BE49-F238E27FC236}">
+                <a16:creationId xmlns:a16="http://schemas.microsoft.com/office/drawing/2014/main" id="{21179A37-66CD-480A-9D16-80CBC07982C2}"/>
+              </a:ext>
+            </a:extLst>
+          </p:cNvPr>
+          <p:cNvSpPr txBox="1"/>
+          <p:nvPr/>
+        </p:nvSpPr>
+        <p:spPr>
+          <a:xfrm>
+            <a:off x="245671" y="1121033"/>
+            <a:ext cx="9405406" cy="2985433"/>
+          </a:xfrm>
+          <a:prstGeom prst="rect">
+            <a:avLst/>
+          </a:prstGeom>
+          <a:noFill/>
+        </p:spPr>
+        <p:txBody>
+          <a:bodyPr wrap="square" rtlCol="0">
+            <a:spAutoFit/>
+          </a:bodyPr>
+          <a:lstStyle/>
+          <a:p>
+            <a:r>
+              <a:rPr lang="en-NZ" sz="1600" dirty="0">
+                <a:solidFill>
+                  <a:srgbClr val="000000"/>
+                </a:solidFill>
+                <a:effectLst/>
+                <a:latin typeface="Calibri" panose="020F0502020204030204" pitchFamily="34" charset="0"/>
+                <a:ea typeface="Calibri" panose="020F0502020204030204" pitchFamily="34" charset="0"/>
+              </a:rPr>
+              <a:t>Speculations: </a:t>
+            </a:r>
+            <a:endParaRPr lang="en-NZ" sz="1600" dirty="0">
+              <a:effectLst/>
+              <a:latin typeface="Calibri" panose="020F0502020204030204" pitchFamily="34" charset="0"/>
+              <a:ea typeface="Calibri" panose="020F0502020204030204" pitchFamily="34" charset="0"/>
+            </a:endParaRPr>
+          </a:p>
+          <a:p>
+            <a:pPr marL="342900" lvl="0" indent="-342900">
+              <a:buSzPts val="1000"/>
+              <a:buFont typeface="Symbol" panose="05050102010706020507" pitchFamily="18" charset="2"/>
+              <a:buChar char=""/>
+              <a:tabLst>
+                <a:tab pos="457200" algn="l"/>
+              </a:tabLst>
+            </a:pPr>
+            <a:r>
+              <a:rPr lang="en-NZ" sz="1600" dirty="0">
+                <a:solidFill>
+                  <a:srgbClr val="000000"/>
+                </a:solidFill>
+                <a:effectLst/>
+              </a:rPr>
+              <a:t>Tourists disproportionately represented in regions most dependent on tourism? </a:t>
+            </a:r>
+          </a:p>
+          <a:p>
+            <a:pPr marL="342900" lvl="0" indent="-342900">
+              <a:buSzPts val="1000"/>
+              <a:buFont typeface="Symbol" panose="05050102010706020507" pitchFamily="18" charset="2"/>
+              <a:buChar char=""/>
+              <a:tabLst>
+                <a:tab pos="457200" algn="l"/>
+              </a:tabLst>
+            </a:pPr>
+            <a:r>
+              <a:rPr lang="en-NZ" sz="1600" dirty="0">
+                <a:solidFill>
+                  <a:srgbClr val="000000"/>
+                </a:solidFill>
+                <a:effectLst/>
+              </a:rPr>
+              <a:t>Longer average trips raise the likelihood of crashes? </a:t>
+            </a:r>
+          </a:p>
+          <a:p>
+            <a:pPr marL="342900" lvl="0" indent="-342900">
+              <a:buSzPts val="1000"/>
+              <a:buFont typeface="Symbol" panose="05050102010706020507" pitchFamily="18" charset="2"/>
+              <a:buChar char=""/>
+              <a:tabLst>
+                <a:tab pos="457200" algn="l"/>
+              </a:tabLst>
+            </a:pPr>
+            <a:r>
+              <a:rPr lang="en-NZ" sz="1600" dirty="0">
+                <a:solidFill>
+                  <a:srgbClr val="000000"/>
+                </a:solidFill>
+                <a:effectLst/>
+              </a:rPr>
+              <a:t>Rural / urban split, either nationwide or in specific regions?</a:t>
+            </a:r>
+            <a:endParaRPr lang="en-NZ" sz="1100" dirty="0">
+              <a:solidFill>
+                <a:srgbClr val="000000"/>
+              </a:solidFill>
+              <a:effectLst/>
+            </a:endParaRPr>
+          </a:p>
+          <a:p>
+            <a:pPr marL="342900" lvl="0" indent="-342900">
+              <a:buSzPts val="1000"/>
+              <a:buFont typeface="Symbol" panose="05050102010706020507" pitchFamily="18" charset="2"/>
+              <a:buChar char=""/>
+              <a:tabLst>
+                <a:tab pos="457200" algn="l"/>
+              </a:tabLst>
+            </a:pPr>
+            <a:r>
+              <a:rPr lang="en-NZ" sz="1600" dirty="0">
+                <a:solidFill>
+                  <a:srgbClr val="000000"/>
+                </a:solidFill>
+                <a:effectLst/>
+              </a:rPr>
+              <a:t>Terrain? e.g. Canterbury has a lot of flat terrain and straight roads.</a:t>
+            </a:r>
+            <a:endParaRPr lang="en-NZ" sz="1100" dirty="0">
+              <a:solidFill>
+                <a:srgbClr val="000000"/>
+              </a:solidFill>
+              <a:effectLst/>
+            </a:endParaRPr>
+          </a:p>
+          <a:p>
+            <a:endParaRPr lang="en-NZ" sz="1600" dirty="0">
+              <a:solidFill>
+                <a:srgbClr val="000000"/>
+              </a:solidFill>
+              <a:effectLst/>
+              <a:latin typeface="Calibri" panose="020F0502020204030204" pitchFamily="34" charset="0"/>
+              <a:ea typeface="Calibri" panose="020F0502020204030204" pitchFamily="34" charset="0"/>
+            </a:endParaRPr>
+          </a:p>
+          <a:p>
+            <a:r>
+              <a:rPr lang="en-NZ" sz="1600" dirty="0">
+                <a:solidFill>
+                  <a:srgbClr val="000000"/>
+                </a:solidFill>
+                <a:effectLst/>
+                <a:latin typeface="Calibri" panose="020F0502020204030204" pitchFamily="34" charset="0"/>
+                <a:ea typeface="Calibri" panose="020F0502020204030204" pitchFamily="34" charset="0"/>
+              </a:rPr>
+              <a:t>Further investigation possibilities:</a:t>
+            </a:r>
+            <a:endParaRPr lang="en-NZ" sz="1600" dirty="0">
+              <a:effectLst/>
+              <a:latin typeface="Calibri" panose="020F0502020204030204" pitchFamily="34" charset="0"/>
+              <a:ea typeface="Calibri" panose="020F0502020204030204" pitchFamily="34" charset="0"/>
+            </a:endParaRPr>
+          </a:p>
+          <a:p>
+            <a:pPr marL="342900" lvl="0" indent="-342900">
+              <a:buSzPts val="1000"/>
+              <a:buFont typeface="Symbol" panose="05050102010706020507" pitchFamily="18" charset="2"/>
+              <a:buChar char=""/>
+              <a:tabLst>
+                <a:tab pos="457200" algn="l"/>
+              </a:tabLst>
+            </a:pPr>
+            <a:r>
+              <a:rPr lang="en-NZ" sz="1600" dirty="0" err="1">
+                <a:solidFill>
+                  <a:srgbClr val="000000"/>
+                </a:solidFill>
+                <a:effectLst/>
+              </a:rPr>
+              <a:t>Analyze</a:t>
+            </a:r>
+            <a:r>
+              <a:rPr lang="en-NZ" sz="1600" dirty="0">
+                <a:solidFill>
+                  <a:srgbClr val="000000"/>
+                </a:solidFill>
+                <a:effectLst/>
+              </a:rPr>
+              <a:t> the frequencies of occurrence of other dataset parameters, and compare regions..</a:t>
+            </a:r>
+            <a:endParaRPr lang="en-NZ" sz="1100" dirty="0">
+              <a:solidFill>
+                <a:srgbClr val="000000"/>
+              </a:solidFill>
+              <a:effectLst/>
+            </a:endParaRPr>
+          </a:p>
+          <a:p>
+            <a:pPr marL="342900" lvl="0" indent="-342900">
+              <a:buSzPts val="1000"/>
+              <a:buFont typeface="Symbol" panose="05050102010706020507" pitchFamily="18" charset="2"/>
+              <a:buChar char=""/>
+              <a:tabLst>
+                <a:tab pos="457200" algn="l"/>
+              </a:tabLst>
+            </a:pPr>
+            <a:r>
+              <a:rPr lang="en-NZ" sz="1600" dirty="0">
+                <a:solidFill>
+                  <a:srgbClr val="000000"/>
+                </a:solidFill>
+                <a:effectLst/>
+              </a:rPr>
+              <a:t>Check localized clustering.  Do "black spots" dominate the statistics in certain regions? </a:t>
+            </a:r>
+            <a:endParaRPr lang="en-NZ" sz="1100" dirty="0">
+              <a:solidFill>
+                <a:srgbClr val="000000"/>
+              </a:solidFill>
+              <a:effectLst/>
+            </a:endParaRPr>
+          </a:p>
+          <a:p>
+            <a:pPr marL="342900" lvl="0" indent="-342900">
+              <a:buSzPts val="1000"/>
+              <a:buFont typeface="Symbol" panose="05050102010706020507" pitchFamily="18" charset="2"/>
+              <a:buChar char=""/>
+              <a:tabLst>
+                <a:tab pos="457200" algn="l"/>
+              </a:tabLst>
+            </a:pPr>
+            <a:r>
+              <a:rPr lang="en-NZ" sz="1600" dirty="0">
+                <a:solidFill>
+                  <a:srgbClr val="000000"/>
+                </a:solidFill>
+                <a:effectLst/>
+              </a:rPr>
+              <a:t>Check down to Area Units? However, these values have not remained static over the lifetime of this dataset, and have been replaced (since 2018) by SA2s.</a:t>
+            </a:r>
+            <a:endParaRPr lang="en-NZ" sz="1100" dirty="0">
+              <a:solidFill>
+                <a:srgbClr val="000000"/>
+              </a:solidFill>
+              <a:effectLst/>
+            </a:endParaRPr>
+          </a:p>
+          <a:p>
+            <a:endParaRPr lang="en-NZ" sz="1200" dirty="0"/>
+          </a:p>
+        </p:txBody>
+      </p:sp>
+    </p:spTree>
+    <p:extLst>
+      <p:ext uri="{BB962C8B-B14F-4D97-AF65-F5344CB8AC3E}">
+        <p14:creationId xmlns:p14="http://schemas.microsoft.com/office/powerpoint/2010/main" val="2791714196"/>
+      </p:ext>
+    </p:extLst>
+  </p:cSld>
+  <p:clrMapOvr>
+    <a:masterClrMapping/>
+  </p:clrMapOvr>
 </p:sld>
 </file>
 
@@ -4146,31 +8004,31 @@
         <a:sysClr val="window" lastClr="FFFFFF"/>
       </a:lt1>
       <a:dk2>
-        <a:srgbClr val="1f497d"/>
+        <a:srgbClr val="1F497D"/>
       </a:dk2>
       <a:lt2>
-        <a:srgbClr val="eeece1"/>
+        <a:srgbClr val="EEECE1"/>
       </a:lt2>
       <a:accent1>
-        <a:srgbClr val="4f81bd"/>
+        <a:srgbClr val="4F81BD"/>
       </a:accent1>
       <a:accent2>
-        <a:srgbClr val="c0504d"/>
+        <a:srgbClr val="C0504D"/>
       </a:accent2>
       <a:accent3>
-        <a:srgbClr val="9bbb59"/>
+        <a:srgbClr val="9BBB59"/>
       </a:accent3>
       <a:accent4>
-        <a:srgbClr val="8064a2"/>
+        <a:srgbClr val="8064A2"/>
       </a:accent4>
       <a:accent5>
-        <a:srgbClr val="4bacc6"/>
+        <a:srgbClr val="4BACC6"/>
       </a:accent5>
       <a:accent6>
-        <a:srgbClr val="f79646"/>
+        <a:srgbClr val="F79646"/>
       </a:accent6>
       <a:hlink>
-        <a:srgbClr val="0000ff"/>
+        <a:srgbClr val="0000FF"/>
       </a:hlink>
       <a:folHlink>
         <a:srgbClr val="800080"/>
@@ -4358,5 +8216,7 @@
       </a:bgFillStyleLst>
     </a:fmtScheme>
   </a:themeElements>
+  <a:objectDefaults/>
+  <a:extraClrSchemeLst/>
 </a:theme>
 </file>